--- a/draw/新.pptx
+++ b/draw/新.pptx
@@ -5,34 +5,35 @@
     <p:sldMasterId id="2147483648" r:id="rId1"/>
   </p:sldMasterIdLst>
   <p:notesMasterIdLst>
-    <p:notesMasterId r:id="rId27"/>
+    <p:notesMasterId r:id="rId28"/>
   </p:notesMasterIdLst>
   <p:sldIdLst>
     <p:sldId id="256" r:id="rId2"/>
     <p:sldId id="257" r:id="rId3"/>
     <p:sldId id="258" r:id="rId4"/>
     <p:sldId id="280" r:id="rId5"/>
-    <p:sldId id="259" r:id="rId6"/>
-    <p:sldId id="260" r:id="rId7"/>
-    <p:sldId id="261" r:id="rId8"/>
-    <p:sldId id="262" r:id="rId9"/>
-    <p:sldId id="263" r:id="rId10"/>
-    <p:sldId id="264" r:id="rId11"/>
-    <p:sldId id="265" r:id="rId12"/>
-    <p:sldId id="267" r:id="rId13"/>
-    <p:sldId id="266" r:id="rId14"/>
-    <p:sldId id="268" r:id="rId15"/>
-    <p:sldId id="269" r:id="rId16"/>
-    <p:sldId id="270" r:id="rId17"/>
-    <p:sldId id="271" r:id="rId18"/>
-    <p:sldId id="272" r:id="rId19"/>
-    <p:sldId id="273" r:id="rId20"/>
-    <p:sldId id="274" r:id="rId21"/>
-    <p:sldId id="275" r:id="rId22"/>
-    <p:sldId id="276" r:id="rId23"/>
-    <p:sldId id="277" r:id="rId24"/>
-    <p:sldId id="278" r:id="rId25"/>
-    <p:sldId id="279" r:id="rId26"/>
+    <p:sldId id="281" r:id="rId6"/>
+    <p:sldId id="259" r:id="rId7"/>
+    <p:sldId id="260" r:id="rId8"/>
+    <p:sldId id="261" r:id="rId9"/>
+    <p:sldId id="262" r:id="rId10"/>
+    <p:sldId id="263" r:id="rId11"/>
+    <p:sldId id="264" r:id="rId12"/>
+    <p:sldId id="265" r:id="rId13"/>
+    <p:sldId id="267" r:id="rId14"/>
+    <p:sldId id="266" r:id="rId15"/>
+    <p:sldId id="268" r:id="rId16"/>
+    <p:sldId id="269" r:id="rId17"/>
+    <p:sldId id="270" r:id="rId18"/>
+    <p:sldId id="271" r:id="rId19"/>
+    <p:sldId id="272" r:id="rId20"/>
+    <p:sldId id="273" r:id="rId21"/>
+    <p:sldId id="274" r:id="rId22"/>
+    <p:sldId id="275" r:id="rId23"/>
+    <p:sldId id="276" r:id="rId24"/>
+    <p:sldId id="277" r:id="rId25"/>
+    <p:sldId id="278" r:id="rId26"/>
+    <p:sldId id="279" r:id="rId27"/>
   </p:sldIdLst>
   <p:sldSz cx="12192000" cy="6858000"/>
   <p:notesSz cx="6858000" cy="9144000"/>
@@ -1151,7 +1152,7 @@
           <a:p>
             <a:fld id="{F2839D4E-98E8-4AE8-B80E-574F1AA2E388}" type="datetimeFigureOut">
               <a:rPr lang="zh-CN" altLang="en-US" smtClean="0"/>
-              <a:t>2023/11/10</a:t>
+              <a:t>2024/1/9</a:t>
             </a:fld>
             <a:endParaRPr lang="zh-CN" altLang="en-US"/>
           </a:p>
@@ -1649,7 +1650,7 @@
           <a:p>
             <a:fld id="{69A3F84C-AD8D-472D-A952-4E51910830CC}" type="datetimeFigureOut">
               <a:rPr lang="zh-CN" altLang="en-US" smtClean="0"/>
-              <a:t>2023/11/10</a:t>
+              <a:t>2024/1/9</a:t>
             </a:fld>
             <a:endParaRPr lang="zh-CN" altLang="en-US"/>
           </a:p>
@@ -1847,7 +1848,7 @@
           <a:p>
             <a:fld id="{69A3F84C-AD8D-472D-A952-4E51910830CC}" type="datetimeFigureOut">
               <a:rPr lang="zh-CN" altLang="en-US" smtClean="0"/>
-              <a:t>2023/11/10</a:t>
+              <a:t>2024/1/9</a:t>
             </a:fld>
             <a:endParaRPr lang="zh-CN" altLang="en-US"/>
           </a:p>
@@ -2055,7 +2056,7 @@
           <a:p>
             <a:fld id="{69A3F84C-AD8D-472D-A952-4E51910830CC}" type="datetimeFigureOut">
               <a:rPr lang="zh-CN" altLang="en-US" smtClean="0"/>
-              <a:t>2023/11/10</a:t>
+              <a:t>2024/1/9</a:t>
             </a:fld>
             <a:endParaRPr lang="zh-CN" altLang="en-US"/>
           </a:p>
@@ -2253,7 +2254,7 @@
           <a:p>
             <a:fld id="{69A3F84C-AD8D-472D-A952-4E51910830CC}" type="datetimeFigureOut">
               <a:rPr lang="zh-CN" altLang="en-US" smtClean="0"/>
-              <a:t>2023/11/10</a:t>
+              <a:t>2024/1/9</a:t>
             </a:fld>
             <a:endParaRPr lang="zh-CN" altLang="en-US"/>
           </a:p>
@@ -2528,7 +2529,7 @@
           <a:p>
             <a:fld id="{69A3F84C-AD8D-472D-A952-4E51910830CC}" type="datetimeFigureOut">
               <a:rPr lang="zh-CN" altLang="en-US" smtClean="0"/>
-              <a:t>2023/11/10</a:t>
+              <a:t>2024/1/9</a:t>
             </a:fld>
             <a:endParaRPr lang="zh-CN" altLang="en-US"/>
           </a:p>
@@ -2793,7 +2794,7 @@
           <a:p>
             <a:fld id="{69A3F84C-AD8D-472D-A952-4E51910830CC}" type="datetimeFigureOut">
               <a:rPr lang="zh-CN" altLang="en-US" smtClean="0"/>
-              <a:t>2023/11/10</a:t>
+              <a:t>2024/1/9</a:t>
             </a:fld>
             <a:endParaRPr lang="zh-CN" altLang="en-US"/>
           </a:p>
@@ -3205,7 +3206,7 @@
           <a:p>
             <a:fld id="{69A3F84C-AD8D-472D-A952-4E51910830CC}" type="datetimeFigureOut">
               <a:rPr lang="zh-CN" altLang="en-US" smtClean="0"/>
-              <a:t>2023/11/10</a:t>
+              <a:t>2024/1/9</a:t>
             </a:fld>
             <a:endParaRPr lang="zh-CN" altLang="en-US"/>
           </a:p>
@@ -3346,7 +3347,7 @@
           <a:p>
             <a:fld id="{69A3F84C-AD8D-472D-A952-4E51910830CC}" type="datetimeFigureOut">
               <a:rPr lang="zh-CN" altLang="en-US" smtClean="0"/>
-              <a:t>2023/11/10</a:t>
+              <a:t>2024/1/9</a:t>
             </a:fld>
             <a:endParaRPr lang="zh-CN" altLang="en-US"/>
           </a:p>
@@ -3459,7 +3460,7 @@
           <a:p>
             <a:fld id="{69A3F84C-AD8D-472D-A952-4E51910830CC}" type="datetimeFigureOut">
               <a:rPr lang="zh-CN" altLang="en-US" smtClean="0"/>
-              <a:t>2023/11/10</a:t>
+              <a:t>2024/1/9</a:t>
             </a:fld>
             <a:endParaRPr lang="zh-CN" altLang="en-US"/>
           </a:p>
@@ -3770,7 +3771,7 @@
           <a:p>
             <a:fld id="{69A3F84C-AD8D-472D-A952-4E51910830CC}" type="datetimeFigureOut">
               <a:rPr lang="zh-CN" altLang="en-US" smtClean="0"/>
-              <a:t>2023/11/10</a:t>
+              <a:t>2024/1/9</a:t>
             </a:fld>
             <a:endParaRPr lang="zh-CN" altLang="en-US"/>
           </a:p>
@@ -4058,7 +4059,7 @@
           <a:p>
             <a:fld id="{69A3F84C-AD8D-472D-A952-4E51910830CC}" type="datetimeFigureOut">
               <a:rPr lang="zh-CN" altLang="en-US" smtClean="0"/>
-              <a:t>2023/11/10</a:t>
+              <a:t>2024/1/9</a:t>
             </a:fld>
             <a:endParaRPr lang="zh-CN" altLang="en-US"/>
           </a:p>
@@ -4299,7 +4300,7 @@
           <a:p>
             <a:fld id="{69A3F84C-AD8D-472D-A952-4E51910830CC}" type="datetimeFigureOut">
               <a:rPr lang="zh-CN" altLang="en-US" smtClean="0"/>
-              <a:t>2023/11/10</a:t>
+              <a:t>2024/1/9</a:t>
             </a:fld>
             <a:endParaRPr lang="zh-CN" altLang="en-US"/>
           </a:p>
@@ -9475,6 +9476,715 @@
       </p:grpSpPr>
       <p:sp>
         <p:nvSpPr>
+          <p:cNvPr id="5" name="矩形 4">
+            <a:extLst>
+              <a:ext uri="{FF2B5EF4-FFF2-40B4-BE49-F238E27FC236}">
+                <a16:creationId xmlns:a16="http://schemas.microsoft.com/office/drawing/2014/main" id="{54EA0CEC-3247-CA89-6D2F-6216703AE138}"/>
+              </a:ext>
+            </a:extLst>
+          </p:cNvPr>
+          <p:cNvSpPr/>
+          <p:nvPr/>
+        </p:nvSpPr>
+        <p:spPr>
+          <a:xfrm>
+            <a:off x="1865376" y="539496"/>
+            <a:ext cx="8613648" cy="5504688"/>
+          </a:xfrm>
+          <a:prstGeom prst="rect">
+            <a:avLst/>
+          </a:prstGeom>
+          <a:solidFill>
+            <a:srgbClr val="F0FAEF"/>
+          </a:solidFill>
+          <a:ln>
+            <a:noFill/>
+          </a:ln>
+        </p:spPr>
+        <p:style>
+          <a:lnRef idx="2">
+            <a:schemeClr val="accent1">
+              <a:shade val="50000"/>
+            </a:schemeClr>
+          </a:lnRef>
+          <a:fillRef idx="1">
+            <a:schemeClr val="accent1"/>
+          </a:fillRef>
+          <a:effectRef idx="0">
+            <a:schemeClr val="accent1"/>
+          </a:effectRef>
+          <a:fontRef idx="minor">
+            <a:schemeClr val="lt1"/>
+          </a:fontRef>
+        </p:style>
+        <p:txBody>
+          <a:bodyPr rtlCol="0" anchor="ctr"/>
+          <a:lstStyle/>
+          <a:p>
+            <a:pPr algn="ctr"/>
+            <a:endParaRPr lang="zh-CN" altLang="en-US"/>
+          </a:p>
+        </p:txBody>
+      </p:sp>
+      <p:sp>
+        <p:nvSpPr>
+          <p:cNvPr id="4" name="文本框 3">
+            <a:extLst>
+              <a:ext uri="{FF2B5EF4-FFF2-40B4-BE49-F238E27FC236}">
+                <a16:creationId xmlns:a16="http://schemas.microsoft.com/office/drawing/2014/main" id="{8E49ADCF-7681-932E-7E7A-71C5B03E0965}"/>
+              </a:ext>
+            </a:extLst>
+          </p:cNvPr>
+          <p:cNvSpPr txBox="1"/>
+          <p:nvPr/>
+        </p:nvSpPr>
+        <p:spPr>
+          <a:xfrm>
+            <a:off x="3939800" y="813816"/>
+            <a:ext cx="4312399" cy="461665"/>
+          </a:xfrm>
+          <a:prstGeom prst="rect">
+            <a:avLst/>
+          </a:prstGeom>
+          <a:noFill/>
+        </p:spPr>
+        <p:txBody>
+          <a:bodyPr wrap="none" rtlCol="0">
+            <a:spAutoFit/>
+          </a:bodyPr>
+          <a:lstStyle/>
+          <a:p>
+            <a:r>
+              <a:rPr lang="en-US" altLang="zh-CN" sz="2400" b="1">
+                <a:solidFill>
+                  <a:srgbClr val="2A2DB0"/>
+                </a:solidFill>
+                <a:latin typeface="Bell MT" panose="02020503060305020303" pitchFamily="18" charset="0"/>
+              </a:rPr>
+              <a:t>Adaptive Periodic Grid Model</a:t>
+            </a:r>
+            <a:endParaRPr lang="zh-CN" altLang="en-US" sz="2400" b="1">
+              <a:solidFill>
+                <a:srgbClr val="2A2DB0"/>
+              </a:solidFill>
+              <a:latin typeface="Bell MT" panose="02020503060305020303" pitchFamily="18" charset="0"/>
+            </a:endParaRPr>
+          </a:p>
+        </p:txBody>
+      </p:sp>
+      <p:sp>
+        <p:nvSpPr>
+          <p:cNvPr id="6" name="矩形: 圆角 5">
+            <a:extLst>
+              <a:ext uri="{FF2B5EF4-FFF2-40B4-BE49-F238E27FC236}">
+                <a16:creationId xmlns:a16="http://schemas.microsoft.com/office/drawing/2014/main" id="{03DB2C2E-DAA5-4AF1-6498-F108D77B49DF}"/>
+              </a:ext>
+            </a:extLst>
+          </p:cNvPr>
+          <p:cNvSpPr/>
+          <p:nvPr/>
+        </p:nvSpPr>
+        <p:spPr>
+          <a:xfrm>
+            <a:off x="2697480" y="1815191"/>
+            <a:ext cx="1417320" cy="640080"/>
+          </a:xfrm>
+          <a:prstGeom prst="roundRect">
+            <a:avLst/>
+          </a:prstGeom>
+          <a:solidFill>
+            <a:srgbClr val="A6D9DC"/>
+          </a:solidFill>
+          <a:ln>
+            <a:solidFill>
+              <a:srgbClr val="477597"/>
+            </a:solidFill>
+          </a:ln>
+        </p:spPr>
+        <p:style>
+          <a:lnRef idx="2">
+            <a:schemeClr val="accent1">
+              <a:shade val="50000"/>
+            </a:schemeClr>
+          </a:lnRef>
+          <a:fillRef idx="1">
+            <a:schemeClr val="accent1"/>
+          </a:fillRef>
+          <a:effectRef idx="0">
+            <a:schemeClr val="accent1"/>
+          </a:effectRef>
+          <a:fontRef idx="minor">
+            <a:schemeClr val="lt1"/>
+          </a:fontRef>
+        </p:style>
+        <p:txBody>
+          <a:bodyPr rtlCol="0" anchor="ctr"/>
+          <a:lstStyle/>
+          <a:p>
+            <a:pPr algn="ctr"/>
+            <a:r>
+              <a:rPr lang="en-US" altLang="zh-CN" sz="1600">
+                <a:solidFill>
+                  <a:srgbClr val="477597"/>
+                </a:solidFill>
+                <a:latin typeface="霞鹜文楷" panose="02020500000000000000" pitchFamily="18" charset="-122"/>
+                <a:ea typeface="霞鹜文楷" panose="02020500000000000000" pitchFamily="18" charset="-122"/>
+              </a:rPr>
+              <a:t>Initialize parameter</a:t>
+            </a:r>
+          </a:p>
+        </p:txBody>
+      </p:sp>
+      <p:sp>
+        <p:nvSpPr>
+          <p:cNvPr id="11" name="矩形: 圆角 10">
+            <a:extLst>
+              <a:ext uri="{FF2B5EF4-FFF2-40B4-BE49-F238E27FC236}">
+                <a16:creationId xmlns:a16="http://schemas.microsoft.com/office/drawing/2014/main" id="{9883315A-CB12-19EE-4ED8-420E5C1AF5DC}"/>
+              </a:ext>
+            </a:extLst>
+          </p:cNvPr>
+          <p:cNvSpPr/>
+          <p:nvPr/>
+        </p:nvSpPr>
+        <p:spPr>
+          <a:xfrm>
+            <a:off x="6926580" y="3844564"/>
+            <a:ext cx="1417320" cy="640080"/>
+          </a:xfrm>
+          <a:prstGeom prst="roundRect">
+            <a:avLst/>
+          </a:prstGeom>
+          <a:solidFill>
+            <a:srgbClr val="A6D9DC"/>
+          </a:solidFill>
+          <a:ln>
+            <a:solidFill>
+              <a:srgbClr val="477597"/>
+            </a:solidFill>
+          </a:ln>
+        </p:spPr>
+        <p:style>
+          <a:lnRef idx="2">
+            <a:schemeClr val="accent1">
+              <a:shade val="50000"/>
+            </a:schemeClr>
+          </a:lnRef>
+          <a:fillRef idx="1">
+            <a:schemeClr val="accent1"/>
+          </a:fillRef>
+          <a:effectRef idx="0">
+            <a:schemeClr val="accent1"/>
+          </a:effectRef>
+          <a:fontRef idx="minor">
+            <a:schemeClr val="lt1"/>
+          </a:fontRef>
+        </p:style>
+        <p:txBody>
+          <a:bodyPr rtlCol="0" anchor="ctr"/>
+          <a:lstStyle/>
+          <a:p>
+            <a:pPr algn="ctr"/>
+            <a:r>
+              <a:rPr lang="en-US" altLang="zh-CN" sz="1600">
+                <a:solidFill>
+                  <a:srgbClr val="477597"/>
+                </a:solidFill>
+                <a:latin typeface="霞鹜文楷" panose="02020500000000000000" pitchFamily="18" charset="-122"/>
+                <a:ea typeface="霞鹜文楷" panose="02020500000000000000" pitchFamily="18" charset="-122"/>
+              </a:rPr>
+              <a:t>Initialize parameter</a:t>
+            </a:r>
+          </a:p>
+        </p:txBody>
+      </p:sp>
+      <p:sp>
+        <p:nvSpPr>
+          <p:cNvPr id="21" name="矩形: 圆角 20">
+            <a:extLst>
+              <a:ext uri="{FF2B5EF4-FFF2-40B4-BE49-F238E27FC236}">
+                <a16:creationId xmlns:a16="http://schemas.microsoft.com/office/drawing/2014/main" id="{4FE34FE0-4E87-C4D8-AC1F-DA54F7B1102D}"/>
+              </a:ext>
+            </a:extLst>
+          </p:cNvPr>
+          <p:cNvSpPr/>
+          <p:nvPr/>
+        </p:nvSpPr>
+        <p:spPr>
+          <a:xfrm>
+            <a:off x="2697480" y="3844564"/>
+            <a:ext cx="1417320" cy="640080"/>
+          </a:xfrm>
+          <a:prstGeom prst="roundRect">
+            <a:avLst/>
+          </a:prstGeom>
+          <a:solidFill>
+            <a:srgbClr val="A6D9DC"/>
+          </a:solidFill>
+          <a:ln>
+            <a:solidFill>
+              <a:srgbClr val="477597"/>
+            </a:solidFill>
+          </a:ln>
+        </p:spPr>
+        <p:style>
+          <a:lnRef idx="2">
+            <a:schemeClr val="accent1">
+              <a:shade val="50000"/>
+            </a:schemeClr>
+          </a:lnRef>
+          <a:fillRef idx="1">
+            <a:schemeClr val="accent1"/>
+          </a:fillRef>
+          <a:effectRef idx="0">
+            <a:schemeClr val="accent1"/>
+          </a:effectRef>
+          <a:fontRef idx="minor">
+            <a:schemeClr val="lt1"/>
+          </a:fontRef>
+        </p:style>
+        <p:txBody>
+          <a:bodyPr rtlCol="0" anchor="ctr"/>
+          <a:lstStyle/>
+          <a:p>
+            <a:pPr algn="ctr"/>
+            <a:r>
+              <a:rPr lang="en-US" altLang="zh-CN" sz="1600">
+                <a:solidFill>
+                  <a:srgbClr val="477597"/>
+                </a:solidFill>
+                <a:latin typeface="霞鹜文楷" panose="02020500000000000000" pitchFamily="18" charset="-122"/>
+                <a:ea typeface="霞鹜文楷" panose="02020500000000000000" pitchFamily="18" charset="-122"/>
+              </a:rPr>
+              <a:t>Initialize parameter</a:t>
+            </a:r>
+          </a:p>
+        </p:txBody>
+      </p:sp>
+      <p:sp>
+        <p:nvSpPr>
+          <p:cNvPr id="32" name="矩形: 圆角 31">
+            <a:extLst>
+              <a:ext uri="{FF2B5EF4-FFF2-40B4-BE49-F238E27FC236}">
+                <a16:creationId xmlns:a16="http://schemas.microsoft.com/office/drawing/2014/main" id="{EDDB851F-2575-1414-86D2-627361CF277E}"/>
+              </a:ext>
+            </a:extLst>
+          </p:cNvPr>
+          <p:cNvSpPr/>
+          <p:nvPr/>
+        </p:nvSpPr>
+        <p:spPr>
+          <a:xfrm flipV="1">
+            <a:off x="4115250" y="2084695"/>
+            <a:ext cx="3542850" cy="1759869"/>
+          </a:xfrm>
+          <a:custGeom>
+            <a:avLst/>
+            <a:gdLst>
+              <a:gd name="connsiteX0" fmla="*/ 0 w 1941195"/>
+              <a:gd name="connsiteY0" fmla="*/ 323539 h 3171825"/>
+              <a:gd name="connsiteX1" fmla="*/ 323539 w 1941195"/>
+              <a:gd name="connsiteY1" fmla="*/ 0 h 3171825"/>
+              <a:gd name="connsiteX2" fmla="*/ 1617656 w 1941195"/>
+              <a:gd name="connsiteY2" fmla="*/ 0 h 3171825"/>
+              <a:gd name="connsiteX3" fmla="*/ 1941195 w 1941195"/>
+              <a:gd name="connsiteY3" fmla="*/ 323539 h 3171825"/>
+              <a:gd name="connsiteX4" fmla="*/ 1941195 w 1941195"/>
+              <a:gd name="connsiteY4" fmla="*/ 2848286 h 3171825"/>
+              <a:gd name="connsiteX5" fmla="*/ 1617656 w 1941195"/>
+              <a:gd name="connsiteY5" fmla="*/ 3171825 h 3171825"/>
+              <a:gd name="connsiteX6" fmla="*/ 323539 w 1941195"/>
+              <a:gd name="connsiteY6" fmla="*/ 3171825 h 3171825"/>
+              <a:gd name="connsiteX7" fmla="*/ 0 w 1941195"/>
+              <a:gd name="connsiteY7" fmla="*/ 2848286 h 3171825"/>
+              <a:gd name="connsiteX8" fmla="*/ 0 w 1941195"/>
+              <a:gd name="connsiteY8" fmla="*/ 323539 h 3171825"/>
+              <a:gd name="connsiteX0" fmla="*/ 0 w 1941195"/>
+              <a:gd name="connsiteY0" fmla="*/ 323539 h 3171825"/>
+              <a:gd name="connsiteX1" fmla="*/ 323539 w 1941195"/>
+              <a:gd name="connsiteY1" fmla="*/ 0 h 3171825"/>
+              <a:gd name="connsiteX2" fmla="*/ 1941195 w 1941195"/>
+              <a:gd name="connsiteY2" fmla="*/ 323539 h 3171825"/>
+              <a:gd name="connsiteX3" fmla="*/ 1941195 w 1941195"/>
+              <a:gd name="connsiteY3" fmla="*/ 2848286 h 3171825"/>
+              <a:gd name="connsiteX4" fmla="*/ 1617656 w 1941195"/>
+              <a:gd name="connsiteY4" fmla="*/ 3171825 h 3171825"/>
+              <a:gd name="connsiteX5" fmla="*/ 323539 w 1941195"/>
+              <a:gd name="connsiteY5" fmla="*/ 3171825 h 3171825"/>
+              <a:gd name="connsiteX6" fmla="*/ 0 w 1941195"/>
+              <a:gd name="connsiteY6" fmla="*/ 2848286 h 3171825"/>
+              <a:gd name="connsiteX7" fmla="*/ 0 w 1941195"/>
+              <a:gd name="connsiteY7" fmla="*/ 323539 h 3171825"/>
+              <a:gd name="connsiteX0" fmla="*/ 0 w 1941195"/>
+              <a:gd name="connsiteY0" fmla="*/ 315594 h 3163880"/>
+              <a:gd name="connsiteX1" fmla="*/ 1941195 w 1941195"/>
+              <a:gd name="connsiteY1" fmla="*/ 315594 h 3163880"/>
+              <a:gd name="connsiteX2" fmla="*/ 1941195 w 1941195"/>
+              <a:gd name="connsiteY2" fmla="*/ 2840341 h 3163880"/>
+              <a:gd name="connsiteX3" fmla="*/ 1617656 w 1941195"/>
+              <a:gd name="connsiteY3" fmla="*/ 3163880 h 3163880"/>
+              <a:gd name="connsiteX4" fmla="*/ 323539 w 1941195"/>
+              <a:gd name="connsiteY4" fmla="*/ 3163880 h 3163880"/>
+              <a:gd name="connsiteX5" fmla="*/ 0 w 1941195"/>
+              <a:gd name="connsiteY5" fmla="*/ 2840341 h 3163880"/>
+              <a:gd name="connsiteX6" fmla="*/ 0 w 1941195"/>
+              <a:gd name="connsiteY6" fmla="*/ 315594 h 3163880"/>
+              <a:gd name="connsiteX0" fmla="*/ 0 w 1941195"/>
+              <a:gd name="connsiteY0" fmla="*/ 2524747 h 2848286"/>
+              <a:gd name="connsiteX1" fmla="*/ 1941195 w 1941195"/>
+              <a:gd name="connsiteY1" fmla="*/ 0 h 2848286"/>
+              <a:gd name="connsiteX2" fmla="*/ 1941195 w 1941195"/>
+              <a:gd name="connsiteY2" fmla="*/ 2524747 h 2848286"/>
+              <a:gd name="connsiteX3" fmla="*/ 1617656 w 1941195"/>
+              <a:gd name="connsiteY3" fmla="*/ 2848286 h 2848286"/>
+              <a:gd name="connsiteX4" fmla="*/ 323539 w 1941195"/>
+              <a:gd name="connsiteY4" fmla="*/ 2848286 h 2848286"/>
+              <a:gd name="connsiteX5" fmla="*/ 0 w 1941195"/>
+              <a:gd name="connsiteY5" fmla="*/ 2524747 h 2848286"/>
+              <a:gd name="connsiteX0" fmla="*/ 0 w 1617656"/>
+              <a:gd name="connsiteY0" fmla="*/ 2848286 h 2848286"/>
+              <a:gd name="connsiteX1" fmla="*/ 1617656 w 1617656"/>
+              <a:gd name="connsiteY1" fmla="*/ 0 h 2848286"/>
+              <a:gd name="connsiteX2" fmla="*/ 1617656 w 1617656"/>
+              <a:gd name="connsiteY2" fmla="*/ 2524747 h 2848286"/>
+              <a:gd name="connsiteX3" fmla="*/ 1294117 w 1617656"/>
+              <a:gd name="connsiteY3" fmla="*/ 2848286 h 2848286"/>
+              <a:gd name="connsiteX4" fmla="*/ 0 w 1617656"/>
+              <a:gd name="connsiteY4" fmla="*/ 2848286 h 2848286"/>
+              <a:gd name="connsiteX0" fmla="*/ 1526216 w 1526216"/>
+              <a:gd name="connsiteY0" fmla="*/ 0 h 2939726"/>
+              <a:gd name="connsiteX1" fmla="*/ 1526216 w 1526216"/>
+              <a:gd name="connsiteY1" fmla="*/ 2524747 h 2939726"/>
+              <a:gd name="connsiteX2" fmla="*/ 1202677 w 1526216"/>
+              <a:gd name="connsiteY2" fmla="*/ 2848286 h 2939726"/>
+              <a:gd name="connsiteX3" fmla="*/ 0 w 1526216"/>
+              <a:gd name="connsiteY3" fmla="*/ 2939726 h 2939726"/>
+              <a:gd name="connsiteX0" fmla="*/ 1545266 w 1545266"/>
+              <a:gd name="connsiteY0" fmla="*/ 0 h 2882576"/>
+              <a:gd name="connsiteX1" fmla="*/ 1545266 w 1545266"/>
+              <a:gd name="connsiteY1" fmla="*/ 2524747 h 2882576"/>
+              <a:gd name="connsiteX2" fmla="*/ 1221727 w 1545266"/>
+              <a:gd name="connsiteY2" fmla="*/ 2848286 h 2882576"/>
+              <a:gd name="connsiteX3" fmla="*/ 0 w 1545266"/>
+              <a:gd name="connsiteY3" fmla="*/ 2882576 h 2882576"/>
+              <a:gd name="connsiteX0" fmla="*/ 3402641 w 3402641"/>
+              <a:gd name="connsiteY0" fmla="*/ 0 h 2848286"/>
+              <a:gd name="connsiteX1" fmla="*/ 3402641 w 3402641"/>
+              <a:gd name="connsiteY1" fmla="*/ 2524747 h 2848286"/>
+              <a:gd name="connsiteX2" fmla="*/ 3079102 w 3402641"/>
+              <a:gd name="connsiteY2" fmla="*/ 2848286 h 2848286"/>
+              <a:gd name="connsiteX3" fmla="*/ 0 w 3402641"/>
+              <a:gd name="connsiteY3" fmla="*/ 2844476 h 2848286"/>
+              <a:gd name="connsiteX0" fmla="*/ 3402641 w 3402641"/>
+              <a:gd name="connsiteY0" fmla="*/ 0 h 2848286"/>
+              <a:gd name="connsiteX1" fmla="*/ 3393493 w 3402641"/>
+              <a:gd name="connsiteY1" fmla="*/ 2339756 h 2848286"/>
+              <a:gd name="connsiteX2" fmla="*/ 3079102 w 3402641"/>
+              <a:gd name="connsiteY2" fmla="*/ 2848286 h 2848286"/>
+              <a:gd name="connsiteX3" fmla="*/ 0 w 3402641"/>
+              <a:gd name="connsiteY3" fmla="*/ 2844476 h 2848286"/>
+              <a:gd name="connsiteX0" fmla="*/ 3402641 w 3402641"/>
+              <a:gd name="connsiteY0" fmla="*/ 0 h 2848286"/>
+              <a:gd name="connsiteX1" fmla="*/ 3393493 w 3402641"/>
+              <a:gd name="connsiteY1" fmla="*/ 2339756 h 2848286"/>
+              <a:gd name="connsiteX2" fmla="*/ 2951029 w 3402641"/>
+              <a:gd name="connsiteY2" fmla="*/ 2848286 h 2848286"/>
+              <a:gd name="connsiteX3" fmla="*/ 0 w 3402641"/>
+              <a:gd name="connsiteY3" fmla="*/ 2844476 h 2848286"/>
+              <a:gd name="connsiteX0" fmla="*/ 3402641 w 3402641"/>
+              <a:gd name="connsiteY0" fmla="*/ 0 h 2848286"/>
+              <a:gd name="connsiteX1" fmla="*/ 3393493 w 3402641"/>
+              <a:gd name="connsiteY1" fmla="*/ 2339756 h 2848286"/>
+              <a:gd name="connsiteX2" fmla="*/ 3051658 w 3402641"/>
+              <a:gd name="connsiteY2" fmla="*/ 2848286 h 2848286"/>
+              <a:gd name="connsiteX3" fmla="*/ 0 w 3402641"/>
+              <a:gd name="connsiteY3" fmla="*/ 2844476 h 2848286"/>
+            </a:gdLst>
+            <a:ahLst/>
+            <a:cxnLst>
+              <a:cxn ang="0">
+                <a:pos x="connsiteX0" y="connsiteY0"/>
+              </a:cxn>
+              <a:cxn ang="0">
+                <a:pos x="connsiteX1" y="connsiteY1"/>
+              </a:cxn>
+              <a:cxn ang="0">
+                <a:pos x="connsiteX2" y="connsiteY2"/>
+              </a:cxn>
+              <a:cxn ang="0">
+                <a:pos x="connsiteX3" y="connsiteY3"/>
+              </a:cxn>
+            </a:cxnLst>
+            <a:rect l="l" t="t" r="r" b="b"/>
+            <a:pathLst>
+              <a:path w="3402641" h="2848286">
+                <a:moveTo>
+                  <a:pt x="3402641" y="0"/>
+                </a:moveTo>
+                <a:cubicBezTo>
+                  <a:pt x="3399592" y="779919"/>
+                  <a:pt x="3396542" y="1559837"/>
+                  <a:pt x="3393493" y="2339756"/>
+                </a:cubicBezTo>
+                <a:cubicBezTo>
+                  <a:pt x="3393493" y="2518442"/>
+                  <a:pt x="3230344" y="2848286"/>
+                  <a:pt x="3051658" y="2848286"/>
+                </a:cubicBezTo>
+                <a:lnTo>
+                  <a:pt x="0" y="2844476"/>
+                </a:lnTo>
+              </a:path>
+            </a:pathLst>
+          </a:custGeom>
+          <a:noFill/>
+          <a:ln w="19050">
+            <a:solidFill>
+              <a:srgbClr val="477597"/>
+            </a:solidFill>
+            <a:tailEnd type="stealth" w="lg" len="lg"/>
+          </a:ln>
+        </p:spPr>
+        <p:style>
+          <a:lnRef idx="2">
+            <a:schemeClr val="accent1">
+              <a:shade val="50000"/>
+            </a:schemeClr>
+          </a:lnRef>
+          <a:fillRef idx="1">
+            <a:schemeClr val="accent1"/>
+          </a:fillRef>
+          <a:effectRef idx="0">
+            <a:schemeClr val="accent1"/>
+          </a:effectRef>
+          <a:fontRef idx="minor">
+            <a:schemeClr val="lt1"/>
+          </a:fontRef>
+        </p:style>
+        <p:txBody>
+          <a:bodyPr rtlCol="0" anchor="ctr"/>
+          <a:lstStyle/>
+          <a:p>
+            <a:pPr algn="ctr"/>
+            <a:endParaRPr lang="zh-CN" altLang="en-US"/>
+          </a:p>
+        </p:txBody>
+      </p:sp>
+      <p:sp>
+        <p:nvSpPr>
+          <p:cNvPr id="33" name="矩形: 圆角 31">
+            <a:extLst>
+              <a:ext uri="{FF2B5EF4-FFF2-40B4-BE49-F238E27FC236}">
+                <a16:creationId xmlns:a16="http://schemas.microsoft.com/office/drawing/2014/main" id="{0E95C62B-F053-76D4-65FC-9193DA6D4875}"/>
+              </a:ext>
+            </a:extLst>
+          </p:cNvPr>
+          <p:cNvSpPr/>
+          <p:nvPr/>
+        </p:nvSpPr>
+        <p:spPr>
+          <a:xfrm>
+            <a:off x="9747408" y="201394"/>
+            <a:ext cx="1463231" cy="1224843"/>
+          </a:xfrm>
+          <a:custGeom>
+            <a:avLst/>
+            <a:gdLst>
+              <a:gd name="connsiteX0" fmla="*/ 0 w 1941195"/>
+              <a:gd name="connsiteY0" fmla="*/ 323539 h 3171825"/>
+              <a:gd name="connsiteX1" fmla="*/ 323539 w 1941195"/>
+              <a:gd name="connsiteY1" fmla="*/ 0 h 3171825"/>
+              <a:gd name="connsiteX2" fmla="*/ 1617656 w 1941195"/>
+              <a:gd name="connsiteY2" fmla="*/ 0 h 3171825"/>
+              <a:gd name="connsiteX3" fmla="*/ 1941195 w 1941195"/>
+              <a:gd name="connsiteY3" fmla="*/ 323539 h 3171825"/>
+              <a:gd name="connsiteX4" fmla="*/ 1941195 w 1941195"/>
+              <a:gd name="connsiteY4" fmla="*/ 2848286 h 3171825"/>
+              <a:gd name="connsiteX5" fmla="*/ 1617656 w 1941195"/>
+              <a:gd name="connsiteY5" fmla="*/ 3171825 h 3171825"/>
+              <a:gd name="connsiteX6" fmla="*/ 323539 w 1941195"/>
+              <a:gd name="connsiteY6" fmla="*/ 3171825 h 3171825"/>
+              <a:gd name="connsiteX7" fmla="*/ 0 w 1941195"/>
+              <a:gd name="connsiteY7" fmla="*/ 2848286 h 3171825"/>
+              <a:gd name="connsiteX8" fmla="*/ 0 w 1941195"/>
+              <a:gd name="connsiteY8" fmla="*/ 323539 h 3171825"/>
+              <a:gd name="connsiteX0" fmla="*/ 0 w 1941195"/>
+              <a:gd name="connsiteY0" fmla="*/ 323539 h 3171825"/>
+              <a:gd name="connsiteX1" fmla="*/ 323539 w 1941195"/>
+              <a:gd name="connsiteY1" fmla="*/ 0 h 3171825"/>
+              <a:gd name="connsiteX2" fmla="*/ 1941195 w 1941195"/>
+              <a:gd name="connsiteY2" fmla="*/ 323539 h 3171825"/>
+              <a:gd name="connsiteX3" fmla="*/ 1941195 w 1941195"/>
+              <a:gd name="connsiteY3" fmla="*/ 2848286 h 3171825"/>
+              <a:gd name="connsiteX4" fmla="*/ 1617656 w 1941195"/>
+              <a:gd name="connsiteY4" fmla="*/ 3171825 h 3171825"/>
+              <a:gd name="connsiteX5" fmla="*/ 323539 w 1941195"/>
+              <a:gd name="connsiteY5" fmla="*/ 3171825 h 3171825"/>
+              <a:gd name="connsiteX6" fmla="*/ 0 w 1941195"/>
+              <a:gd name="connsiteY6" fmla="*/ 2848286 h 3171825"/>
+              <a:gd name="connsiteX7" fmla="*/ 0 w 1941195"/>
+              <a:gd name="connsiteY7" fmla="*/ 323539 h 3171825"/>
+              <a:gd name="connsiteX0" fmla="*/ 0 w 1941195"/>
+              <a:gd name="connsiteY0" fmla="*/ 315594 h 3163880"/>
+              <a:gd name="connsiteX1" fmla="*/ 1941195 w 1941195"/>
+              <a:gd name="connsiteY1" fmla="*/ 315594 h 3163880"/>
+              <a:gd name="connsiteX2" fmla="*/ 1941195 w 1941195"/>
+              <a:gd name="connsiteY2" fmla="*/ 2840341 h 3163880"/>
+              <a:gd name="connsiteX3" fmla="*/ 1617656 w 1941195"/>
+              <a:gd name="connsiteY3" fmla="*/ 3163880 h 3163880"/>
+              <a:gd name="connsiteX4" fmla="*/ 323539 w 1941195"/>
+              <a:gd name="connsiteY4" fmla="*/ 3163880 h 3163880"/>
+              <a:gd name="connsiteX5" fmla="*/ 0 w 1941195"/>
+              <a:gd name="connsiteY5" fmla="*/ 2840341 h 3163880"/>
+              <a:gd name="connsiteX6" fmla="*/ 0 w 1941195"/>
+              <a:gd name="connsiteY6" fmla="*/ 315594 h 3163880"/>
+              <a:gd name="connsiteX0" fmla="*/ 0 w 1941195"/>
+              <a:gd name="connsiteY0" fmla="*/ 2524747 h 2848286"/>
+              <a:gd name="connsiteX1" fmla="*/ 1941195 w 1941195"/>
+              <a:gd name="connsiteY1" fmla="*/ 0 h 2848286"/>
+              <a:gd name="connsiteX2" fmla="*/ 1941195 w 1941195"/>
+              <a:gd name="connsiteY2" fmla="*/ 2524747 h 2848286"/>
+              <a:gd name="connsiteX3" fmla="*/ 1617656 w 1941195"/>
+              <a:gd name="connsiteY3" fmla="*/ 2848286 h 2848286"/>
+              <a:gd name="connsiteX4" fmla="*/ 323539 w 1941195"/>
+              <a:gd name="connsiteY4" fmla="*/ 2848286 h 2848286"/>
+              <a:gd name="connsiteX5" fmla="*/ 0 w 1941195"/>
+              <a:gd name="connsiteY5" fmla="*/ 2524747 h 2848286"/>
+              <a:gd name="connsiteX0" fmla="*/ 0 w 1617656"/>
+              <a:gd name="connsiteY0" fmla="*/ 2848286 h 2848286"/>
+              <a:gd name="connsiteX1" fmla="*/ 1617656 w 1617656"/>
+              <a:gd name="connsiteY1" fmla="*/ 0 h 2848286"/>
+              <a:gd name="connsiteX2" fmla="*/ 1617656 w 1617656"/>
+              <a:gd name="connsiteY2" fmla="*/ 2524747 h 2848286"/>
+              <a:gd name="connsiteX3" fmla="*/ 1294117 w 1617656"/>
+              <a:gd name="connsiteY3" fmla="*/ 2848286 h 2848286"/>
+              <a:gd name="connsiteX4" fmla="*/ 0 w 1617656"/>
+              <a:gd name="connsiteY4" fmla="*/ 2848286 h 2848286"/>
+              <a:gd name="connsiteX0" fmla="*/ 1526216 w 1526216"/>
+              <a:gd name="connsiteY0" fmla="*/ 0 h 2939726"/>
+              <a:gd name="connsiteX1" fmla="*/ 1526216 w 1526216"/>
+              <a:gd name="connsiteY1" fmla="*/ 2524747 h 2939726"/>
+              <a:gd name="connsiteX2" fmla="*/ 1202677 w 1526216"/>
+              <a:gd name="connsiteY2" fmla="*/ 2848286 h 2939726"/>
+              <a:gd name="connsiteX3" fmla="*/ 0 w 1526216"/>
+              <a:gd name="connsiteY3" fmla="*/ 2939726 h 2939726"/>
+              <a:gd name="connsiteX0" fmla="*/ 1545266 w 1545266"/>
+              <a:gd name="connsiteY0" fmla="*/ 0 h 2882576"/>
+              <a:gd name="connsiteX1" fmla="*/ 1545266 w 1545266"/>
+              <a:gd name="connsiteY1" fmla="*/ 2524747 h 2882576"/>
+              <a:gd name="connsiteX2" fmla="*/ 1221727 w 1545266"/>
+              <a:gd name="connsiteY2" fmla="*/ 2848286 h 2882576"/>
+              <a:gd name="connsiteX3" fmla="*/ 0 w 1545266"/>
+              <a:gd name="connsiteY3" fmla="*/ 2882576 h 2882576"/>
+              <a:gd name="connsiteX0" fmla="*/ 3402641 w 3402641"/>
+              <a:gd name="connsiteY0" fmla="*/ 0 h 2848286"/>
+              <a:gd name="connsiteX1" fmla="*/ 3402641 w 3402641"/>
+              <a:gd name="connsiteY1" fmla="*/ 2524747 h 2848286"/>
+              <a:gd name="connsiteX2" fmla="*/ 3079102 w 3402641"/>
+              <a:gd name="connsiteY2" fmla="*/ 2848286 h 2848286"/>
+              <a:gd name="connsiteX3" fmla="*/ 0 w 3402641"/>
+              <a:gd name="connsiteY3" fmla="*/ 2844476 h 2848286"/>
+            </a:gdLst>
+            <a:ahLst/>
+            <a:cxnLst>
+              <a:cxn ang="0">
+                <a:pos x="connsiteX0" y="connsiteY0"/>
+              </a:cxn>
+              <a:cxn ang="0">
+                <a:pos x="connsiteX1" y="connsiteY1"/>
+              </a:cxn>
+              <a:cxn ang="0">
+                <a:pos x="connsiteX2" y="connsiteY2"/>
+              </a:cxn>
+              <a:cxn ang="0">
+                <a:pos x="connsiteX3" y="connsiteY3"/>
+              </a:cxn>
+            </a:cxnLst>
+            <a:rect l="l" t="t" r="r" b="b"/>
+            <a:pathLst>
+              <a:path w="3402641" h="2848286">
+                <a:moveTo>
+                  <a:pt x="3402641" y="0"/>
+                </a:moveTo>
+                <a:lnTo>
+                  <a:pt x="3402641" y="2524747"/>
+                </a:lnTo>
+                <a:cubicBezTo>
+                  <a:pt x="3402641" y="2703433"/>
+                  <a:pt x="3257788" y="2848286"/>
+                  <a:pt x="3079102" y="2848286"/>
+                </a:cubicBezTo>
+                <a:lnTo>
+                  <a:pt x="0" y="2844476"/>
+                </a:lnTo>
+              </a:path>
+            </a:pathLst>
+          </a:custGeom>
+          <a:noFill/>
+          <a:ln w="19050">
+            <a:solidFill>
+              <a:srgbClr val="477597"/>
+            </a:solidFill>
+            <a:tailEnd type="stealth" w="lg" len="lg"/>
+          </a:ln>
+        </p:spPr>
+        <p:style>
+          <a:lnRef idx="2">
+            <a:schemeClr val="accent1">
+              <a:shade val="50000"/>
+            </a:schemeClr>
+          </a:lnRef>
+          <a:fillRef idx="1">
+            <a:schemeClr val="accent1"/>
+          </a:fillRef>
+          <a:effectRef idx="0">
+            <a:schemeClr val="accent1"/>
+          </a:effectRef>
+          <a:fontRef idx="minor">
+            <a:schemeClr val="lt1"/>
+          </a:fontRef>
+        </p:style>
+        <p:txBody>
+          <a:bodyPr rtlCol="0" anchor="ctr"/>
+          <a:lstStyle/>
+          <a:p>
+            <a:pPr algn="ctr"/>
+            <a:endParaRPr lang="zh-CN" altLang="en-US"/>
+          </a:p>
+        </p:txBody>
+      </p:sp>
+    </p:spTree>
+    <p:extLst>
+      <p:ext uri="{BB962C8B-B14F-4D97-AF65-F5344CB8AC3E}">
+        <p14:creationId xmlns:p14="http://schemas.microsoft.com/office/powerpoint/2010/main" val="3980677432"/>
+      </p:ext>
+    </p:extLst>
+  </p:cSld>
+  <p:clrMapOvr>
+    <a:masterClrMapping/>
+  </p:clrMapOvr>
+</p:sld>
+</file>
+
+<file path=ppt/slides/slide11.xml><?xml version="1.0" encoding="utf-8"?>
+<p:sld xmlns:a="http://schemas.openxmlformats.org/drawingml/2006/main" xmlns:r="http://schemas.openxmlformats.org/officeDocument/2006/relationships" xmlns:p="http://schemas.openxmlformats.org/presentationml/2006/main">
+  <p:cSld>
+    <p:spTree>
+      <p:nvGrpSpPr>
+        <p:cNvPr id="1" name=""/>
+        <p:cNvGrpSpPr/>
+        <p:nvPr/>
+      </p:nvGrpSpPr>
+      <p:grpSpPr>
+        <a:xfrm>
+          <a:off x="0" y="0"/>
+          <a:ext cx="0" cy="0"/>
+          <a:chOff x="0" y="0"/>
+          <a:chExt cx="0" cy="0"/>
+        </a:xfrm>
+      </p:grpSpPr>
+      <p:sp>
+        <p:nvSpPr>
           <p:cNvPr id="4" name="矩形 3">
             <a:extLst>
               <a:ext uri="{FF2B5EF4-FFF2-40B4-BE49-F238E27FC236}">
@@ -9830,7 +10540,7 @@
 </p:sld>
 </file>
 
-<file path=ppt/slides/slide11.xml><?xml version="1.0" encoding="utf-8"?>
+<file path=ppt/slides/slide12.xml><?xml version="1.0" encoding="utf-8"?>
 <p:sld xmlns:a="http://schemas.openxmlformats.org/drawingml/2006/main" xmlns:r="http://schemas.openxmlformats.org/officeDocument/2006/relationships" xmlns:p="http://schemas.openxmlformats.org/presentationml/2006/main">
   <p:cSld>
     <p:spTree>
@@ -11838,7 +12548,7 @@
 </p:sld>
 </file>
 
-<file path=ppt/slides/slide12.xml><?xml version="1.0" encoding="utf-8"?>
+<file path=ppt/slides/slide13.xml><?xml version="1.0" encoding="utf-8"?>
 <p:sld xmlns:a="http://schemas.openxmlformats.org/drawingml/2006/main" xmlns:r="http://schemas.openxmlformats.org/officeDocument/2006/relationships" xmlns:p="http://schemas.openxmlformats.org/presentationml/2006/main">
   <p:cSld>
     <p:bg>
@@ -17530,7 +18240,7 @@
 </p:sld>
 </file>
 
-<file path=ppt/slides/slide13.xml><?xml version="1.0" encoding="utf-8"?>
+<file path=ppt/slides/slide14.xml><?xml version="1.0" encoding="utf-8"?>
 <p:sld xmlns:a="http://schemas.openxmlformats.org/drawingml/2006/main" xmlns:r="http://schemas.openxmlformats.org/officeDocument/2006/relationships" xmlns:p="http://schemas.openxmlformats.org/presentationml/2006/main">
   <p:cSld>
     <p:bg>
@@ -21143,7 +21853,7 @@
 </p:sld>
 </file>
 
-<file path=ppt/slides/slide14.xml><?xml version="1.0" encoding="utf-8"?>
+<file path=ppt/slides/slide15.xml><?xml version="1.0" encoding="utf-8"?>
 <p:sld xmlns:a="http://schemas.openxmlformats.org/drawingml/2006/main" xmlns:r="http://schemas.openxmlformats.org/officeDocument/2006/relationships" xmlns:p="http://schemas.openxmlformats.org/presentationml/2006/main">
   <p:cSld>
     <p:spTree>
@@ -21485,7 +22195,7 @@
 </p:sld>
 </file>
 
-<file path=ppt/slides/slide15.xml><?xml version="1.0" encoding="utf-8"?>
+<file path=ppt/slides/slide16.xml><?xml version="1.0" encoding="utf-8"?>
 <p:sld xmlns:a="http://schemas.openxmlformats.org/drawingml/2006/main" xmlns:r="http://schemas.openxmlformats.org/officeDocument/2006/relationships" xmlns:p="http://schemas.openxmlformats.org/presentationml/2006/main">
   <p:cSld>
     <p:spTree>
@@ -22541,7 +23251,7 @@
 </p:sld>
 </file>
 
-<file path=ppt/slides/slide16.xml><?xml version="1.0" encoding="utf-8"?>
+<file path=ppt/slides/slide17.xml><?xml version="1.0" encoding="utf-8"?>
 <p:sld xmlns:a="http://schemas.openxmlformats.org/drawingml/2006/main" xmlns:r="http://schemas.openxmlformats.org/officeDocument/2006/relationships" xmlns:p="http://schemas.openxmlformats.org/presentationml/2006/main">
   <p:cSld>
     <p:spTree>
@@ -22883,7 +23593,7 @@
 </p:sld>
 </file>
 
-<file path=ppt/slides/slide17.xml><?xml version="1.0" encoding="utf-8"?>
+<file path=ppt/slides/slide18.xml><?xml version="1.0" encoding="utf-8"?>
 <p:sld xmlns:a="http://schemas.openxmlformats.org/drawingml/2006/main" xmlns:r="http://schemas.openxmlformats.org/officeDocument/2006/relationships" xmlns:p="http://schemas.openxmlformats.org/presentationml/2006/main">
   <p:cSld>
     <p:spTree>
@@ -23225,7 +23935,7 @@
 </p:sld>
 </file>
 
-<file path=ppt/slides/slide18.xml><?xml version="1.0" encoding="utf-8"?>
+<file path=ppt/slides/slide19.xml><?xml version="1.0" encoding="utf-8"?>
 <p:sld xmlns:a="http://schemas.openxmlformats.org/drawingml/2006/main" xmlns:r="http://schemas.openxmlformats.org/officeDocument/2006/relationships" xmlns:p="http://schemas.openxmlformats.org/presentationml/2006/main">
   <p:cSld>
     <p:spTree>
@@ -23766,181 +24476,6 @@
     <p:extLst>
       <p:ext uri="{BB962C8B-B14F-4D97-AF65-F5344CB8AC3E}">
         <p14:creationId xmlns:p14="http://schemas.microsoft.com/office/powerpoint/2010/main" val="1659420923"/>
-      </p:ext>
-    </p:extLst>
-  </p:cSld>
-  <p:clrMapOvr>
-    <a:masterClrMapping/>
-  </p:clrMapOvr>
-</p:sld>
-</file>
-
-<file path=ppt/slides/slide19.xml><?xml version="1.0" encoding="utf-8"?>
-<p:sld xmlns:a="http://schemas.openxmlformats.org/drawingml/2006/main" xmlns:r="http://schemas.openxmlformats.org/officeDocument/2006/relationships" xmlns:p="http://schemas.openxmlformats.org/presentationml/2006/main">
-  <p:cSld>
-    <p:spTree>
-      <p:nvGrpSpPr>
-        <p:cNvPr id="1" name=""/>
-        <p:cNvGrpSpPr/>
-        <p:nvPr/>
-      </p:nvGrpSpPr>
-      <p:grpSpPr>
-        <a:xfrm>
-          <a:off x="0" y="0"/>
-          <a:ext cx="0" cy="0"/>
-          <a:chOff x="0" y="0"/>
-          <a:chExt cx="0" cy="0"/>
-        </a:xfrm>
-      </p:grpSpPr>
-      <p:grpSp>
-        <p:nvGrpSpPr>
-          <p:cNvPr id="11" name="组合 10">
-            <a:extLst>
-              <a:ext uri="{FF2B5EF4-FFF2-40B4-BE49-F238E27FC236}">
-                <a16:creationId xmlns:a16="http://schemas.microsoft.com/office/drawing/2014/main" id="{EAE7DFD0-30C0-6FF0-6ABA-27D6A4D77C96}"/>
-              </a:ext>
-            </a:extLst>
-          </p:cNvPr>
-          <p:cNvGrpSpPr/>
-          <p:nvPr/>
-        </p:nvGrpSpPr>
-        <p:grpSpPr>
-          <a:xfrm>
-            <a:off x="3364706" y="0"/>
-            <a:ext cx="5614988" cy="6858000"/>
-            <a:chOff x="3364706" y="0"/>
-            <a:chExt cx="5614988" cy="6858000"/>
-          </a:xfrm>
-        </p:grpSpPr>
-        <p:pic>
-          <p:nvPicPr>
-            <p:cNvPr id="5" name="图片 4" descr="塑料玩具在桌子上&#10;&#10;中度可信度描述已自动生成">
-              <a:extLst>
-                <a:ext uri="{FF2B5EF4-FFF2-40B4-BE49-F238E27FC236}">
-                  <a16:creationId xmlns:a16="http://schemas.microsoft.com/office/drawing/2014/main" id="{5B60F746-8EEC-B030-9546-46B8955EA928}"/>
-                </a:ext>
-              </a:extLst>
-            </p:cNvPr>
-            <p:cNvPicPr>
-              <a:picLocks noChangeAspect="1"/>
-            </p:cNvPicPr>
-            <p:nvPr/>
-          </p:nvPicPr>
-          <p:blipFill>
-            <a:blip r:embed="rId2">
-              <a:extLst>
-                <a:ext uri="{28A0092B-C50C-407E-A947-70E740481C1C}">
-                  <a14:useLocalDpi xmlns:a14="http://schemas.microsoft.com/office/drawing/2010/main" val="0"/>
-                </a:ext>
-              </a:extLst>
-            </a:blip>
-            <a:stretch>
-              <a:fillRect/>
-            </a:stretch>
-          </p:blipFill>
-          <p:spPr>
-            <a:xfrm>
-              <a:off x="3364706" y="0"/>
-              <a:ext cx="5614988" cy="6858000"/>
-            </a:xfrm>
-            <a:prstGeom prst="rect">
-              <a:avLst/>
-            </a:prstGeom>
-          </p:spPr>
-        </p:pic>
-        <p:cxnSp>
-          <p:nvCxnSpPr>
-            <p:cNvPr id="7" name="直接箭头连接符 6">
-              <a:extLst>
-                <a:ext uri="{FF2B5EF4-FFF2-40B4-BE49-F238E27FC236}">
-                  <a16:creationId xmlns:a16="http://schemas.microsoft.com/office/drawing/2014/main" id="{5E718127-D1EC-1D7C-DAFD-4D064ED54E63}"/>
-                </a:ext>
-              </a:extLst>
-            </p:cNvPr>
-            <p:cNvCxnSpPr>
-              <a:cxnSpLocks/>
-            </p:cNvCxnSpPr>
-            <p:nvPr/>
-          </p:nvCxnSpPr>
-          <p:spPr>
-            <a:xfrm flipH="1" flipV="1">
-              <a:off x="6896100" y="3895725"/>
-              <a:ext cx="619125" cy="323165"/>
-            </a:xfrm>
-            <a:prstGeom prst="straightConnector1">
-              <a:avLst/>
-            </a:prstGeom>
-            <a:ln w="76200">
-              <a:solidFill>
-                <a:schemeClr val="accent4">
-                  <a:lumMod val="40000"/>
-                  <a:lumOff val="60000"/>
-                </a:schemeClr>
-              </a:solidFill>
-              <a:tailEnd type="triangle"/>
-            </a:ln>
-          </p:spPr>
-          <p:style>
-            <a:lnRef idx="1">
-              <a:schemeClr val="accent1"/>
-            </a:lnRef>
-            <a:fillRef idx="0">
-              <a:schemeClr val="accent1"/>
-            </a:fillRef>
-            <a:effectRef idx="0">
-              <a:schemeClr val="accent1"/>
-            </a:effectRef>
-            <a:fontRef idx="minor">
-              <a:schemeClr val="tx1"/>
-            </a:fontRef>
-          </p:style>
-        </p:cxnSp>
-        <p:sp>
-          <p:nvSpPr>
-            <p:cNvPr id="9" name="文本框 8">
-              <a:extLst>
-                <a:ext uri="{FF2B5EF4-FFF2-40B4-BE49-F238E27FC236}">
-                  <a16:creationId xmlns:a16="http://schemas.microsoft.com/office/drawing/2014/main" id="{0338F826-0957-DD4F-249E-1E3D5ED05F2E}"/>
-                </a:ext>
-              </a:extLst>
-            </p:cNvPr>
-            <p:cNvSpPr txBox="1"/>
-            <p:nvPr/>
-          </p:nvSpPr>
-          <p:spPr>
-            <a:xfrm>
-              <a:off x="7515225" y="4057307"/>
-              <a:ext cx="646331" cy="646331"/>
-            </a:xfrm>
-            <a:prstGeom prst="rect">
-              <a:avLst/>
-            </a:prstGeom>
-            <a:noFill/>
-          </p:spPr>
-          <p:txBody>
-            <a:bodyPr wrap="none" rtlCol="0">
-              <a:spAutoFit/>
-            </a:bodyPr>
-            <a:lstStyle/>
-            <a:p>
-              <a:r>
-                <a:rPr lang="zh-CN" altLang="en-US" sz="3600">
-                  <a:solidFill>
-                    <a:schemeClr val="bg1"/>
-                  </a:solidFill>
-                  <a:latin typeface="霞鹜文楷等宽" panose="02020509000000000000" pitchFamily="49" charset="-122"/>
-                  <a:ea typeface="霞鹜文楷等宽" panose="02020509000000000000" pitchFamily="49" charset="-122"/>
-                </a:rPr>
-                <a:t>我</a:t>
-              </a:r>
-            </a:p>
-          </p:txBody>
-        </p:sp>
-      </p:grpSp>
-    </p:spTree>
-    <p:extLst>
-      <p:ext uri="{BB962C8B-B14F-4D97-AF65-F5344CB8AC3E}">
-        <p14:creationId xmlns:p14="http://schemas.microsoft.com/office/powerpoint/2010/main" val="3734398111"/>
       </p:ext>
     </p:extLst>
   </p:cSld>
@@ -24592,6 +25127,181 @@
           <a:chExt cx="0" cy="0"/>
         </a:xfrm>
       </p:grpSpPr>
+      <p:grpSp>
+        <p:nvGrpSpPr>
+          <p:cNvPr id="11" name="组合 10">
+            <a:extLst>
+              <a:ext uri="{FF2B5EF4-FFF2-40B4-BE49-F238E27FC236}">
+                <a16:creationId xmlns:a16="http://schemas.microsoft.com/office/drawing/2014/main" id="{EAE7DFD0-30C0-6FF0-6ABA-27D6A4D77C96}"/>
+              </a:ext>
+            </a:extLst>
+          </p:cNvPr>
+          <p:cNvGrpSpPr/>
+          <p:nvPr/>
+        </p:nvGrpSpPr>
+        <p:grpSpPr>
+          <a:xfrm>
+            <a:off x="3364706" y="0"/>
+            <a:ext cx="5614988" cy="6858000"/>
+            <a:chOff x="3364706" y="0"/>
+            <a:chExt cx="5614988" cy="6858000"/>
+          </a:xfrm>
+        </p:grpSpPr>
+        <p:pic>
+          <p:nvPicPr>
+            <p:cNvPr id="5" name="图片 4" descr="塑料玩具在桌子上&#10;&#10;中度可信度描述已自动生成">
+              <a:extLst>
+                <a:ext uri="{FF2B5EF4-FFF2-40B4-BE49-F238E27FC236}">
+                  <a16:creationId xmlns:a16="http://schemas.microsoft.com/office/drawing/2014/main" id="{5B60F746-8EEC-B030-9546-46B8955EA928}"/>
+                </a:ext>
+              </a:extLst>
+            </p:cNvPr>
+            <p:cNvPicPr>
+              <a:picLocks noChangeAspect="1"/>
+            </p:cNvPicPr>
+            <p:nvPr/>
+          </p:nvPicPr>
+          <p:blipFill>
+            <a:blip r:embed="rId2">
+              <a:extLst>
+                <a:ext uri="{28A0092B-C50C-407E-A947-70E740481C1C}">
+                  <a14:useLocalDpi xmlns:a14="http://schemas.microsoft.com/office/drawing/2010/main" val="0"/>
+                </a:ext>
+              </a:extLst>
+            </a:blip>
+            <a:stretch>
+              <a:fillRect/>
+            </a:stretch>
+          </p:blipFill>
+          <p:spPr>
+            <a:xfrm>
+              <a:off x="3364706" y="0"/>
+              <a:ext cx="5614988" cy="6858000"/>
+            </a:xfrm>
+            <a:prstGeom prst="rect">
+              <a:avLst/>
+            </a:prstGeom>
+          </p:spPr>
+        </p:pic>
+        <p:cxnSp>
+          <p:nvCxnSpPr>
+            <p:cNvPr id="7" name="直接箭头连接符 6">
+              <a:extLst>
+                <a:ext uri="{FF2B5EF4-FFF2-40B4-BE49-F238E27FC236}">
+                  <a16:creationId xmlns:a16="http://schemas.microsoft.com/office/drawing/2014/main" id="{5E718127-D1EC-1D7C-DAFD-4D064ED54E63}"/>
+                </a:ext>
+              </a:extLst>
+            </p:cNvPr>
+            <p:cNvCxnSpPr>
+              <a:cxnSpLocks/>
+            </p:cNvCxnSpPr>
+            <p:nvPr/>
+          </p:nvCxnSpPr>
+          <p:spPr>
+            <a:xfrm flipH="1" flipV="1">
+              <a:off x="6896100" y="3895725"/>
+              <a:ext cx="619125" cy="323165"/>
+            </a:xfrm>
+            <a:prstGeom prst="straightConnector1">
+              <a:avLst/>
+            </a:prstGeom>
+            <a:ln w="76200">
+              <a:solidFill>
+                <a:schemeClr val="accent4">
+                  <a:lumMod val="40000"/>
+                  <a:lumOff val="60000"/>
+                </a:schemeClr>
+              </a:solidFill>
+              <a:tailEnd type="triangle"/>
+            </a:ln>
+          </p:spPr>
+          <p:style>
+            <a:lnRef idx="1">
+              <a:schemeClr val="accent1"/>
+            </a:lnRef>
+            <a:fillRef idx="0">
+              <a:schemeClr val="accent1"/>
+            </a:fillRef>
+            <a:effectRef idx="0">
+              <a:schemeClr val="accent1"/>
+            </a:effectRef>
+            <a:fontRef idx="minor">
+              <a:schemeClr val="tx1"/>
+            </a:fontRef>
+          </p:style>
+        </p:cxnSp>
+        <p:sp>
+          <p:nvSpPr>
+            <p:cNvPr id="9" name="文本框 8">
+              <a:extLst>
+                <a:ext uri="{FF2B5EF4-FFF2-40B4-BE49-F238E27FC236}">
+                  <a16:creationId xmlns:a16="http://schemas.microsoft.com/office/drawing/2014/main" id="{0338F826-0957-DD4F-249E-1E3D5ED05F2E}"/>
+                </a:ext>
+              </a:extLst>
+            </p:cNvPr>
+            <p:cNvSpPr txBox="1"/>
+            <p:nvPr/>
+          </p:nvSpPr>
+          <p:spPr>
+            <a:xfrm>
+              <a:off x="7515225" y="4057307"/>
+              <a:ext cx="646331" cy="646331"/>
+            </a:xfrm>
+            <a:prstGeom prst="rect">
+              <a:avLst/>
+            </a:prstGeom>
+            <a:noFill/>
+          </p:spPr>
+          <p:txBody>
+            <a:bodyPr wrap="none" rtlCol="0">
+              <a:spAutoFit/>
+            </a:bodyPr>
+            <a:lstStyle/>
+            <a:p>
+              <a:r>
+                <a:rPr lang="zh-CN" altLang="en-US" sz="3600">
+                  <a:solidFill>
+                    <a:schemeClr val="bg1"/>
+                  </a:solidFill>
+                  <a:latin typeface="霞鹜文楷等宽" panose="02020509000000000000" pitchFamily="49" charset="-122"/>
+                  <a:ea typeface="霞鹜文楷等宽" panose="02020509000000000000" pitchFamily="49" charset="-122"/>
+                </a:rPr>
+                <a:t>我</a:t>
+              </a:r>
+            </a:p>
+          </p:txBody>
+        </p:sp>
+      </p:grpSp>
+    </p:spTree>
+    <p:extLst>
+      <p:ext uri="{BB962C8B-B14F-4D97-AF65-F5344CB8AC3E}">
+        <p14:creationId xmlns:p14="http://schemas.microsoft.com/office/powerpoint/2010/main" val="3734398111"/>
+      </p:ext>
+    </p:extLst>
+  </p:cSld>
+  <p:clrMapOvr>
+    <a:masterClrMapping/>
+  </p:clrMapOvr>
+</p:sld>
+</file>
+
+<file path=ppt/slides/slide21.xml><?xml version="1.0" encoding="utf-8"?>
+<p:sld xmlns:a="http://schemas.openxmlformats.org/drawingml/2006/main" xmlns:r="http://schemas.openxmlformats.org/officeDocument/2006/relationships" xmlns:p="http://schemas.openxmlformats.org/presentationml/2006/main">
+  <p:cSld>
+    <p:spTree>
+      <p:nvGrpSpPr>
+        <p:cNvPr id="1" name=""/>
+        <p:cNvGrpSpPr/>
+        <p:nvPr/>
+      </p:nvGrpSpPr>
+      <p:grpSpPr>
+        <a:xfrm>
+          <a:off x="0" y="0"/>
+          <a:ext cx="0" cy="0"/>
+          <a:chOff x="0" y="0"/>
+          <a:chExt cx="0" cy="0"/>
+        </a:xfrm>
+      </p:grpSpPr>
       <p:sp>
         <p:nvSpPr>
           <p:cNvPr id="4" name="文本框 3">
@@ -25177,7 +25887,7 @@
 </p:sld>
 </file>
 
-<file path=ppt/slides/slide21.xml><?xml version="1.0" encoding="utf-8"?>
+<file path=ppt/slides/slide22.xml><?xml version="1.0" encoding="utf-8"?>
 <p:sld xmlns:a="http://schemas.openxmlformats.org/drawingml/2006/main" xmlns:r="http://schemas.openxmlformats.org/officeDocument/2006/relationships" xmlns:p="http://schemas.openxmlformats.org/presentationml/2006/main">
   <p:cSld>
     <p:spTree>
@@ -25553,7 +26263,7 @@
 </p:sld>
 </file>
 
-<file path=ppt/slides/slide22.xml><?xml version="1.0" encoding="utf-8"?>
+<file path=ppt/slides/slide23.xml><?xml version="1.0" encoding="utf-8"?>
 <p:sld xmlns:a="http://schemas.openxmlformats.org/drawingml/2006/main" xmlns:r="http://schemas.openxmlformats.org/officeDocument/2006/relationships" xmlns:p="http://schemas.openxmlformats.org/presentationml/2006/main">
   <p:cSld>
     <p:spTree>
@@ -25624,7 +26334,7 @@
 </p:sld>
 </file>
 
-<file path=ppt/slides/slide23.xml><?xml version="1.0" encoding="utf-8"?>
+<file path=ppt/slides/slide24.xml><?xml version="1.0" encoding="utf-8"?>
 <p:sld xmlns:a="http://schemas.openxmlformats.org/drawingml/2006/main" xmlns:r="http://schemas.openxmlformats.org/officeDocument/2006/relationships" xmlns:p="http://schemas.openxmlformats.org/presentationml/2006/main">
   <p:cSld>
     <p:spTree>
@@ -29274,7 +29984,7 @@
 </p:sld>
 </file>
 
-<file path=ppt/slides/slide24.xml><?xml version="1.0" encoding="utf-8"?>
+<file path=ppt/slides/slide25.xml><?xml version="1.0" encoding="utf-8"?>
 <p:sld xmlns:a="http://schemas.openxmlformats.org/drawingml/2006/main" xmlns:r="http://schemas.openxmlformats.org/officeDocument/2006/relationships" xmlns:p="http://schemas.openxmlformats.org/presentationml/2006/main">
   <p:cSld>
     <p:spTree>
@@ -30231,7 +30941,7 @@
 </p:sld>
 </file>
 
-<file path=ppt/slides/slide25.xml><?xml version="1.0" encoding="utf-8"?>
+<file path=ppt/slides/slide26.xml><?xml version="1.0" encoding="utf-8"?>
 <p:sld xmlns:a="http://schemas.openxmlformats.org/drawingml/2006/main" xmlns:r="http://schemas.openxmlformats.org/officeDocument/2006/relationships" xmlns:p="http://schemas.openxmlformats.org/presentationml/2006/main">
   <p:cSld>
     <p:spTree>
@@ -36753,6 +37463,1489 @@
       </p:grpSpPr>
       <p:grpSp>
         <p:nvGrpSpPr>
+          <p:cNvPr id="31" name="组合 30">
+            <a:extLst>
+              <a:ext uri="{FF2B5EF4-FFF2-40B4-BE49-F238E27FC236}">
+                <a16:creationId xmlns:a16="http://schemas.microsoft.com/office/drawing/2014/main" id="{196E0B98-E2F7-6818-5BE8-7D282BEE65C6}"/>
+              </a:ext>
+            </a:extLst>
+          </p:cNvPr>
+          <p:cNvGrpSpPr/>
+          <p:nvPr/>
+        </p:nvGrpSpPr>
+        <p:grpSpPr>
+          <a:xfrm>
+            <a:off x="528531" y="267395"/>
+            <a:ext cx="8962019" cy="5642593"/>
+            <a:chOff x="528531" y="267395"/>
+            <a:chExt cx="8962019" cy="5642593"/>
+          </a:xfrm>
+        </p:grpSpPr>
+        <p:sp>
+          <p:nvSpPr>
+            <p:cNvPr id="4" name="矩形 3">
+              <a:extLst>
+                <a:ext uri="{FF2B5EF4-FFF2-40B4-BE49-F238E27FC236}">
+                  <a16:creationId xmlns:a16="http://schemas.microsoft.com/office/drawing/2014/main" id="{A68A0E1C-5020-4FD8-E0E2-EA340247D3E5}"/>
+                </a:ext>
+              </a:extLst>
+            </p:cNvPr>
+            <p:cNvSpPr/>
+            <p:nvPr/>
+          </p:nvSpPr>
+          <p:spPr>
+            <a:xfrm>
+              <a:off x="5138114" y="1967392"/>
+              <a:ext cx="1704975" cy="876300"/>
+            </a:xfrm>
+            <a:prstGeom prst="rect">
+              <a:avLst/>
+            </a:prstGeom>
+            <a:noFill/>
+            <a:ln w="28575">
+              <a:solidFill>
+                <a:schemeClr val="accent2">
+                  <a:lumMod val="75000"/>
+                </a:schemeClr>
+              </a:solidFill>
+            </a:ln>
+          </p:spPr>
+          <p:style>
+            <a:lnRef idx="2">
+              <a:schemeClr val="accent1">
+                <a:shade val="15000"/>
+              </a:schemeClr>
+            </a:lnRef>
+            <a:fillRef idx="1">
+              <a:schemeClr val="accent1"/>
+            </a:fillRef>
+            <a:effectRef idx="0">
+              <a:schemeClr val="accent1"/>
+            </a:effectRef>
+            <a:fontRef idx="minor">
+              <a:schemeClr val="lt1"/>
+            </a:fontRef>
+          </p:style>
+          <p:txBody>
+            <a:bodyPr rtlCol="0" anchor="ctr"/>
+            <a:lstStyle/>
+            <a:p>
+              <a:pPr algn="ctr"/>
+              <a:r>
+                <a:rPr lang="zh-CN" altLang="en-US">
+                  <a:solidFill>
+                    <a:schemeClr val="accent2">
+                      <a:lumMod val="75000"/>
+                    </a:schemeClr>
+                  </a:solidFill>
+                  <a:latin typeface="霞鹜文楷等宽" panose="02020509000000000000" pitchFamily="49" charset="-122"/>
+                  <a:ea typeface="霞鹜文楷等宽" panose="02020509000000000000" pitchFamily="49" charset="-122"/>
+                </a:rPr>
+                <a:t>异常检测模块</a:t>
+              </a:r>
+            </a:p>
+          </p:txBody>
+        </p:sp>
+        <p:sp>
+          <p:nvSpPr>
+            <p:cNvPr id="6" name="矩形 5">
+              <a:extLst>
+                <a:ext uri="{FF2B5EF4-FFF2-40B4-BE49-F238E27FC236}">
+                  <a16:creationId xmlns:a16="http://schemas.microsoft.com/office/drawing/2014/main" id="{68B6981B-9674-C887-D3F9-E8DB0C66350C}"/>
+                </a:ext>
+              </a:extLst>
+            </p:cNvPr>
+            <p:cNvSpPr/>
+            <p:nvPr/>
+          </p:nvSpPr>
+          <p:spPr>
+            <a:xfrm>
+              <a:off x="5138114" y="4798895"/>
+              <a:ext cx="1704975" cy="876300"/>
+            </a:xfrm>
+            <a:prstGeom prst="rect">
+              <a:avLst/>
+            </a:prstGeom>
+            <a:noFill/>
+            <a:ln w="28575">
+              <a:solidFill>
+                <a:schemeClr val="accent2">
+                  <a:lumMod val="75000"/>
+                </a:schemeClr>
+              </a:solidFill>
+            </a:ln>
+          </p:spPr>
+          <p:style>
+            <a:lnRef idx="2">
+              <a:schemeClr val="accent1">
+                <a:shade val="15000"/>
+              </a:schemeClr>
+            </a:lnRef>
+            <a:fillRef idx="1">
+              <a:schemeClr val="accent1"/>
+            </a:fillRef>
+            <a:effectRef idx="0">
+              <a:schemeClr val="accent1"/>
+            </a:effectRef>
+            <a:fontRef idx="minor">
+              <a:schemeClr val="lt1"/>
+            </a:fontRef>
+          </p:style>
+          <p:txBody>
+            <a:bodyPr rtlCol="0" anchor="ctr"/>
+            <a:lstStyle/>
+            <a:p>
+              <a:pPr algn="ctr"/>
+              <a:r>
+                <a:rPr lang="zh-CN" altLang="en-US">
+                  <a:solidFill>
+                    <a:schemeClr val="accent2">
+                      <a:lumMod val="75000"/>
+                    </a:schemeClr>
+                  </a:solidFill>
+                  <a:latin typeface="霞鹜文楷等宽" panose="02020509000000000000" pitchFamily="49" charset="-122"/>
+                  <a:ea typeface="霞鹜文楷等宽" panose="02020509000000000000" pitchFamily="49" charset="-122"/>
+                </a:rPr>
+                <a:t>大模型总结</a:t>
+              </a:r>
+              <a:endParaRPr lang="en-US" altLang="zh-CN">
+                <a:solidFill>
+                  <a:schemeClr val="accent2">
+                    <a:lumMod val="75000"/>
+                  </a:schemeClr>
+                </a:solidFill>
+                <a:latin typeface="霞鹜文楷等宽" panose="02020509000000000000" pitchFamily="49" charset="-122"/>
+                <a:ea typeface="霞鹜文楷等宽" panose="02020509000000000000" pitchFamily="49" charset="-122"/>
+              </a:endParaRPr>
+            </a:p>
+            <a:p>
+              <a:pPr algn="ctr"/>
+              <a:r>
+                <a:rPr lang="zh-CN" altLang="en-US">
+                  <a:solidFill>
+                    <a:schemeClr val="accent2">
+                      <a:lumMod val="75000"/>
+                    </a:schemeClr>
+                  </a:solidFill>
+                  <a:latin typeface="霞鹜文楷等宽" panose="02020509000000000000" pitchFamily="49" charset="-122"/>
+                  <a:ea typeface="霞鹜文楷等宽" panose="02020509000000000000" pitchFamily="49" charset="-122"/>
+                </a:rPr>
+                <a:t>模块</a:t>
+              </a:r>
+            </a:p>
+          </p:txBody>
+        </p:sp>
+        <p:sp>
+          <p:nvSpPr>
+            <p:cNvPr id="9" name="矩形 8">
+              <a:extLst>
+                <a:ext uri="{FF2B5EF4-FFF2-40B4-BE49-F238E27FC236}">
+                  <a16:creationId xmlns:a16="http://schemas.microsoft.com/office/drawing/2014/main" id="{13AF12B3-ED4F-0CF3-4889-A2686A20CDBE}"/>
+                </a:ext>
+              </a:extLst>
+            </p:cNvPr>
+            <p:cNvSpPr/>
+            <p:nvPr/>
+          </p:nvSpPr>
+          <p:spPr>
+            <a:xfrm>
+              <a:off x="8237300" y="1739605"/>
+              <a:ext cx="1253250" cy="4080428"/>
+            </a:xfrm>
+            <a:prstGeom prst="rect">
+              <a:avLst/>
+            </a:prstGeom>
+            <a:noFill/>
+            <a:ln w="28575">
+              <a:solidFill>
+                <a:schemeClr val="accent2">
+                  <a:lumMod val="75000"/>
+                </a:schemeClr>
+              </a:solidFill>
+            </a:ln>
+          </p:spPr>
+          <p:style>
+            <a:lnRef idx="2">
+              <a:schemeClr val="accent1">
+                <a:shade val="15000"/>
+              </a:schemeClr>
+            </a:lnRef>
+            <a:fillRef idx="1">
+              <a:schemeClr val="accent1"/>
+            </a:fillRef>
+            <a:effectRef idx="0">
+              <a:schemeClr val="accent1"/>
+            </a:effectRef>
+            <a:fontRef idx="minor">
+              <a:schemeClr val="lt1"/>
+            </a:fontRef>
+          </p:style>
+          <p:txBody>
+            <a:bodyPr rtlCol="0" anchor="ctr"/>
+            <a:lstStyle/>
+            <a:p>
+              <a:pPr algn="ctr"/>
+              <a:r>
+                <a:rPr lang="zh-CN" altLang="en-US">
+                  <a:solidFill>
+                    <a:schemeClr val="accent2">
+                      <a:lumMod val="75000"/>
+                    </a:schemeClr>
+                  </a:solidFill>
+                  <a:latin typeface="霞鹜文楷等宽" panose="02020509000000000000" pitchFamily="49" charset="-122"/>
+                  <a:ea typeface="霞鹜文楷等宽" panose="02020509000000000000" pitchFamily="49" charset="-122"/>
+                </a:rPr>
+                <a:t>大模型</a:t>
+              </a:r>
+              <a:endParaRPr lang="en-US" altLang="zh-CN">
+                <a:solidFill>
+                  <a:schemeClr val="accent2">
+                    <a:lumMod val="75000"/>
+                  </a:schemeClr>
+                </a:solidFill>
+                <a:latin typeface="霞鹜文楷等宽" panose="02020509000000000000" pitchFamily="49" charset="-122"/>
+                <a:ea typeface="霞鹜文楷等宽" panose="02020509000000000000" pitchFamily="49" charset="-122"/>
+              </a:endParaRPr>
+            </a:p>
+            <a:p>
+              <a:pPr algn="ctr"/>
+              <a:r>
+                <a:rPr lang="zh-CN" altLang="en-US">
+                  <a:solidFill>
+                    <a:schemeClr val="accent2">
+                      <a:lumMod val="75000"/>
+                    </a:schemeClr>
+                  </a:solidFill>
+                  <a:latin typeface="霞鹜文楷等宽" panose="02020509000000000000" pitchFamily="49" charset="-122"/>
+                  <a:ea typeface="霞鹜文楷等宽" panose="02020509000000000000" pitchFamily="49" charset="-122"/>
+                </a:rPr>
+                <a:t>决策模块</a:t>
+              </a:r>
+            </a:p>
+          </p:txBody>
+        </p:sp>
+        <p:sp>
+          <p:nvSpPr>
+            <p:cNvPr id="10" name="矩形: 折角 9">
+              <a:extLst>
+                <a:ext uri="{FF2B5EF4-FFF2-40B4-BE49-F238E27FC236}">
+                  <a16:creationId xmlns:a16="http://schemas.microsoft.com/office/drawing/2014/main" id="{E4385C76-D1B1-8722-8282-46CC59743E94}"/>
+                </a:ext>
+              </a:extLst>
+            </p:cNvPr>
+            <p:cNvSpPr/>
+            <p:nvPr/>
+          </p:nvSpPr>
+          <p:spPr>
+            <a:xfrm>
+              <a:off x="5376552" y="267395"/>
+              <a:ext cx="1181097" cy="722396"/>
+            </a:xfrm>
+            <a:prstGeom prst="foldedCorner">
+              <a:avLst/>
+            </a:prstGeom>
+            <a:solidFill>
+              <a:schemeClr val="accent1">
+                <a:lumMod val="60000"/>
+                <a:lumOff val="40000"/>
+              </a:schemeClr>
+            </a:solidFill>
+            <a:ln>
+              <a:noFill/>
+            </a:ln>
+          </p:spPr>
+          <p:style>
+            <a:lnRef idx="2">
+              <a:schemeClr val="accent1">
+                <a:shade val="15000"/>
+              </a:schemeClr>
+            </a:lnRef>
+            <a:fillRef idx="1">
+              <a:schemeClr val="accent1"/>
+            </a:fillRef>
+            <a:effectRef idx="0">
+              <a:schemeClr val="accent1"/>
+            </a:effectRef>
+            <a:fontRef idx="minor">
+              <a:schemeClr val="lt1"/>
+            </a:fontRef>
+          </p:style>
+          <p:txBody>
+            <a:bodyPr rtlCol="0" anchor="ctr"/>
+            <a:lstStyle/>
+            <a:p>
+              <a:pPr algn="ctr"/>
+              <a:r>
+                <a:rPr lang="zh-CN" altLang="en-US">
+                  <a:solidFill>
+                    <a:schemeClr val="accent1">
+                      <a:lumMod val="50000"/>
+                    </a:schemeClr>
+                  </a:solidFill>
+                </a:rPr>
+                <a:t>训练集</a:t>
+              </a:r>
+            </a:p>
+          </p:txBody>
+        </p:sp>
+        <p:sp>
+          <p:nvSpPr>
+            <p:cNvPr id="11" name="箭头: 下 10">
+              <a:extLst>
+                <a:ext uri="{FF2B5EF4-FFF2-40B4-BE49-F238E27FC236}">
+                  <a16:creationId xmlns:a16="http://schemas.microsoft.com/office/drawing/2014/main" id="{25804FBA-75D5-3F33-4990-69DA1F186C7F}"/>
+                </a:ext>
+              </a:extLst>
+            </p:cNvPr>
+            <p:cNvSpPr/>
+            <p:nvPr/>
+          </p:nvSpPr>
+          <p:spPr>
+            <a:xfrm>
+              <a:off x="5838202" y="1104212"/>
+              <a:ext cx="257798" cy="722396"/>
+            </a:xfrm>
+            <a:prstGeom prst="downArrow">
+              <a:avLst/>
+            </a:prstGeom>
+            <a:solidFill>
+              <a:schemeClr val="accent1">
+                <a:lumMod val="60000"/>
+                <a:lumOff val="40000"/>
+              </a:schemeClr>
+            </a:solidFill>
+            <a:ln>
+              <a:solidFill>
+                <a:schemeClr val="accent1">
+                  <a:lumMod val="75000"/>
+                </a:schemeClr>
+              </a:solidFill>
+            </a:ln>
+          </p:spPr>
+          <p:style>
+            <a:lnRef idx="2">
+              <a:schemeClr val="accent1">
+                <a:shade val="15000"/>
+              </a:schemeClr>
+            </a:lnRef>
+            <a:fillRef idx="1">
+              <a:schemeClr val="accent1"/>
+            </a:fillRef>
+            <a:effectRef idx="0">
+              <a:schemeClr val="accent1"/>
+            </a:effectRef>
+            <a:fontRef idx="minor">
+              <a:schemeClr val="lt1"/>
+            </a:fontRef>
+          </p:style>
+          <p:txBody>
+            <a:bodyPr rtlCol="0" anchor="ctr"/>
+            <a:lstStyle/>
+            <a:p>
+              <a:pPr algn="ctr"/>
+              <a:endParaRPr lang="zh-CN" altLang="en-US"/>
+            </a:p>
+          </p:txBody>
+        </p:sp>
+        <p:sp>
+          <p:nvSpPr>
+            <p:cNvPr id="12" name="箭头: 下 11">
+              <a:extLst>
+                <a:ext uri="{FF2B5EF4-FFF2-40B4-BE49-F238E27FC236}">
+                  <a16:creationId xmlns:a16="http://schemas.microsoft.com/office/drawing/2014/main" id="{E31804C5-D67C-5711-A7B6-2D729A682BB0}"/>
+                </a:ext>
+              </a:extLst>
+            </p:cNvPr>
+            <p:cNvSpPr/>
+            <p:nvPr/>
+          </p:nvSpPr>
+          <p:spPr>
+            <a:xfrm rot="16200000">
+              <a:off x="726702" y="336473"/>
+              <a:ext cx="327759" cy="722396"/>
+            </a:xfrm>
+            <a:prstGeom prst="downArrow">
+              <a:avLst/>
+            </a:prstGeom>
+            <a:solidFill>
+              <a:schemeClr val="accent1">
+                <a:lumMod val="60000"/>
+                <a:lumOff val="40000"/>
+              </a:schemeClr>
+            </a:solidFill>
+            <a:ln>
+              <a:solidFill>
+                <a:schemeClr val="accent1">
+                  <a:lumMod val="75000"/>
+                </a:schemeClr>
+              </a:solidFill>
+            </a:ln>
+          </p:spPr>
+          <p:style>
+            <a:lnRef idx="2">
+              <a:schemeClr val="accent1">
+                <a:shade val="15000"/>
+              </a:schemeClr>
+            </a:lnRef>
+            <a:fillRef idx="1">
+              <a:schemeClr val="accent1"/>
+            </a:fillRef>
+            <a:effectRef idx="0">
+              <a:schemeClr val="accent1"/>
+            </a:effectRef>
+            <a:fontRef idx="minor">
+              <a:schemeClr val="lt1"/>
+            </a:fontRef>
+          </p:style>
+          <p:txBody>
+            <a:bodyPr rtlCol="0" anchor="ctr"/>
+            <a:lstStyle/>
+            <a:p>
+              <a:pPr algn="ctr"/>
+              <a:endParaRPr lang="zh-CN" altLang="en-US"/>
+            </a:p>
+          </p:txBody>
+        </p:sp>
+        <p:sp>
+          <p:nvSpPr>
+            <p:cNvPr id="13" name="文本框 12">
+              <a:extLst>
+                <a:ext uri="{FF2B5EF4-FFF2-40B4-BE49-F238E27FC236}">
+                  <a16:creationId xmlns:a16="http://schemas.microsoft.com/office/drawing/2014/main" id="{99249D27-1252-C601-F7B5-440941975229}"/>
+                </a:ext>
+              </a:extLst>
+            </p:cNvPr>
+            <p:cNvSpPr txBox="1"/>
+            <p:nvPr/>
+          </p:nvSpPr>
+          <p:spPr>
+            <a:xfrm>
+              <a:off x="1385130" y="497616"/>
+              <a:ext cx="1210588" cy="400110"/>
+            </a:xfrm>
+            <a:prstGeom prst="rect">
+              <a:avLst/>
+            </a:prstGeom>
+            <a:noFill/>
+          </p:spPr>
+          <p:txBody>
+            <a:bodyPr wrap="none" rtlCol="0">
+              <a:spAutoFit/>
+            </a:bodyPr>
+            <a:lstStyle/>
+            <a:p>
+              <a:r>
+                <a:rPr lang="zh-CN" altLang="en-US" sz="2000">
+                  <a:solidFill>
+                    <a:schemeClr val="accent1">
+                      <a:lumMod val="75000"/>
+                    </a:schemeClr>
+                  </a:solidFill>
+                  <a:latin typeface="华文楷体" panose="02010600040101010101" pitchFamily="2" charset="-122"/>
+                  <a:ea typeface="华文楷体" panose="02010600040101010101" pitchFamily="2" charset="-122"/>
+                </a:rPr>
+                <a:t>训练过程</a:t>
+              </a:r>
+            </a:p>
+          </p:txBody>
+        </p:sp>
+        <p:sp>
+          <p:nvSpPr>
+            <p:cNvPr id="14" name="箭头: 下 13">
+              <a:extLst>
+                <a:ext uri="{FF2B5EF4-FFF2-40B4-BE49-F238E27FC236}">
+                  <a16:creationId xmlns:a16="http://schemas.microsoft.com/office/drawing/2014/main" id="{5D5036AC-B9FF-6FAB-FAD2-74B68E169E0F}"/>
+                </a:ext>
+              </a:extLst>
+            </p:cNvPr>
+            <p:cNvSpPr/>
+            <p:nvPr/>
+          </p:nvSpPr>
+          <p:spPr>
+            <a:xfrm rot="16200000">
+              <a:off x="725849" y="1014310"/>
+              <a:ext cx="327759" cy="722396"/>
+            </a:xfrm>
+            <a:prstGeom prst="downArrow">
+              <a:avLst/>
+            </a:prstGeom>
+            <a:solidFill>
+              <a:schemeClr val="accent6">
+                <a:lumMod val="40000"/>
+                <a:lumOff val="60000"/>
+              </a:schemeClr>
+            </a:solidFill>
+            <a:ln>
+              <a:solidFill>
+                <a:schemeClr val="accent6">
+                  <a:lumMod val="75000"/>
+                </a:schemeClr>
+              </a:solidFill>
+            </a:ln>
+          </p:spPr>
+          <p:style>
+            <a:lnRef idx="2">
+              <a:schemeClr val="accent1">
+                <a:shade val="15000"/>
+              </a:schemeClr>
+            </a:lnRef>
+            <a:fillRef idx="1">
+              <a:schemeClr val="accent1"/>
+            </a:fillRef>
+            <a:effectRef idx="0">
+              <a:schemeClr val="accent1"/>
+            </a:effectRef>
+            <a:fontRef idx="minor">
+              <a:schemeClr val="lt1"/>
+            </a:fontRef>
+          </p:style>
+          <p:txBody>
+            <a:bodyPr rtlCol="0" anchor="ctr"/>
+            <a:lstStyle/>
+            <a:p>
+              <a:pPr algn="ctr"/>
+              <a:endParaRPr lang="zh-CN" altLang="en-US"/>
+            </a:p>
+          </p:txBody>
+        </p:sp>
+        <p:sp>
+          <p:nvSpPr>
+            <p:cNvPr id="15" name="文本框 14">
+              <a:extLst>
+                <a:ext uri="{FF2B5EF4-FFF2-40B4-BE49-F238E27FC236}">
+                  <a16:creationId xmlns:a16="http://schemas.microsoft.com/office/drawing/2014/main" id="{20B0E27C-E8D4-AB88-4F2A-99029D6F78DF}"/>
+                </a:ext>
+              </a:extLst>
+            </p:cNvPr>
+            <p:cNvSpPr txBox="1"/>
+            <p:nvPr/>
+          </p:nvSpPr>
+          <p:spPr>
+            <a:xfrm>
+              <a:off x="1375778" y="1175453"/>
+              <a:ext cx="1210588" cy="400110"/>
+            </a:xfrm>
+            <a:prstGeom prst="rect">
+              <a:avLst/>
+            </a:prstGeom>
+            <a:noFill/>
+          </p:spPr>
+          <p:txBody>
+            <a:bodyPr wrap="none" rtlCol="0">
+              <a:spAutoFit/>
+            </a:bodyPr>
+            <a:lstStyle/>
+            <a:p>
+              <a:r>
+                <a:rPr lang="zh-CN" altLang="en-US" sz="2000">
+                  <a:solidFill>
+                    <a:schemeClr val="accent6">
+                      <a:lumMod val="75000"/>
+                    </a:schemeClr>
+                  </a:solidFill>
+                  <a:latin typeface="华文楷体" panose="02010600040101010101" pitchFamily="2" charset="-122"/>
+                  <a:ea typeface="华文楷体" panose="02010600040101010101" pitchFamily="2" charset="-122"/>
+                </a:rPr>
+                <a:t>验证过程</a:t>
+              </a:r>
+            </a:p>
+          </p:txBody>
+        </p:sp>
+        <p:sp>
+          <p:nvSpPr>
+            <p:cNvPr id="16" name="矩形: 折角 15">
+              <a:extLst>
+                <a:ext uri="{FF2B5EF4-FFF2-40B4-BE49-F238E27FC236}">
+                  <a16:creationId xmlns:a16="http://schemas.microsoft.com/office/drawing/2014/main" id="{6F77ED1F-7AEC-7B61-32DD-793A33BD5DDE}"/>
+                </a:ext>
+              </a:extLst>
+            </p:cNvPr>
+            <p:cNvSpPr/>
+            <p:nvPr/>
+          </p:nvSpPr>
+          <p:spPr>
+            <a:xfrm>
+              <a:off x="1138000" y="3579307"/>
+              <a:ext cx="1181097" cy="722396"/>
+            </a:xfrm>
+            <a:prstGeom prst="foldedCorner">
+              <a:avLst/>
+            </a:prstGeom>
+            <a:solidFill>
+              <a:schemeClr val="accent6">
+                <a:lumMod val="40000"/>
+                <a:lumOff val="60000"/>
+              </a:schemeClr>
+            </a:solidFill>
+            <a:ln>
+              <a:noFill/>
+            </a:ln>
+          </p:spPr>
+          <p:style>
+            <a:lnRef idx="2">
+              <a:schemeClr val="accent1">
+                <a:shade val="15000"/>
+              </a:schemeClr>
+            </a:lnRef>
+            <a:fillRef idx="1">
+              <a:schemeClr val="accent1"/>
+            </a:fillRef>
+            <a:effectRef idx="0">
+              <a:schemeClr val="accent1"/>
+            </a:effectRef>
+            <a:fontRef idx="minor">
+              <a:schemeClr val="lt1"/>
+            </a:fontRef>
+          </p:style>
+          <p:txBody>
+            <a:bodyPr rtlCol="0" anchor="ctr"/>
+            <a:lstStyle/>
+            <a:p>
+              <a:pPr algn="ctr"/>
+              <a:r>
+                <a:rPr lang="zh-CN" altLang="en-US">
+                  <a:solidFill>
+                    <a:schemeClr val="accent6">
+                      <a:lumMod val="50000"/>
+                    </a:schemeClr>
+                  </a:solidFill>
+                </a:rPr>
+                <a:t>测试集</a:t>
+              </a:r>
+            </a:p>
+          </p:txBody>
+        </p:sp>
+        <p:sp>
+          <p:nvSpPr>
+            <p:cNvPr id="17" name="左大括号 16">
+              <a:extLst>
+                <a:ext uri="{FF2B5EF4-FFF2-40B4-BE49-F238E27FC236}">
+                  <a16:creationId xmlns:a16="http://schemas.microsoft.com/office/drawing/2014/main" id="{CEA54230-4800-1324-5516-09DCE23BF61A}"/>
+                </a:ext>
+              </a:extLst>
+            </p:cNvPr>
+            <p:cNvSpPr/>
+            <p:nvPr/>
+          </p:nvSpPr>
+          <p:spPr>
+            <a:xfrm>
+              <a:off x="2519136" y="1829559"/>
+              <a:ext cx="409575" cy="4080429"/>
+            </a:xfrm>
+            <a:prstGeom prst="leftBrace">
+              <a:avLst/>
+            </a:prstGeom>
+            <a:ln w="19050">
+              <a:solidFill>
+                <a:schemeClr val="accent6">
+                  <a:lumMod val="60000"/>
+                  <a:lumOff val="40000"/>
+                </a:schemeClr>
+              </a:solidFill>
+            </a:ln>
+          </p:spPr>
+          <p:style>
+            <a:lnRef idx="1">
+              <a:schemeClr val="accent1"/>
+            </a:lnRef>
+            <a:fillRef idx="0">
+              <a:schemeClr val="accent1"/>
+            </a:fillRef>
+            <a:effectRef idx="0">
+              <a:schemeClr val="accent1"/>
+            </a:effectRef>
+            <a:fontRef idx="minor">
+              <a:schemeClr val="tx1"/>
+            </a:fontRef>
+          </p:style>
+          <p:txBody>
+            <a:bodyPr rtlCol="0" anchor="ctr"/>
+            <a:lstStyle/>
+            <a:p>
+              <a:pPr algn="ctr"/>
+              <a:endParaRPr lang="zh-CN" altLang="en-US">
+                <a:solidFill>
+                  <a:schemeClr val="accent6">
+                    <a:lumMod val="60000"/>
+                    <a:lumOff val="40000"/>
+                  </a:schemeClr>
+                </a:solidFill>
+              </a:endParaRPr>
+            </a:p>
+          </p:txBody>
+        </p:sp>
+        <p:sp>
+          <p:nvSpPr>
+            <p:cNvPr id="18" name="文本框 17">
+              <a:extLst>
+                <a:ext uri="{FF2B5EF4-FFF2-40B4-BE49-F238E27FC236}">
+                  <a16:creationId xmlns:a16="http://schemas.microsoft.com/office/drawing/2014/main" id="{B4BAB96D-83D1-0729-4BD4-26CB29E3AA68}"/>
+                </a:ext>
+              </a:extLst>
+            </p:cNvPr>
+            <p:cNvSpPr txBox="1"/>
+            <p:nvPr/>
+          </p:nvSpPr>
+          <p:spPr>
+            <a:xfrm>
+              <a:off x="3372803" y="5043952"/>
+              <a:ext cx="697627" cy="400110"/>
+            </a:xfrm>
+            <a:prstGeom prst="rect">
+              <a:avLst/>
+            </a:prstGeom>
+            <a:noFill/>
+          </p:spPr>
+          <p:txBody>
+            <a:bodyPr wrap="none" rtlCol="0">
+              <a:spAutoFit/>
+            </a:bodyPr>
+            <a:lstStyle/>
+            <a:p>
+              <a:r>
+                <a:rPr lang="zh-CN" altLang="en-US" sz="2000">
+                  <a:solidFill>
+                    <a:schemeClr val="accent6">
+                      <a:lumMod val="75000"/>
+                    </a:schemeClr>
+                  </a:solidFill>
+                  <a:latin typeface="霞鹜文楷等宽" panose="02020509000000000000" pitchFamily="49" charset="-122"/>
+                  <a:ea typeface="霞鹜文楷等宽" panose="02020509000000000000" pitchFamily="49" charset="-122"/>
+                </a:rPr>
+                <a:t>评论</a:t>
+              </a:r>
+            </a:p>
+          </p:txBody>
+        </p:sp>
+        <p:sp>
+          <p:nvSpPr>
+            <p:cNvPr id="19" name="文本框 18">
+              <a:extLst>
+                <a:ext uri="{FF2B5EF4-FFF2-40B4-BE49-F238E27FC236}">
+                  <a16:creationId xmlns:a16="http://schemas.microsoft.com/office/drawing/2014/main" id="{947E9708-5E44-591F-34A1-735174144A50}"/>
+                </a:ext>
+              </a:extLst>
+            </p:cNvPr>
+            <p:cNvSpPr txBox="1"/>
+            <p:nvPr/>
+          </p:nvSpPr>
+          <p:spPr>
+            <a:xfrm>
+              <a:off x="2919213" y="1736707"/>
+              <a:ext cx="1595309" cy="400110"/>
+            </a:xfrm>
+            <a:prstGeom prst="rect">
+              <a:avLst/>
+            </a:prstGeom>
+            <a:noFill/>
+          </p:spPr>
+          <p:txBody>
+            <a:bodyPr wrap="none" rtlCol="0">
+              <a:spAutoFit/>
+            </a:bodyPr>
+            <a:lstStyle/>
+            <a:p>
+              <a:r>
+                <a:rPr lang="zh-CN" altLang="en-US" sz="2000">
+                  <a:solidFill>
+                    <a:schemeClr val="accent6">
+                      <a:lumMod val="75000"/>
+                    </a:schemeClr>
+                  </a:solidFill>
+                  <a:latin typeface="霞鹜文楷等宽" panose="02020509000000000000" pitchFamily="49" charset="-122"/>
+                  <a:ea typeface="霞鹜文楷等宽" panose="02020509000000000000" pitchFamily="49" charset="-122"/>
+                </a:rPr>
+                <a:t>相关性变量</a:t>
+              </a:r>
+              <a:r>
+                <a:rPr lang="en-US" altLang="zh-CN" sz="2000">
+                  <a:solidFill>
+                    <a:schemeClr val="accent6">
+                      <a:lumMod val="75000"/>
+                    </a:schemeClr>
+                  </a:solidFill>
+                  <a:latin typeface="霞鹜文楷等宽" panose="02020509000000000000" pitchFamily="49" charset="-122"/>
+                  <a:ea typeface="霞鹜文楷等宽" panose="02020509000000000000" pitchFamily="49" charset="-122"/>
+                </a:rPr>
+                <a:t>1</a:t>
+              </a:r>
+              <a:endParaRPr lang="zh-CN" altLang="en-US" sz="2000">
+                <a:solidFill>
+                  <a:schemeClr val="accent6">
+                    <a:lumMod val="75000"/>
+                  </a:schemeClr>
+                </a:solidFill>
+                <a:latin typeface="霞鹜文楷等宽" panose="02020509000000000000" pitchFamily="49" charset="-122"/>
+                <a:ea typeface="霞鹜文楷等宽" panose="02020509000000000000" pitchFamily="49" charset="-122"/>
+              </a:endParaRPr>
+            </a:p>
+          </p:txBody>
+        </p:sp>
+        <p:sp>
+          <p:nvSpPr>
+            <p:cNvPr id="20" name="文本框 19">
+              <a:extLst>
+                <a:ext uri="{FF2B5EF4-FFF2-40B4-BE49-F238E27FC236}">
+                  <a16:creationId xmlns:a16="http://schemas.microsoft.com/office/drawing/2014/main" id="{EB33A568-C5CC-7022-EC45-B3CB168A3E1C}"/>
+                </a:ext>
+              </a:extLst>
+            </p:cNvPr>
+            <p:cNvSpPr txBox="1"/>
+            <p:nvPr/>
+          </p:nvSpPr>
+          <p:spPr>
+            <a:xfrm>
+              <a:off x="2919213" y="2370302"/>
+              <a:ext cx="1595309" cy="400110"/>
+            </a:xfrm>
+            <a:prstGeom prst="rect">
+              <a:avLst/>
+            </a:prstGeom>
+            <a:noFill/>
+          </p:spPr>
+          <p:txBody>
+            <a:bodyPr wrap="none" rtlCol="0">
+              <a:spAutoFit/>
+            </a:bodyPr>
+            <a:lstStyle/>
+            <a:p>
+              <a:r>
+                <a:rPr lang="zh-CN" altLang="en-US" sz="2000">
+                  <a:solidFill>
+                    <a:schemeClr val="accent6">
+                      <a:lumMod val="75000"/>
+                    </a:schemeClr>
+                  </a:solidFill>
+                  <a:latin typeface="霞鹜文楷等宽" panose="02020509000000000000" pitchFamily="49" charset="-122"/>
+                  <a:ea typeface="霞鹜文楷等宽" panose="02020509000000000000" pitchFamily="49" charset="-122"/>
+                </a:rPr>
+                <a:t>相关性变量</a:t>
+              </a:r>
+              <a:r>
+                <a:rPr lang="en-US" altLang="zh-CN" sz="2000">
+                  <a:solidFill>
+                    <a:schemeClr val="accent6">
+                      <a:lumMod val="75000"/>
+                    </a:schemeClr>
+                  </a:solidFill>
+                  <a:latin typeface="霞鹜文楷等宽" panose="02020509000000000000" pitchFamily="49" charset="-122"/>
+                  <a:ea typeface="霞鹜文楷等宽" panose="02020509000000000000" pitchFamily="49" charset="-122"/>
+                </a:rPr>
+                <a:t>2</a:t>
+              </a:r>
+              <a:endParaRPr lang="zh-CN" altLang="en-US" sz="2000">
+                <a:solidFill>
+                  <a:schemeClr val="accent6">
+                    <a:lumMod val="75000"/>
+                  </a:schemeClr>
+                </a:solidFill>
+                <a:latin typeface="霞鹜文楷等宽" panose="02020509000000000000" pitchFamily="49" charset="-122"/>
+                <a:ea typeface="霞鹜文楷等宽" panose="02020509000000000000" pitchFamily="49" charset="-122"/>
+              </a:endParaRPr>
+            </a:p>
+          </p:txBody>
+        </p:sp>
+        <p:sp>
+          <p:nvSpPr>
+            <p:cNvPr id="21" name="文本框 20">
+              <a:extLst>
+                <a:ext uri="{FF2B5EF4-FFF2-40B4-BE49-F238E27FC236}">
+                  <a16:creationId xmlns:a16="http://schemas.microsoft.com/office/drawing/2014/main" id="{FCE84E4C-197F-0B1A-AA2B-6F044C2B9708}"/>
+                </a:ext>
+              </a:extLst>
+            </p:cNvPr>
+            <p:cNvSpPr txBox="1"/>
+            <p:nvPr/>
+          </p:nvSpPr>
+          <p:spPr>
+            <a:xfrm>
+              <a:off x="2919213" y="3046851"/>
+              <a:ext cx="1595309" cy="400110"/>
+            </a:xfrm>
+            <a:prstGeom prst="rect">
+              <a:avLst/>
+            </a:prstGeom>
+            <a:noFill/>
+          </p:spPr>
+          <p:txBody>
+            <a:bodyPr wrap="none" rtlCol="0">
+              <a:spAutoFit/>
+            </a:bodyPr>
+            <a:lstStyle/>
+            <a:p>
+              <a:r>
+                <a:rPr lang="zh-CN" altLang="en-US" sz="2000">
+                  <a:solidFill>
+                    <a:schemeClr val="accent6">
+                      <a:lumMod val="75000"/>
+                    </a:schemeClr>
+                  </a:solidFill>
+                  <a:latin typeface="霞鹜文楷等宽" panose="02020509000000000000" pitchFamily="49" charset="-122"/>
+                  <a:ea typeface="霞鹜文楷等宽" panose="02020509000000000000" pitchFamily="49" charset="-122"/>
+                </a:rPr>
+                <a:t>相关性变量</a:t>
+              </a:r>
+              <a:r>
+                <a:rPr lang="en-US" altLang="zh-CN" sz="2000">
+                  <a:solidFill>
+                    <a:schemeClr val="accent6">
+                      <a:lumMod val="75000"/>
+                    </a:schemeClr>
+                  </a:solidFill>
+                  <a:latin typeface="霞鹜文楷等宽" panose="02020509000000000000" pitchFamily="49" charset="-122"/>
+                  <a:ea typeface="霞鹜文楷等宽" panose="02020509000000000000" pitchFamily="49" charset="-122"/>
+                </a:rPr>
+                <a:t>3</a:t>
+              </a:r>
+              <a:endParaRPr lang="zh-CN" altLang="en-US" sz="2000">
+                <a:solidFill>
+                  <a:schemeClr val="accent6">
+                    <a:lumMod val="75000"/>
+                  </a:schemeClr>
+                </a:solidFill>
+                <a:latin typeface="霞鹜文楷等宽" panose="02020509000000000000" pitchFamily="49" charset="-122"/>
+                <a:ea typeface="霞鹜文楷等宽" panose="02020509000000000000" pitchFamily="49" charset="-122"/>
+              </a:endParaRPr>
+            </a:p>
+          </p:txBody>
+        </p:sp>
+        <p:sp>
+          <p:nvSpPr>
+            <p:cNvPr id="22" name="文本框 21">
+              <a:extLst>
+                <a:ext uri="{FF2B5EF4-FFF2-40B4-BE49-F238E27FC236}">
+                  <a16:creationId xmlns:a16="http://schemas.microsoft.com/office/drawing/2014/main" id="{B8314331-C092-8ECC-FC76-E99CC02E105E}"/>
+                </a:ext>
+              </a:extLst>
+            </p:cNvPr>
+            <p:cNvSpPr txBox="1"/>
+            <p:nvPr/>
+          </p:nvSpPr>
+          <p:spPr>
+            <a:xfrm>
+              <a:off x="2919213" y="4134808"/>
+              <a:ext cx="1595309" cy="400110"/>
+            </a:xfrm>
+            <a:prstGeom prst="rect">
+              <a:avLst/>
+            </a:prstGeom>
+            <a:noFill/>
+          </p:spPr>
+          <p:txBody>
+            <a:bodyPr wrap="none" rtlCol="0">
+              <a:spAutoFit/>
+            </a:bodyPr>
+            <a:lstStyle/>
+            <a:p>
+              <a:r>
+                <a:rPr lang="zh-CN" altLang="en-US" sz="2000">
+                  <a:solidFill>
+                    <a:schemeClr val="accent6">
+                      <a:lumMod val="75000"/>
+                    </a:schemeClr>
+                  </a:solidFill>
+                  <a:latin typeface="霞鹜文楷等宽" panose="02020509000000000000" pitchFamily="49" charset="-122"/>
+                  <a:ea typeface="霞鹜文楷等宽" panose="02020509000000000000" pitchFamily="49" charset="-122"/>
+                </a:rPr>
+                <a:t>相关性变量</a:t>
+              </a:r>
+              <a:r>
+                <a:rPr lang="en-US" altLang="zh-CN" sz="2000">
+                  <a:solidFill>
+                    <a:schemeClr val="accent6">
+                      <a:lumMod val="75000"/>
+                    </a:schemeClr>
+                  </a:solidFill>
+                  <a:latin typeface="霞鹜文楷等宽" panose="02020509000000000000" pitchFamily="49" charset="-122"/>
+                  <a:ea typeface="霞鹜文楷等宽" panose="02020509000000000000" pitchFamily="49" charset="-122"/>
+                </a:rPr>
+                <a:t>n</a:t>
+              </a:r>
+              <a:endParaRPr lang="zh-CN" altLang="en-US" sz="2000">
+                <a:solidFill>
+                  <a:schemeClr val="accent6">
+                    <a:lumMod val="75000"/>
+                  </a:schemeClr>
+                </a:solidFill>
+                <a:latin typeface="霞鹜文楷等宽" panose="02020509000000000000" pitchFamily="49" charset="-122"/>
+                <a:ea typeface="霞鹜文楷等宽" panose="02020509000000000000" pitchFamily="49" charset="-122"/>
+              </a:endParaRPr>
+            </a:p>
+          </p:txBody>
+        </p:sp>
+        <p:sp>
+          <p:nvSpPr>
+            <p:cNvPr id="23" name="椭圆 22">
+              <a:extLst>
+                <a:ext uri="{FF2B5EF4-FFF2-40B4-BE49-F238E27FC236}">
+                  <a16:creationId xmlns:a16="http://schemas.microsoft.com/office/drawing/2014/main" id="{8E69D752-13DD-13C4-E619-D4DF889217D6}"/>
+                </a:ext>
+              </a:extLst>
+            </p:cNvPr>
+            <p:cNvSpPr/>
+            <p:nvPr/>
+          </p:nvSpPr>
+          <p:spPr>
+            <a:xfrm>
+              <a:off x="3670400" y="3532840"/>
+              <a:ext cx="92934" cy="92934"/>
+            </a:xfrm>
+            <a:prstGeom prst="ellipse">
+              <a:avLst/>
+            </a:prstGeom>
+            <a:solidFill>
+              <a:schemeClr val="accent6">
+                <a:lumMod val="40000"/>
+                <a:lumOff val="60000"/>
+              </a:schemeClr>
+            </a:solidFill>
+            <a:ln>
+              <a:solidFill>
+                <a:schemeClr val="accent6">
+                  <a:lumMod val="40000"/>
+                  <a:lumOff val="60000"/>
+                </a:schemeClr>
+              </a:solidFill>
+            </a:ln>
+          </p:spPr>
+          <p:style>
+            <a:lnRef idx="2">
+              <a:schemeClr val="accent1">
+                <a:shade val="15000"/>
+              </a:schemeClr>
+            </a:lnRef>
+            <a:fillRef idx="1">
+              <a:schemeClr val="accent1"/>
+            </a:fillRef>
+            <a:effectRef idx="0">
+              <a:schemeClr val="accent1"/>
+            </a:effectRef>
+            <a:fontRef idx="minor">
+              <a:schemeClr val="lt1"/>
+            </a:fontRef>
+          </p:style>
+          <p:txBody>
+            <a:bodyPr rtlCol="0" anchor="ctr"/>
+            <a:lstStyle/>
+            <a:p>
+              <a:pPr algn="ctr"/>
+              <a:endParaRPr lang="zh-CN" altLang="en-US">
+                <a:solidFill>
+                  <a:schemeClr val="accent6">
+                    <a:lumMod val="60000"/>
+                    <a:lumOff val="40000"/>
+                  </a:schemeClr>
+                </a:solidFill>
+              </a:endParaRPr>
+            </a:p>
+          </p:txBody>
+        </p:sp>
+        <p:sp>
+          <p:nvSpPr>
+            <p:cNvPr id="24" name="椭圆 23">
+              <a:extLst>
+                <a:ext uri="{FF2B5EF4-FFF2-40B4-BE49-F238E27FC236}">
+                  <a16:creationId xmlns:a16="http://schemas.microsoft.com/office/drawing/2014/main" id="{F7830AB8-F659-2DA5-C7D7-BD13A739D078}"/>
+                </a:ext>
+              </a:extLst>
+            </p:cNvPr>
+            <p:cNvSpPr/>
+            <p:nvPr/>
+          </p:nvSpPr>
+          <p:spPr>
+            <a:xfrm>
+              <a:off x="3670400" y="3779819"/>
+              <a:ext cx="92934" cy="92934"/>
+            </a:xfrm>
+            <a:prstGeom prst="ellipse">
+              <a:avLst/>
+            </a:prstGeom>
+            <a:solidFill>
+              <a:schemeClr val="accent6">
+                <a:lumMod val="40000"/>
+                <a:lumOff val="60000"/>
+              </a:schemeClr>
+            </a:solidFill>
+            <a:ln>
+              <a:solidFill>
+                <a:schemeClr val="accent6">
+                  <a:lumMod val="40000"/>
+                  <a:lumOff val="60000"/>
+                </a:schemeClr>
+              </a:solidFill>
+            </a:ln>
+          </p:spPr>
+          <p:style>
+            <a:lnRef idx="2">
+              <a:schemeClr val="accent1">
+                <a:shade val="15000"/>
+              </a:schemeClr>
+            </a:lnRef>
+            <a:fillRef idx="1">
+              <a:schemeClr val="accent1"/>
+            </a:fillRef>
+            <a:effectRef idx="0">
+              <a:schemeClr val="accent1"/>
+            </a:effectRef>
+            <a:fontRef idx="minor">
+              <a:schemeClr val="lt1"/>
+            </a:fontRef>
+          </p:style>
+          <p:txBody>
+            <a:bodyPr rtlCol="0" anchor="ctr"/>
+            <a:lstStyle/>
+            <a:p>
+              <a:pPr algn="ctr"/>
+              <a:endParaRPr lang="zh-CN" altLang="en-US">
+                <a:solidFill>
+                  <a:schemeClr val="accent6">
+                    <a:lumMod val="60000"/>
+                    <a:lumOff val="40000"/>
+                  </a:schemeClr>
+                </a:solidFill>
+              </a:endParaRPr>
+            </a:p>
+          </p:txBody>
+        </p:sp>
+        <p:sp>
+          <p:nvSpPr>
+            <p:cNvPr id="25" name="左大括号 24">
+              <a:extLst>
+                <a:ext uri="{FF2B5EF4-FFF2-40B4-BE49-F238E27FC236}">
+                  <a16:creationId xmlns:a16="http://schemas.microsoft.com/office/drawing/2014/main" id="{BAD28885-0872-29D7-797E-3B60D8FA9606}"/>
+                </a:ext>
+              </a:extLst>
+            </p:cNvPr>
+            <p:cNvSpPr/>
+            <p:nvPr/>
+          </p:nvSpPr>
+          <p:spPr>
+            <a:xfrm flipH="1">
+              <a:off x="4575889" y="1895909"/>
+              <a:ext cx="409575" cy="2474460"/>
+            </a:xfrm>
+            <a:prstGeom prst="leftBrace">
+              <a:avLst>
+                <a:gd name="adj1" fmla="val 8333"/>
+                <a:gd name="adj2" fmla="val 22172"/>
+              </a:avLst>
+            </a:prstGeom>
+            <a:ln w="19050">
+              <a:solidFill>
+                <a:schemeClr val="accent6">
+                  <a:lumMod val="60000"/>
+                  <a:lumOff val="40000"/>
+                </a:schemeClr>
+              </a:solidFill>
+            </a:ln>
+          </p:spPr>
+          <p:style>
+            <a:lnRef idx="1">
+              <a:schemeClr val="accent1"/>
+            </a:lnRef>
+            <a:fillRef idx="0">
+              <a:schemeClr val="accent1"/>
+            </a:fillRef>
+            <a:effectRef idx="0">
+              <a:schemeClr val="accent1"/>
+            </a:effectRef>
+            <a:fontRef idx="minor">
+              <a:schemeClr val="tx1"/>
+            </a:fontRef>
+          </p:style>
+          <p:txBody>
+            <a:bodyPr rtlCol="0" anchor="ctr"/>
+            <a:lstStyle/>
+            <a:p>
+              <a:pPr algn="ctr"/>
+              <a:endParaRPr lang="zh-CN" altLang="en-US">
+                <a:solidFill>
+                  <a:schemeClr val="accent6">
+                    <a:lumMod val="60000"/>
+                    <a:lumOff val="40000"/>
+                  </a:schemeClr>
+                </a:solidFill>
+              </a:endParaRPr>
+            </a:p>
+          </p:txBody>
+        </p:sp>
+        <p:sp>
+          <p:nvSpPr>
+            <p:cNvPr id="27" name="箭头: 下 26">
+              <a:extLst>
+                <a:ext uri="{FF2B5EF4-FFF2-40B4-BE49-F238E27FC236}">
+                  <a16:creationId xmlns:a16="http://schemas.microsoft.com/office/drawing/2014/main" id="{91CAC6AB-3B86-BC74-47FD-F48E9E90B0F7}"/>
+                </a:ext>
+              </a:extLst>
+            </p:cNvPr>
+            <p:cNvSpPr/>
+            <p:nvPr/>
+          </p:nvSpPr>
+          <p:spPr>
+            <a:xfrm rot="16200000">
+              <a:off x="4381170" y="4875847"/>
+              <a:ext cx="327759" cy="722396"/>
+            </a:xfrm>
+            <a:prstGeom prst="downArrow">
+              <a:avLst/>
+            </a:prstGeom>
+            <a:solidFill>
+              <a:schemeClr val="accent6">
+                <a:lumMod val="40000"/>
+                <a:lumOff val="60000"/>
+              </a:schemeClr>
+            </a:solidFill>
+            <a:ln>
+              <a:solidFill>
+                <a:schemeClr val="accent6">
+                  <a:lumMod val="75000"/>
+                </a:schemeClr>
+              </a:solidFill>
+            </a:ln>
+          </p:spPr>
+          <p:style>
+            <a:lnRef idx="2">
+              <a:schemeClr val="accent1">
+                <a:shade val="15000"/>
+              </a:schemeClr>
+            </a:lnRef>
+            <a:fillRef idx="1">
+              <a:schemeClr val="accent1"/>
+            </a:fillRef>
+            <a:effectRef idx="0">
+              <a:schemeClr val="accent1"/>
+            </a:effectRef>
+            <a:fontRef idx="minor">
+              <a:schemeClr val="lt1"/>
+            </a:fontRef>
+          </p:style>
+          <p:txBody>
+            <a:bodyPr rtlCol="0" anchor="ctr"/>
+            <a:lstStyle/>
+            <a:p>
+              <a:pPr algn="ctr"/>
+              <a:endParaRPr lang="zh-CN" altLang="en-US"/>
+            </a:p>
+          </p:txBody>
+        </p:sp>
+        <p:sp>
+          <p:nvSpPr>
+            <p:cNvPr id="28" name="椭圆 27">
+              <a:extLst>
+                <a:ext uri="{FF2B5EF4-FFF2-40B4-BE49-F238E27FC236}">
+                  <a16:creationId xmlns:a16="http://schemas.microsoft.com/office/drawing/2014/main" id="{BD37C8F9-22E1-5EC0-BF89-15F2381B94EE}"/>
+                </a:ext>
+              </a:extLst>
+            </p:cNvPr>
+            <p:cNvSpPr/>
+            <p:nvPr/>
+          </p:nvSpPr>
+          <p:spPr>
+            <a:xfrm>
+              <a:off x="3670400" y="4002475"/>
+              <a:ext cx="92934" cy="92934"/>
+            </a:xfrm>
+            <a:prstGeom prst="ellipse">
+              <a:avLst/>
+            </a:prstGeom>
+            <a:solidFill>
+              <a:schemeClr val="accent6">
+                <a:lumMod val="40000"/>
+                <a:lumOff val="60000"/>
+              </a:schemeClr>
+            </a:solidFill>
+            <a:ln>
+              <a:solidFill>
+                <a:schemeClr val="accent6">
+                  <a:lumMod val="40000"/>
+                  <a:lumOff val="60000"/>
+                </a:schemeClr>
+              </a:solidFill>
+            </a:ln>
+          </p:spPr>
+          <p:style>
+            <a:lnRef idx="2">
+              <a:schemeClr val="accent1">
+                <a:shade val="15000"/>
+              </a:schemeClr>
+            </a:lnRef>
+            <a:fillRef idx="1">
+              <a:schemeClr val="accent1"/>
+            </a:fillRef>
+            <a:effectRef idx="0">
+              <a:schemeClr val="accent1"/>
+            </a:effectRef>
+            <a:fontRef idx="minor">
+              <a:schemeClr val="lt1"/>
+            </a:fontRef>
+          </p:style>
+          <p:txBody>
+            <a:bodyPr rtlCol="0" anchor="ctr"/>
+            <a:lstStyle/>
+            <a:p>
+              <a:pPr algn="ctr"/>
+              <a:endParaRPr lang="zh-CN" altLang="en-US">
+                <a:solidFill>
+                  <a:schemeClr val="accent6">
+                    <a:lumMod val="60000"/>
+                    <a:lumOff val="40000"/>
+                  </a:schemeClr>
+                </a:solidFill>
+              </a:endParaRPr>
+            </a:p>
+          </p:txBody>
+        </p:sp>
+        <p:sp>
+          <p:nvSpPr>
+            <p:cNvPr id="29" name="箭头: 下 28">
+              <a:extLst>
+                <a:ext uri="{FF2B5EF4-FFF2-40B4-BE49-F238E27FC236}">
+                  <a16:creationId xmlns:a16="http://schemas.microsoft.com/office/drawing/2014/main" id="{18173A4C-A4DE-D686-A77C-22FB4BBFB995}"/>
+                </a:ext>
+              </a:extLst>
+            </p:cNvPr>
+            <p:cNvSpPr/>
+            <p:nvPr/>
+          </p:nvSpPr>
+          <p:spPr>
+            <a:xfrm rot="16200000">
+              <a:off x="7410691" y="1827645"/>
+              <a:ext cx="327759" cy="1157663"/>
+            </a:xfrm>
+            <a:prstGeom prst="downArrow">
+              <a:avLst/>
+            </a:prstGeom>
+            <a:solidFill>
+              <a:schemeClr val="accent6">
+                <a:lumMod val="40000"/>
+                <a:lumOff val="60000"/>
+              </a:schemeClr>
+            </a:solidFill>
+            <a:ln>
+              <a:solidFill>
+                <a:schemeClr val="accent6">
+                  <a:lumMod val="75000"/>
+                </a:schemeClr>
+              </a:solidFill>
+            </a:ln>
+          </p:spPr>
+          <p:style>
+            <a:lnRef idx="2">
+              <a:schemeClr val="accent1">
+                <a:shade val="15000"/>
+              </a:schemeClr>
+            </a:lnRef>
+            <a:fillRef idx="1">
+              <a:schemeClr val="accent1"/>
+            </a:fillRef>
+            <a:effectRef idx="0">
+              <a:schemeClr val="accent1"/>
+            </a:effectRef>
+            <a:fontRef idx="minor">
+              <a:schemeClr val="lt1"/>
+            </a:fontRef>
+          </p:style>
+          <p:txBody>
+            <a:bodyPr rtlCol="0" anchor="ctr"/>
+            <a:lstStyle/>
+            <a:p>
+              <a:pPr algn="ctr"/>
+              <a:endParaRPr lang="zh-CN" altLang="en-US"/>
+            </a:p>
+          </p:txBody>
+        </p:sp>
+        <p:sp>
+          <p:nvSpPr>
+            <p:cNvPr id="30" name="箭头: 下 29">
+              <a:extLst>
+                <a:ext uri="{FF2B5EF4-FFF2-40B4-BE49-F238E27FC236}">
+                  <a16:creationId xmlns:a16="http://schemas.microsoft.com/office/drawing/2014/main" id="{D076B335-69CF-20C9-8033-3BFEC6F39B52}"/>
+                </a:ext>
+              </a:extLst>
+            </p:cNvPr>
+            <p:cNvSpPr/>
+            <p:nvPr/>
+          </p:nvSpPr>
+          <p:spPr>
+            <a:xfrm rot="16200000">
+              <a:off x="7376315" y="4647294"/>
+              <a:ext cx="327759" cy="1157663"/>
+            </a:xfrm>
+            <a:prstGeom prst="downArrow">
+              <a:avLst/>
+            </a:prstGeom>
+            <a:solidFill>
+              <a:schemeClr val="accent6">
+                <a:lumMod val="40000"/>
+                <a:lumOff val="60000"/>
+              </a:schemeClr>
+            </a:solidFill>
+            <a:ln>
+              <a:solidFill>
+                <a:schemeClr val="accent6">
+                  <a:lumMod val="75000"/>
+                </a:schemeClr>
+              </a:solidFill>
+            </a:ln>
+          </p:spPr>
+          <p:style>
+            <a:lnRef idx="2">
+              <a:schemeClr val="accent1">
+                <a:shade val="15000"/>
+              </a:schemeClr>
+            </a:lnRef>
+            <a:fillRef idx="1">
+              <a:schemeClr val="accent1"/>
+            </a:fillRef>
+            <a:effectRef idx="0">
+              <a:schemeClr val="accent1"/>
+            </a:effectRef>
+            <a:fontRef idx="minor">
+              <a:schemeClr val="lt1"/>
+            </a:fontRef>
+          </p:style>
+          <p:txBody>
+            <a:bodyPr rtlCol="0" anchor="ctr"/>
+            <a:lstStyle/>
+            <a:p>
+              <a:pPr algn="ctr"/>
+              <a:endParaRPr lang="zh-CN" altLang="en-US"/>
+            </a:p>
+          </p:txBody>
+        </p:sp>
+      </p:grpSp>
+    </p:spTree>
+    <p:extLst>
+      <p:ext uri="{BB962C8B-B14F-4D97-AF65-F5344CB8AC3E}">
+        <p14:creationId xmlns:p14="http://schemas.microsoft.com/office/powerpoint/2010/main" val="1881529097"/>
+      </p:ext>
+    </p:extLst>
+  </p:cSld>
+  <p:clrMapOvr>
+    <a:masterClrMapping/>
+  </p:clrMapOvr>
+</p:sld>
+</file>
+
+<file path=ppt/slides/slide6.xml><?xml version="1.0" encoding="utf-8"?>
+<p:sld xmlns:a="http://schemas.openxmlformats.org/drawingml/2006/main" xmlns:r="http://schemas.openxmlformats.org/officeDocument/2006/relationships" xmlns:p="http://schemas.openxmlformats.org/presentationml/2006/main">
+  <p:cSld>
+    <p:spTree>
+      <p:nvGrpSpPr>
+        <p:cNvPr id="1" name=""/>
+        <p:cNvGrpSpPr/>
+        <p:nvPr/>
+      </p:nvGrpSpPr>
+      <p:grpSpPr>
+        <a:xfrm>
+          <a:off x="0" y="0"/>
+          <a:ext cx="0" cy="0"/>
+          <a:chOff x="0" y="0"/>
+          <a:chExt cx="0" cy="0"/>
+        </a:xfrm>
+      </p:grpSpPr>
+      <p:grpSp>
+        <p:nvGrpSpPr>
           <p:cNvPr id="14" name="组合 13">
             <a:extLst>
               <a:ext uri="{FF2B5EF4-FFF2-40B4-BE49-F238E27FC236}">
@@ -37308,7 +39501,7 @@
 </p:sld>
 </file>
 
-<file path=ppt/slides/slide6.xml><?xml version="1.0" encoding="utf-8"?>
+<file path=ppt/slides/slide7.xml><?xml version="1.0" encoding="utf-8"?>
 <p:sld xmlns:a="http://schemas.openxmlformats.org/drawingml/2006/main" xmlns:r="http://schemas.openxmlformats.org/officeDocument/2006/relationships" xmlns:p="http://schemas.openxmlformats.org/presentationml/2006/main">
   <p:cSld>
     <p:spTree>
@@ -38065,7 +40258,7 @@
 </p:sld>
 </file>
 
-<file path=ppt/slides/slide7.xml><?xml version="1.0" encoding="utf-8"?>
+<file path=ppt/slides/slide8.xml><?xml version="1.0" encoding="utf-8"?>
 <p:sld xmlns:a="http://schemas.openxmlformats.org/drawingml/2006/main" xmlns:r="http://schemas.openxmlformats.org/officeDocument/2006/relationships" xmlns:p="http://schemas.openxmlformats.org/presentationml/2006/main">
   <p:cSld>
     <p:spTree>
@@ -38740,7 +40933,7 @@
 </p:sld>
 </file>
 
-<file path=ppt/slides/slide8.xml><?xml version="1.0" encoding="utf-8"?>
+<file path=ppt/slides/slide9.xml><?xml version="1.0" encoding="utf-8"?>
 <p:sld xmlns:a="http://schemas.openxmlformats.org/drawingml/2006/main" xmlns:r="http://schemas.openxmlformats.org/officeDocument/2006/relationships" xmlns:p="http://schemas.openxmlformats.org/presentationml/2006/main">
   <p:cSld>
     <p:spTree>
@@ -38927,715 +41120,6 @@
     <p:extLst>
       <p:ext uri="{BB962C8B-B14F-4D97-AF65-F5344CB8AC3E}">
         <p14:creationId xmlns:p14="http://schemas.microsoft.com/office/powerpoint/2010/main" val="2882398747"/>
-      </p:ext>
-    </p:extLst>
-  </p:cSld>
-  <p:clrMapOvr>
-    <a:masterClrMapping/>
-  </p:clrMapOvr>
-</p:sld>
-</file>
-
-<file path=ppt/slides/slide9.xml><?xml version="1.0" encoding="utf-8"?>
-<p:sld xmlns:a="http://schemas.openxmlformats.org/drawingml/2006/main" xmlns:r="http://schemas.openxmlformats.org/officeDocument/2006/relationships" xmlns:p="http://schemas.openxmlformats.org/presentationml/2006/main">
-  <p:cSld>
-    <p:spTree>
-      <p:nvGrpSpPr>
-        <p:cNvPr id="1" name=""/>
-        <p:cNvGrpSpPr/>
-        <p:nvPr/>
-      </p:nvGrpSpPr>
-      <p:grpSpPr>
-        <a:xfrm>
-          <a:off x="0" y="0"/>
-          <a:ext cx="0" cy="0"/>
-          <a:chOff x="0" y="0"/>
-          <a:chExt cx="0" cy="0"/>
-        </a:xfrm>
-      </p:grpSpPr>
-      <p:sp>
-        <p:nvSpPr>
-          <p:cNvPr id="5" name="矩形 4">
-            <a:extLst>
-              <a:ext uri="{FF2B5EF4-FFF2-40B4-BE49-F238E27FC236}">
-                <a16:creationId xmlns:a16="http://schemas.microsoft.com/office/drawing/2014/main" id="{54EA0CEC-3247-CA89-6D2F-6216703AE138}"/>
-              </a:ext>
-            </a:extLst>
-          </p:cNvPr>
-          <p:cNvSpPr/>
-          <p:nvPr/>
-        </p:nvSpPr>
-        <p:spPr>
-          <a:xfrm>
-            <a:off x="1865376" y="539496"/>
-            <a:ext cx="8613648" cy="5504688"/>
-          </a:xfrm>
-          <a:prstGeom prst="rect">
-            <a:avLst/>
-          </a:prstGeom>
-          <a:solidFill>
-            <a:srgbClr val="F0FAEF"/>
-          </a:solidFill>
-          <a:ln>
-            <a:noFill/>
-          </a:ln>
-        </p:spPr>
-        <p:style>
-          <a:lnRef idx="2">
-            <a:schemeClr val="accent1">
-              <a:shade val="50000"/>
-            </a:schemeClr>
-          </a:lnRef>
-          <a:fillRef idx="1">
-            <a:schemeClr val="accent1"/>
-          </a:fillRef>
-          <a:effectRef idx="0">
-            <a:schemeClr val="accent1"/>
-          </a:effectRef>
-          <a:fontRef idx="minor">
-            <a:schemeClr val="lt1"/>
-          </a:fontRef>
-        </p:style>
-        <p:txBody>
-          <a:bodyPr rtlCol="0" anchor="ctr"/>
-          <a:lstStyle/>
-          <a:p>
-            <a:pPr algn="ctr"/>
-            <a:endParaRPr lang="zh-CN" altLang="en-US"/>
-          </a:p>
-        </p:txBody>
-      </p:sp>
-      <p:sp>
-        <p:nvSpPr>
-          <p:cNvPr id="4" name="文本框 3">
-            <a:extLst>
-              <a:ext uri="{FF2B5EF4-FFF2-40B4-BE49-F238E27FC236}">
-                <a16:creationId xmlns:a16="http://schemas.microsoft.com/office/drawing/2014/main" id="{8E49ADCF-7681-932E-7E7A-71C5B03E0965}"/>
-              </a:ext>
-            </a:extLst>
-          </p:cNvPr>
-          <p:cNvSpPr txBox="1"/>
-          <p:nvPr/>
-        </p:nvSpPr>
-        <p:spPr>
-          <a:xfrm>
-            <a:off x="3939800" y="813816"/>
-            <a:ext cx="4312399" cy="461665"/>
-          </a:xfrm>
-          <a:prstGeom prst="rect">
-            <a:avLst/>
-          </a:prstGeom>
-          <a:noFill/>
-        </p:spPr>
-        <p:txBody>
-          <a:bodyPr wrap="none" rtlCol="0">
-            <a:spAutoFit/>
-          </a:bodyPr>
-          <a:lstStyle/>
-          <a:p>
-            <a:r>
-              <a:rPr lang="en-US" altLang="zh-CN" sz="2400" b="1">
-                <a:solidFill>
-                  <a:srgbClr val="2A2DB0"/>
-                </a:solidFill>
-                <a:latin typeface="Bell MT" panose="02020503060305020303" pitchFamily="18" charset="0"/>
-              </a:rPr>
-              <a:t>Adaptive Periodic Grid Model</a:t>
-            </a:r>
-            <a:endParaRPr lang="zh-CN" altLang="en-US" sz="2400" b="1">
-              <a:solidFill>
-                <a:srgbClr val="2A2DB0"/>
-              </a:solidFill>
-              <a:latin typeface="Bell MT" panose="02020503060305020303" pitchFamily="18" charset="0"/>
-            </a:endParaRPr>
-          </a:p>
-        </p:txBody>
-      </p:sp>
-      <p:sp>
-        <p:nvSpPr>
-          <p:cNvPr id="6" name="矩形: 圆角 5">
-            <a:extLst>
-              <a:ext uri="{FF2B5EF4-FFF2-40B4-BE49-F238E27FC236}">
-                <a16:creationId xmlns:a16="http://schemas.microsoft.com/office/drawing/2014/main" id="{03DB2C2E-DAA5-4AF1-6498-F108D77B49DF}"/>
-              </a:ext>
-            </a:extLst>
-          </p:cNvPr>
-          <p:cNvSpPr/>
-          <p:nvPr/>
-        </p:nvSpPr>
-        <p:spPr>
-          <a:xfrm>
-            <a:off x="2697480" y="1815191"/>
-            <a:ext cx="1417320" cy="640080"/>
-          </a:xfrm>
-          <a:prstGeom prst="roundRect">
-            <a:avLst/>
-          </a:prstGeom>
-          <a:solidFill>
-            <a:srgbClr val="A6D9DC"/>
-          </a:solidFill>
-          <a:ln>
-            <a:solidFill>
-              <a:srgbClr val="477597"/>
-            </a:solidFill>
-          </a:ln>
-        </p:spPr>
-        <p:style>
-          <a:lnRef idx="2">
-            <a:schemeClr val="accent1">
-              <a:shade val="50000"/>
-            </a:schemeClr>
-          </a:lnRef>
-          <a:fillRef idx="1">
-            <a:schemeClr val="accent1"/>
-          </a:fillRef>
-          <a:effectRef idx="0">
-            <a:schemeClr val="accent1"/>
-          </a:effectRef>
-          <a:fontRef idx="minor">
-            <a:schemeClr val="lt1"/>
-          </a:fontRef>
-        </p:style>
-        <p:txBody>
-          <a:bodyPr rtlCol="0" anchor="ctr"/>
-          <a:lstStyle/>
-          <a:p>
-            <a:pPr algn="ctr"/>
-            <a:r>
-              <a:rPr lang="en-US" altLang="zh-CN" sz="1600">
-                <a:solidFill>
-                  <a:srgbClr val="477597"/>
-                </a:solidFill>
-                <a:latin typeface="霞鹜文楷" panose="02020500000000000000" pitchFamily="18" charset="-122"/>
-                <a:ea typeface="霞鹜文楷" panose="02020500000000000000" pitchFamily="18" charset="-122"/>
-              </a:rPr>
-              <a:t>Initialize parameter</a:t>
-            </a:r>
-          </a:p>
-        </p:txBody>
-      </p:sp>
-      <p:sp>
-        <p:nvSpPr>
-          <p:cNvPr id="11" name="矩形: 圆角 10">
-            <a:extLst>
-              <a:ext uri="{FF2B5EF4-FFF2-40B4-BE49-F238E27FC236}">
-                <a16:creationId xmlns:a16="http://schemas.microsoft.com/office/drawing/2014/main" id="{9883315A-CB12-19EE-4ED8-420E5C1AF5DC}"/>
-              </a:ext>
-            </a:extLst>
-          </p:cNvPr>
-          <p:cNvSpPr/>
-          <p:nvPr/>
-        </p:nvSpPr>
-        <p:spPr>
-          <a:xfrm>
-            <a:off x="6926580" y="3844564"/>
-            <a:ext cx="1417320" cy="640080"/>
-          </a:xfrm>
-          <a:prstGeom prst="roundRect">
-            <a:avLst/>
-          </a:prstGeom>
-          <a:solidFill>
-            <a:srgbClr val="A6D9DC"/>
-          </a:solidFill>
-          <a:ln>
-            <a:solidFill>
-              <a:srgbClr val="477597"/>
-            </a:solidFill>
-          </a:ln>
-        </p:spPr>
-        <p:style>
-          <a:lnRef idx="2">
-            <a:schemeClr val="accent1">
-              <a:shade val="50000"/>
-            </a:schemeClr>
-          </a:lnRef>
-          <a:fillRef idx="1">
-            <a:schemeClr val="accent1"/>
-          </a:fillRef>
-          <a:effectRef idx="0">
-            <a:schemeClr val="accent1"/>
-          </a:effectRef>
-          <a:fontRef idx="minor">
-            <a:schemeClr val="lt1"/>
-          </a:fontRef>
-        </p:style>
-        <p:txBody>
-          <a:bodyPr rtlCol="0" anchor="ctr"/>
-          <a:lstStyle/>
-          <a:p>
-            <a:pPr algn="ctr"/>
-            <a:r>
-              <a:rPr lang="en-US" altLang="zh-CN" sz="1600">
-                <a:solidFill>
-                  <a:srgbClr val="477597"/>
-                </a:solidFill>
-                <a:latin typeface="霞鹜文楷" panose="02020500000000000000" pitchFamily="18" charset="-122"/>
-                <a:ea typeface="霞鹜文楷" panose="02020500000000000000" pitchFamily="18" charset="-122"/>
-              </a:rPr>
-              <a:t>Initialize parameter</a:t>
-            </a:r>
-          </a:p>
-        </p:txBody>
-      </p:sp>
-      <p:sp>
-        <p:nvSpPr>
-          <p:cNvPr id="21" name="矩形: 圆角 20">
-            <a:extLst>
-              <a:ext uri="{FF2B5EF4-FFF2-40B4-BE49-F238E27FC236}">
-                <a16:creationId xmlns:a16="http://schemas.microsoft.com/office/drawing/2014/main" id="{4FE34FE0-4E87-C4D8-AC1F-DA54F7B1102D}"/>
-              </a:ext>
-            </a:extLst>
-          </p:cNvPr>
-          <p:cNvSpPr/>
-          <p:nvPr/>
-        </p:nvSpPr>
-        <p:spPr>
-          <a:xfrm>
-            <a:off x="2697480" y="3844564"/>
-            <a:ext cx="1417320" cy="640080"/>
-          </a:xfrm>
-          <a:prstGeom prst="roundRect">
-            <a:avLst/>
-          </a:prstGeom>
-          <a:solidFill>
-            <a:srgbClr val="A6D9DC"/>
-          </a:solidFill>
-          <a:ln>
-            <a:solidFill>
-              <a:srgbClr val="477597"/>
-            </a:solidFill>
-          </a:ln>
-        </p:spPr>
-        <p:style>
-          <a:lnRef idx="2">
-            <a:schemeClr val="accent1">
-              <a:shade val="50000"/>
-            </a:schemeClr>
-          </a:lnRef>
-          <a:fillRef idx="1">
-            <a:schemeClr val="accent1"/>
-          </a:fillRef>
-          <a:effectRef idx="0">
-            <a:schemeClr val="accent1"/>
-          </a:effectRef>
-          <a:fontRef idx="minor">
-            <a:schemeClr val="lt1"/>
-          </a:fontRef>
-        </p:style>
-        <p:txBody>
-          <a:bodyPr rtlCol="0" anchor="ctr"/>
-          <a:lstStyle/>
-          <a:p>
-            <a:pPr algn="ctr"/>
-            <a:r>
-              <a:rPr lang="en-US" altLang="zh-CN" sz="1600">
-                <a:solidFill>
-                  <a:srgbClr val="477597"/>
-                </a:solidFill>
-                <a:latin typeface="霞鹜文楷" panose="02020500000000000000" pitchFamily="18" charset="-122"/>
-                <a:ea typeface="霞鹜文楷" panose="02020500000000000000" pitchFamily="18" charset="-122"/>
-              </a:rPr>
-              <a:t>Initialize parameter</a:t>
-            </a:r>
-          </a:p>
-        </p:txBody>
-      </p:sp>
-      <p:sp>
-        <p:nvSpPr>
-          <p:cNvPr id="32" name="矩形: 圆角 31">
-            <a:extLst>
-              <a:ext uri="{FF2B5EF4-FFF2-40B4-BE49-F238E27FC236}">
-                <a16:creationId xmlns:a16="http://schemas.microsoft.com/office/drawing/2014/main" id="{EDDB851F-2575-1414-86D2-627361CF277E}"/>
-              </a:ext>
-            </a:extLst>
-          </p:cNvPr>
-          <p:cNvSpPr/>
-          <p:nvPr/>
-        </p:nvSpPr>
-        <p:spPr>
-          <a:xfrm flipV="1">
-            <a:off x="4115250" y="2084695"/>
-            <a:ext cx="3542850" cy="1759869"/>
-          </a:xfrm>
-          <a:custGeom>
-            <a:avLst/>
-            <a:gdLst>
-              <a:gd name="connsiteX0" fmla="*/ 0 w 1941195"/>
-              <a:gd name="connsiteY0" fmla="*/ 323539 h 3171825"/>
-              <a:gd name="connsiteX1" fmla="*/ 323539 w 1941195"/>
-              <a:gd name="connsiteY1" fmla="*/ 0 h 3171825"/>
-              <a:gd name="connsiteX2" fmla="*/ 1617656 w 1941195"/>
-              <a:gd name="connsiteY2" fmla="*/ 0 h 3171825"/>
-              <a:gd name="connsiteX3" fmla="*/ 1941195 w 1941195"/>
-              <a:gd name="connsiteY3" fmla="*/ 323539 h 3171825"/>
-              <a:gd name="connsiteX4" fmla="*/ 1941195 w 1941195"/>
-              <a:gd name="connsiteY4" fmla="*/ 2848286 h 3171825"/>
-              <a:gd name="connsiteX5" fmla="*/ 1617656 w 1941195"/>
-              <a:gd name="connsiteY5" fmla="*/ 3171825 h 3171825"/>
-              <a:gd name="connsiteX6" fmla="*/ 323539 w 1941195"/>
-              <a:gd name="connsiteY6" fmla="*/ 3171825 h 3171825"/>
-              <a:gd name="connsiteX7" fmla="*/ 0 w 1941195"/>
-              <a:gd name="connsiteY7" fmla="*/ 2848286 h 3171825"/>
-              <a:gd name="connsiteX8" fmla="*/ 0 w 1941195"/>
-              <a:gd name="connsiteY8" fmla="*/ 323539 h 3171825"/>
-              <a:gd name="connsiteX0" fmla="*/ 0 w 1941195"/>
-              <a:gd name="connsiteY0" fmla="*/ 323539 h 3171825"/>
-              <a:gd name="connsiteX1" fmla="*/ 323539 w 1941195"/>
-              <a:gd name="connsiteY1" fmla="*/ 0 h 3171825"/>
-              <a:gd name="connsiteX2" fmla="*/ 1941195 w 1941195"/>
-              <a:gd name="connsiteY2" fmla="*/ 323539 h 3171825"/>
-              <a:gd name="connsiteX3" fmla="*/ 1941195 w 1941195"/>
-              <a:gd name="connsiteY3" fmla="*/ 2848286 h 3171825"/>
-              <a:gd name="connsiteX4" fmla="*/ 1617656 w 1941195"/>
-              <a:gd name="connsiteY4" fmla="*/ 3171825 h 3171825"/>
-              <a:gd name="connsiteX5" fmla="*/ 323539 w 1941195"/>
-              <a:gd name="connsiteY5" fmla="*/ 3171825 h 3171825"/>
-              <a:gd name="connsiteX6" fmla="*/ 0 w 1941195"/>
-              <a:gd name="connsiteY6" fmla="*/ 2848286 h 3171825"/>
-              <a:gd name="connsiteX7" fmla="*/ 0 w 1941195"/>
-              <a:gd name="connsiteY7" fmla="*/ 323539 h 3171825"/>
-              <a:gd name="connsiteX0" fmla="*/ 0 w 1941195"/>
-              <a:gd name="connsiteY0" fmla="*/ 315594 h 3163880"/>
-              <a:gd name="connsiteX1" fmla="*/ 1941195 w 1941195"/>
-              <a:gd name="connsiteY1" fmla="*/ 315594 h 3163880"/>
-              <a:gd name="connsiteX2" fmla="*/ 1941195 w 1941195"/>
-              <a:gd name="connsiteY2" fmla="*/ 2840341 h 3163880"/>
-              <a:gd name="connsiteX3" fmla="*/ 1617656 w 1941195"/>
-              <a:gd name="connsiteY3" fmla="*/ 3163880 h 3163880"/>
-              <a:gd name="connsiteX4" fmla="*/ 323539 w 1941195"/>
-              <a:gd name="connsiteY4" fmla="*/ 3163880 h 3163880"/>
-              <a:gd name="connsiteX5" fmla="*/ 0 w 1941195"/>
-              <a:gd name="connsiteY5" fmla="*/ 2840341 h 3163880"/>
-              <a:gd name="connsiteX6" fmla="*/ 0 w 1941195"/>
-              <a:gd name="connsiteY6" fmla="*/ 315594 h 3163880"/>
-              <a:gd name="connsiteX0" fmla="*/ 0 w 1941195"/>
-              <a:gd name="connsiteY0" fmla="*/ 2524747 h 2848286"/>
-              <a:gd name="connsiteX1" fmla="*/ 1941195 w 1941195"/>
-              <a:gd name="connsiteY1" fmla="*/ 0 h 2848286"/>
-              <a:gd name="connsiteX2" fmla="*/ 1941195 w 1941195"/>
-              <a:gd name="connsiteY2" fmla="*/ 2524747 h 2848286"/>
-              <a:gd name="connsiteX3" fmla="*/ 1617656 w 1941195"/>
-              <a:gd name="connsiteY3" fmla="*/ 2848286 h 2848286"/>
-              <a:gd name="connsiteX4" fmla="*/ 323539 w 1941195"/>
-              <a:gd name="connsiteY4" fmla="*/ 2848286 h 2848286"/>
-              <a:gd name="connsiteX5" fmla="*/ 0 w 1941195"/>
-              <a:gd name="connsiteY5" fmla="*/ 2524747 h 2848286"/>
-              <a:gd name="connsiteX0" fmla="*/ 0 w 1617656"/>
-              <a:gd name="connsiteY0" fmla="*/ 2848286 h 2848286"/>
-              <a:gd name="connsiteX1" fmla="*/ 1617656 w 1617656"/>
-              <a:gd name="connsiteY1" fmla="*/ 0 h 2848286"/>
-              <a:gd name="connsiteX2" fmla="*/ 1617656 w 1617656"/>
-              <a:gd name="connsiteY2" fmla="*/ 2524747 h 2848286"/>
-              <a:gd name="connsiteX3" fmla="*/ 1294117 w 1617656"/>
-              <a:gd name="connsiteY3" fmla="*/ 2848286 h 2848286"/>
-              <a:gd name="connsiteX4" fmla="*/ 0 w 1617656"/>
-              <a:gd name="connsiteY4" fmla="*/ 2848286 h 2848286"/>
-              <a:gd name="connsiteX0" fmla="*/ 1526216 w 1526216"/>
-              <a:gd name="connsiteY0" fmla="*/ 0 h 2939726"/>
-              <a:gd name="connsiteX1" fmla="*/ 1526216 w 1526216"/>
-              <a:gd name="connsiteY1" fmla="*/ 2524747 h 2939726"/>
-              <a:gd name="connsiteX2" fmla="*/ 1202677 w 1526216"/>
-              <a:gd name="connsiteY2" fmla="*/ 2848286 h 2939726"/>
-              <a:gd name="connsiteX3" fmla="*/ 0 w 1526216"/>
-              <a:gd name="connsiteY3" fmla="*/ 2939726 h 2939726"/>
-              <a:gd name="connsiteX0" fmla="*/ 1545266 w 1545266"/>
-              <a:gd name="connsiteY0" fmla="*/ 0 h 2882576"/>
-              <a:gd name="connsiteX1" fmla="*/ 1545266 w 1545266"/>
-              <a:gd name="connsiteY1" fmla="*/ 2524747 h 2882576"/>
-              <a:gd name="connsiteX2" fmla="*/ 1221727 w 1545266"/>
-              <a:gd name="connsiteY2" fmla="*/ 2848286 h 2882576"/>
-              <a:gd name="connsiteX3" fmla="*/ 0 w 1545266"/>
-              <a:gd name="connsiteY3" fmla="*/ 2882576 h 2882576"/>
-              <a:gd name="connsiteX0" fmla="*/ 3402641 w 3402641"/>
-              <a:gd name="connsiteY0" fmla="*/ 0 h 2848286"/>
-              <a:gd name="connsiteX1" fmla="*/ 3402641 w 3402641"/>
-              <a:gd name="connsiteY1" fmla="*/ 2524747 h 2848286"/>
-              <a:gd name="connsiteX2" fmla="*/ 3079102 w 3402641"/>
-              <a:gd name="connsiteY2" fmla="*/ 2848286 h 2848286"/>
-              <a:gd name="connsiteX3" fmla="*/ 0 w 3402641"/>
-              <a:gd name="connsiteY3" fmla="*/ 2844476 h 2848286"/>
-              <a:gd name="connsiteX0" fmla="*/ 3402641 w 3402641"/>
-              <a:gd name="connsiteY0" fmla="*/ 0 h 2848286"/>
-              <a:gd name="connsiteX1" fmla="*/ 3393493 w 3402641"/>
-              <a:gd name="connsiteY1" fmla="*/ 2339756 h 2848286"/>
-              <a:gd name="connsiteX2" fmla="*/ 3079102 w 3402641"/>
-              <a:gd name="connsiteY2" fmla="*/ 2848286 h 2848286"/>
-              <a:gd name="connsiteX3" fmla="*/ 0 w 3402641"/>
-              <a:gd name="connsiteY3" fmla="*/ 2844476 h 2848286"/>
-              <a:gd name="connsiteX0" fmla="*/ 3402641 w 3402641"/>
-              <a:gd name="connsiteY0" fmla="*/ 0 h 2848286"/>
-              <a:gd name="connsiteX1" fmla="*/ 3393493 w 3402641"/>
-              <a:gd name="connsiteY1" fmla="*/ 2339756 h 2848286"/>
-              <a:gd name="connsiteX2" fmla="*/ 2951029 w 3402641"/>
-              <a:gd name="connsiteY2" fmla="*/ 2848286 h 2848286"/>
-              <a:gd name="connsiteX3" fmla="*/ 0 w 3402641"/>
-              <a:gd name="connsiteY3" fmla="*/ 2844476 h 2848286"/>
-              <a:gd name="connsiteX0" fmla="*/ 3402641 w 3402641"/>
-              <a:gd name="connsiteY0" fmla="*/ 0 h 2848286"/>
-              <a:gd name="connsiteX1" fmla="*/ 3393493 w 3402641"/>
-              <a:gd name="connsiteY1" fmla="*/ 2339756 h 2848286"/>
-              <a:gd name="connsiteX2" fmla="*/ 3051658 w 3402641"/>
-              <a:gd name="connsiteY2" fmla="*/ 2848286 h 2848286"/>
-              <a:gd name="connsiteX3" fmla="*/ 0 w 3402641"/>
-              <a:gd name="connsiteY3" fmla="*/ 2844476 h 2848286"/>
-            </a:gdLst>
-            <a:ahLst/>
-            <a:cxnLst>
-              <a:cxn ang="0">
-                <a:pos x="connsiteX0" y="connsiteY0"/>
-              </a:cxn>
-              <a:cxn ang="0">
-                <a:pos x="connsiteX1" y="connsiteY1"/>
-              </a:cxn>
-              <a:cxn ang="0">
-                <a:pos x="connsiteX2" y="connsiteY2"/>
-              </a:cxn>
-              <a:cxn ang="0">
-                <a:pos x="connsiteX3" y="connsiteY3"/>
-              </a:cxn>
-            </a:cxnLst>
-            <a:rect l="l" t="t" r="r" b="b"/>
-            <a:pathLst>
-              <a:path w="3402641" h="2848286">
-                <a:moveTo>
-                  <a:pt x="3402641" y="0"/>
-                </a:moveTo>
-                <a:cubicBezTo>
-                  <a:pt x="3399592" y="779919"/>
-                  <a:pt x="3396542" y="1559837"/>
-                  <a:pt x="3393493" y="2339756"/>
-                </a:cubicBezTo>
-                <a:cubicBezTo>
-                  <a:pt x="3393493" y="2518442"/>
-                  <a:pt x="3230344" y="2848286"/>
-                  <a:pt x="3051658" y="2848286"/>
-                </a:cubicBezTo>
-                <a:lnTo>
-                  <a:pt x="0" y="2844476"/>
-                </a:lnTo>
-              </a:path>
-            </a:pathLst>
-          </a:custGeom>
-          <a:noFill/>
-          <a:ln w="19050">
-            <a:solidFill>
-              <a:srgbClr val="477597"/>
-            </a:solidFill>
-            <a:tailEnd type="stealth" w="lg" len="lg"/>
-          </a:ln>
-        </p:spPr>
-        <p:style>
-          <a:lnRef idx="2">
-            <a:schemeClr val="accent1">
-              <a:shade val="50000"/>
-            </a:schemeClr>
-          </a:lnRef>
-          <a:fillRef idx="1">
-            <a:schemeClr val="accent1"/>
-          </a:fillRef>
-          <a:effectRef idx="0">
-            <a:schemeClr val="accent1"/>
-          </a:effectRef>
-          <a:fontRef idx="minor">
-            <a:schemeClr val="lt1"/>
-          </a:fontRef>
-        </p:style>
-        <p:txBody>
-          <a:bodyPr rtlCol="0" anchor="ctr"/>
-          <a:lstStyle/>
-          <a:p>
-            <a:pPr algn="ctr"/>
-            <a:endParaRPr lang="zh-CN" altLang="en-US"/>
-          </a:p>
-        </p:txBody>
-      </p:sp>
-      <p:sp>
-        <p:nvSpPr>
-          <p:cNvPr id="33" name="矩形: 圆角 31">
-            <a:extLst>
-              <a:ext uri="{FF2B5EF4-FFF2-40B4-BE49-F238E27FC236}">
-                <a16:creationId xmlns:a16="http://schemas.microsoft.com/office/drawing/2014/main" id="{0E95C62B-F053-76D4-65FC-9193DA6D4875}"/>
-              </a:ext>
-            </a:extLst>
-          </p:cNvPr>
-          <p:cNvSpPr/>
-          <p:nvPr/>
-        </p:nvSpPr>
-        <p:spPr>
-          <a:xfrm>
-            <a:off x="9747408" y="201394"/>
-            <a:ext cx="1463231" cy="1224843"/>
-          </a:xfrm>
-          <a:custGeom>
-            <a:avLst/>
-            <a:gdLst>
-              <a:gd name="connsiteX0" fmla="*/ 0 w 1941195"/>
-              <a:gd name="connsiteY0" fmla="*/ 323539 h 3171825"/>
-              <a:gd name="connsiteX1" fmla="*/ 323539 w 1941195"/>
-              <a:gd name="connsiteY1" fmla="*/ 0 h 3171825"/>
-              <a:gd name="connsiteX2" fmla="*/ 1617656 w 1941195"/>
-              <a:gd name="connsiteY2" fmla="*/ 0 h 3171825"/>
-              <a:gd name="connsiteX3" fmla="*/ 1941195 w 1941195"/>
-              <a:gd name="connsiteY3" fmla="*/ 323539 h 3171825"/>
-              <a:gd name="connsiteX4" fmla="*/ 1941195 w 1941195"/>
-              <a:gd name="connsiteY4" fmla="*/ 2848286 h 3171825"/>
-              <a:gd name="connsiteX5" fmla="*/ 1617656 w 1941195"/>
-              <a:gd name="connsiteY5" fmla="*/ 3171825 h 3171825"/>
-              <a:gd name="connsiteX6" fmla="*/ 323539 w 1941195"/>
-              <a:gd name="connsiteY6" fmla="*/ 3171825 h 3171825"/>
-              <a:gd name="connsiteX7" fmla="*/ 0 w 1941195"/>
-              <a:gd name="connsiteY7" fmla="*/ 2848286 h 3171825"/>
-              <a:gd name="connsiteX8" fmla="*/ 0 w 1941195"/>
-              <a:gd name="connsiteY8" fmla="*/ 323539 h 3171825"/>
-              <a:gd name="connsiteX0" fmla="*/ 0 w 1941195"/>
-              <a:gd name="connsiteY0" fmla="*/ 323539 h 3171825"/>
-              <a:gd name="connsiteX1" fmla="*/ 323539 w 1941195"/>
-              <a:gd name="connsiteY1" fmla="*/ 0 h 3171825"/>
-              <a:gd name="connsiteX2" fmla="*/ 1941195 w 1941195"/>
-              <a:gd name="connsiteY2" fmla="*/ 323539 h 3171825"/>
-              <a:gd name="connsiteX3" fmla="*/ 1941195 w 1941195"/>
-              <a:gd name="connsiteY3" fmla="*/ 2848286 h 3171825"/>
-              <a:gd name="connsiteX4" fmla="*/ 1617656 w 1941195"/>
-              <a:gd name="connsiteY4" fmla="*/ 3171825 h 3171825"/>
-              <a:gd name="connsiteX5" fmla="*/ 323539 w 1941195"/>
-              <a:gd name="connsiteY5" fmla="*/ 3171825 h 3171825"/>
-              <a:gd name="connsiteX6" fmla="*/ 0 w 1941195"/>
-              <a:gd name="connsiteY6" fmla="*/ 2848286 h 3171825"/>
-              <a:gd name="connsiteX7" fmla="*/ 0 w 1941195"/>
-              <a:gd name="connsiteY7" fmla="*/ 323539 h 3171825"/>
-              <a:gd name="connsiteX0" fmla="*/ 0 w 1941195"/>
-              <a:gd name="connsiteY0" fmla="*/ 315594 h 3163880"/>
-              <a:gd name="connsiteX1" fmla="*/ 1941195 w 1941195"/>
-              <a:gd name="connsiteY1" fmla="*/ 315594 h 3163880"/>
-              <a:gd name="connsiteX2" fmla="*/ 1941195 w 1941195"/>
-              <a:gd name="connsiteY2" fmla="*/ 2840341 h 3163880"/>
-              <a:gd name="connsiteX3" fmla="*/ 1617656 w 1941195"/>
-              <a:gd name="connsiteY3" fmla="*/ 3163880 h 3163880"/>
-              <a:gd name="connsiteX4" fmla="*/ 323539 w 1941195"/>
-              <a:gd name="connsiteY4" fmla="*/ 3163880 h 3163880"/>
-              <a:gd name="connsiteX5" fmla="*/ 0 w 1941195"/>
-              <a:gd name="connsiteY5" fmla="*/ 2840341 h 3163880"/>
-              <a:gd name="connsiteX6" fmla="*/ 0 w 1941195"/>
-              <a:gd name="connsiteY6" fmla="*/ 315594 h 3163880"/>
-              <a:gd name="connsiteX0" fmla="*/ 0 w 1941195"/>
-              <a:gd name="connsiteY0" fmla="*/ 2524747 h 2848286"/>
-              <a:gd name="connsiteX1" fmla="*/ 1941195 w 1941195"/>
-              <a:gd name="connsiteY1" fmla="*/ 0 h 2848286"/>
-              <a:gd name="connsiteX2" fmla="*/ 1941195 w 1941195"/>
-              <a:gd name="connsiteY2" fmla="*/ 2524747 h 2848286"/>
-              <a:gd name="connsiteX3" fmla="*/ 1617656 w 1941195"/>
-              <a:gd name="connsiteY3" fmla="*/ 2848286 h 2848286"/>
-              <a:gd name="connsiteX4" fmla="*/ 323539 w 1941195"/>
-              <a:gd name="connsiteY4" fmla="*/ 2848286 h 2848286"/>
-              <a:gd name="connsiteX5" fmla="*/ 0 w 1941195"/>
-              <a:gd name="connsiteY5" fmla="*/ 2524747 h 2848286"/>
-              <a:gd name="connsiteX0" fmla="*/ 0 w 1617656"/>
-              <a:gd name="connsiteY0" fmla="*/ 2848286 h 2848286"/>
-              <a:gd name="connsiteX1" fmla="*/ 1617656 w 1617656"/>
-              <a:gd name="connsiteY1" fmla="*/ 0 h 2848286"/>
-              <a:gd name="connsiteX2" fmla="*/ 1617656 w 1617656"/>
-              <a:gd name="connsiteY2" fmla="*/ 2524747 h 2848286"/>
-              <a:gd name="connsiteX3" fmla="*/ 1294117 w 1617656"/>
-              <a:gd name="connsiteY3" fmla="*/ 2848286 h 2848286"/>
-              <a:gd name="connsiteX4" fmla="*/ 0 w 1617656"/>
-              <a:gd name="connsiteY4" fmla="*/ 2848286 h 2848286"/>
-              <a:gd name="connsiteX0" fmla="*/ 1526216 w 1526216"/>
-              <a:gd name="connsiteY0" fmla="*/ 0 h 2939726"/>
-              <a:gd name="connsiteX1" fmla="*/ 1526216 w 1526216"/>
-              <a:gd name="connsiteY1" fmla="*/ 2524747 h 2939726"/>
-              <a:gd name="connsiteX2" fmla="*/ 1202677 w 1526216"/>
-              <a:gd name="connsiteY2" fmla="*/ 2848286 h 2939726"/>
-              <a:gd name="connsiteX3" fmla="*/ 0 w 1526216"/>
-              <a:gd name="connsiteY3" fmla="*/ 2939726 h 2939726"/>
-              <a:gd name="connsiteX0" fmla="*/ 1545266 w 1545266"/>
-              <a:gd name="connsiteY0" fmla="*/ 0 h 2882576"/>
-              <a:gd name="connsiteX1" fmla="*/ 1545266 w 1545266"/>
-              <a:gd name="connsiteY1" fmla="*/ 2524747 h 2882576"/>
-              <a:gd name="connsiteX2" fmla="*/ 1221727 w 1545266"/>
-              <a:gd name="connsiteY2" fmla="*/ 2848286 h 2882576"/>
-              <a:gd name="connsiteX3" fmla="*/ 0 w 1545266"/>
-              <a:gd name="connsiteY3" fmla="*/ 2882576 h 2882576"/>
-              <a:gd name="connsiteX0" fmla="*/ 3402641 w 3402641"/>
-              <a:gd name="connsiteY0" fmla="*/ 0 h 2848286"/>
-              <a:gd name="connsiteX1" fmla="*/ 3402641 w 3402641"/>
-              <a:gd name="connsiteY1" fmla="*/ 2524747 h 2848286"/>
-              <a:gd name="connsiteX2" fmla="*/ 3079102 w 3402641"/>
-              <a:gd name="connsiteY2" fmla="*/ 2848286 h 2848286"/>
-              <a:gd name="connsiteX3" fmla="*/ 0 w 3402641"/>
-              <a:gd name="connsiteY3" fmla="*/ 2844476 h 2848286"/>
-            </a:gdLst>
-            <a:ahLst/>
-            <a:cxnLst>
-              <a:cxn ang="0">
-                <a:pos x="connsiteX0" y="connsiteY0"/>
-              </a:cxn>
-              <a:cxn ang="0">
-                <a:pos x="connsiteX1" y="connsiteY1"/>
-              </a:cxn>
-              <a:cxn ang="0">
-                <a:pos x="connsiteX2" y="connsiteY2"/>
-              </a:cxn>
-              <a:cxn ang="0">
-                <a:pos x="connsiteX3" y="connsiteY3"/>
-              </a:cxn>
-            </a:cxnLst>
-            <a:rect l="l" t="t" r="r" b="b"/>
-            <a:pathLst>
-              <a:path w="3402641" h="2848286">
-                <a:moveTo>
-                  <a:pt x="3402641" y="0"/>
-                </a:moveTo>
-                <a:lnTo>
-                  <a:pt x="3402641" y="2524747"/>
-                </a:lnTo>
-                <a:cubicBezTo>
-                  <a:pt x="3402641" y="2703433"/>
-                  <a:pt x="3257788" y="2848286"/>
-                  <a:pt x="3079102" y="2848286"/>
-                </a:cubicBezTo>
-                <a:lnTo>
-                  <a:pt x="0" y="2844476"/>
-                </a:lnTo>
-              </a:path>
-            </a:pathLst>
-          </a:custGeom>
-          <a:noFill/>
-          <a:ln w="19050">
-            <a:solidFill>
-              <a:srgbClr val="477597"/>
-            </a:solidFill>
-            <a:tailEnd type="stealth" w="lg" len="lg"/>
-          </a:ln>
-        </p:spPr>
-        <p:style>
-          <a:lnRef idx="2">
-            <a:schemeClr val="accent1">
-              <a:shade val="50000"/>
-            </a:schemeClr>
-          </a:lnRef>
-          <a:fillRef idx="1">
-            <a:schemeClr val="accent1"/>
-          </a:fillRef>
-          <a:effectRef idx="0">
-            <a:schemeClr val="accent1"/>
-          </a:effectRef>
-          <a:fontRef idx="minor">
-            <a:schemeClr val="lt1"/>
-          </a:fontRef>
-        </p:style>
-        <p:txBody>
-          <a:bodyPr rtlCol="0" anchor="ctr"/>
-          <a:lstStyle/>
-          <a:p>
-            <a:pPr algn="ctr"/>
-            <a:endParaRPr lang="zh-CN" altLang="en-US"/>
-          </a:p>
-        </p:txBody>
-      </p:sp>
-    </p:spTree>
-    <p:extLst>
-      <p:ext uri="{BB962C8B-B14F-4D97-AF65-F5344CB8AC3E}">
-        <p14:creationId xmlns:p14="http://schemas.microsoft.com/office/powerpoint/2010/main" val="3980677432"/>
       </p:ext>
     </p:extLst>
   </p:cSld>

--- a/draw/新.pptx
+++ b/draw/新.pptx
@@ -5,7 +5,7 @@
     <p:sldMasterId id="2147483648" r:id="rId1"/>
   </p:sldMasterIdLst>
   <p:notesMasterIdLst>
-    <p:notesMasterId r:id="rId28"/>
+    <p:notesMasterId r:id="rId29"/>
   </p:notesMasterIdLst>
   <p:sldIdLst>
     <p:sldId id="256" r:id="rId2"/>
@@ -13,27 +13,28 @@
     <p:sldId id="258" r:id="rId4"/>
     <p:sldId id="280" r:id="rId5"/>
     <p:sldId id="281" r:id="rId6"/>
-    <p:sldId id="259" r:id="rId7"/>
-    <p:sldId id="260" r:id="rId8"/>
-    <p:sldId id="261" r:id="rId9"/>
-    <p:sldId id="262" r:id="rId10"/>
-    <p:sldId id="263" r:id="rId11"/>
-    <p:sldId id="264" r:id="rId12"/>
-    <p:sldId id="265" r:id="rId13"/>
-    <p:sldId id="267" r:id="rId14"/>
-    <p:sldId id="266" r:id="rId15"/>
-    <p:sldId id="268" r:id="rId16"/>
-    <p:sldId id="269" r:id="rId17"/>
-    <p:sldId id="270" r:id="rId18"/>
-    <p:sldId id="271" r:id="rId19"/>
-    <p:sldId id="272" r:id="rId20"/>
-    <p:sldId id="273" r:id="rId21"/>
-    <p:sldId id="274" r:id="rId22"/>
-    <p:sldId id="275" r:id="rId23"/>
-    <p:sldId id="276" r:id="rId24"/>
-    <p:sldId id="277" r:id="rId25"/>
-    <p:sldId id="278" r:id="rId26"/>
-    <p:sldId id="279" r:id="rId27"/>
+    <p:sldId id="282" r:id="rId7"/>
+    <p:sldId id="259" r:id="rId8"/>
+    <p:sldId id="260" r:id="rId9"/>
+    <p:sldId id="261" r:id="rId10"/>
+    <p:sldId id="262" r:id="rId11"/>
+    <p:sldId id="263" r:id="rId12"/>
+    <p:sldId id="264" r:id="rId13"/>
+    <p:sldId id="265" r:id="rId14"/>
+    <p:sldId id="267" r:id="rId15"/>
+    <p:sldId id="266" r:id="rId16"/>
+    <p:sldId id="268" r:id="rId17"/>
+    <p:sldId id="269" r:id="rId18"/>
+    <p:sldId id="270" r:id="rId19"/>
+    <p:sldId id="271" r:id="rId20"/>
+    <p:sldId id="272" r:id="rId21"/>
+    <p:sldId id="273" r:id="rId22"/>
+    <p:sldId id="274" r:id="rId23"/>
+    <p:sldId id="275" r:id="rId24"/>
+    <p:sldId id="276" r:id="rId25"/>
+    <p:sldId id="277" r:id="rId26"/>
+    <p:sldId id="278" r:id="rId27"/>
+    <p:sldId id="279" r:id="rId28"/>
   </p:sldIdLst>
   <p:sldSz cx="12192000" cy="6858000"/>
   <p:notesSz cx="6858000" cy="9144000"/>
@@ -1152,7 +1153,7 @@
           <a:p>
             <a:fld id="{F2839D4E-98E8-4AE8-B80E-574F1AA2E388}" type="datetimeFigureOut">
               <a:rPr lang="zh-CN" altLang="en-US" smtClean="0"/>
-              <a:t>2024/1/9</a:t>
+              <a:t>2024/1/25</a:t>
             </a:fld>
             <a:endParaRPr lang="zh-CN" altLang="en-US"/>
           </a:p>
@@ -1650,7 +1651,7 @@
           <a:p>
             <a:fld id="{69A3F84C-AD8D-472D-A952-4E51910830CC}" type="datetimeFigureOut">
               <a:rPr lang="zh-CN" altLang="en-US" smtClean="0"/>
-              <a:t>2024/1/9</a:t>
+              <a:t>2024/1/25</a:t>
             </a:fld>
             <a:endParaRPr lang="zh-CN" altLang="en-US"/>
           </a:p>
@@ -1848,7 +1849,7 @@
           <a:p>
             <a:fld id="{69A3F84C-AD8D-472D-A952-4E51910830CC}" type="datetimeFigureOut">
               <a:rPr lang="zh-CN" altLang="en-US" smtClean="0"/>
-              <a:t>2024/1/9</a:t>
+              <a:t>2024/1/25</a:t>
             </a:fld>
             <a:endParaRPr lang="zh-CN" altLang="en-US"/>
           </a:p>
@@ -2056,7 +2057,7 @@
           <a:p>
             <a:fld id="{69A3F84C-AD8D-472D-A952-4E51910830CC}" type="datetimeFigureOut">
               <a:rPr lang="zh-CN" altLang="en-US" smtClean="0"/>
-              <a:t>2024/1/9</a:t>
+              <a:t>2024/1/25</a:t>
             </a:fld>
             <a:endParaRPr lang="zh-CN" altLang="en-US"/>
           </a:p>
@@ -2254,7 +2255,7 @@
           <a:p>
             <a:fld id="{69A3F84C-AD8D-472D-A952-4E51910830CC}" type="datetimeFigureOut">
               <a:rPr lang="zh-CN" altLang="en-US" smtClean="0"/>
-              <a:t>2024/1/9</a:t>
+              <a:t>2024/1/25</a:t>
             </a:fld>
             <a:endParaRPr lang="zh-CN" altLang="en-US"/>
           </a:p>
@@ -2529,7 +2530,7 @@
           <a:p>
             <a:fld id="{69A3F84C-AD8D-472D-A952-4E51910830CC}" type="datetimeFigureOut">
               <a:rPr lang="zh-CN" altLang="en-US" smtClean="0"/>
-              <a:t>2024/1/9</a:t>
+              <a:t>2024/1/25</a:t>
             </a:fld>
             <a:endParaRPr lang="zh-CN" altLang="en-US"/>
           </a:p>
@@ -2794,7 +2795,7 @@
           <a:p>
             <a:fld id="{69A3F84C-AD8D-472D-A952-4E51910830CC}" type="datetimeFigureOut">
               <a:rPr lang="zh-CN" altLang="en-US" smtClean="0"/>
-              <a:t>2024/1/9</a:t>
+              <a:t>2024/1/25</a:t>
             </a:fld>
             <a:endParaRPr lang="zh-CN" altLang="en-US"/>
           </a:p>
@@ -3206,7 +3207,7 @@
           <a:p>
             <a:fld id="{69A3F84C-AD8D-472D-A952-4E51910830CC}" type="datetimeFigureOut">
               <a:rPr lang="zh-CN" altLang="en-US" smtClean="0"/>
-              <a:t>2024/1/9</a:t>
+              <a:t>2024/1/25</a:t>
             </a:fld>
             <a:endParaRPr lang="zh-CN" altLang="en-US"/>
           </a:p>
@@ -3347,7 +3348,7 @@
           <a:p>
             <a:fld id="{69A3F84C-AD8D-472D-A952-4E51910830CC}" type="datetimeFigureOut">
               <a:rPr lang="zh-CN" altLang="en-US" smtClean="0"/>
-              <a:t>2024/1/9</a:t>
+              <a:t>2024/1/25</a:t>
             </a:fld>
             <a:endParaRPr lang="zh-CN" altLang="en-US"/>
           </a:p>
@@ -3460,7 +3461,7 @@
           <a:p>
             <a:fld id="{69A3F84C-AD8D-472D-A952-4E51910830CC}" type="datetimeFigureOut">
               <a:rPr lang="zh-CN" altLang="en-US" smtClean="0"/>
-              <a:t>2024/1/9</a:t>
+              <a:t>2024/1/25</a:t>
             </a:fld>
             <a:endParaRPr lang="zh-CN" altLang="en-US"/>
           </a:p>
@@ -3771,7 +3772,7 @@
           <a:p>
             <a:fld id="{69A3F84C-AD8D-472D-A952-4E51910830CC}" type="datetimeFigureOut">
               <a:rPr lang="zh-CN" altLang="en-US" smtClean="0"/>
-              <a:t>2024/1/9</a:t>
+              <a:t>2024/1/25</a:t>
             </a:fld>
             <a:endParaRPr lang="zh-CN" altLang="en-US"/>
           </a:p>
@@ -4059,7 +4060,7 @@
           <a:p>
             <a:fld id="{69A3F84C-AD8D-472D-A952-4E51910830CC}" type="datetimeFigureOut">
               <a:rPr lang="zh-CN" altLang="en-US" smtClean="0"/>
-              <a:t>2024/1/9</a:t>
+              <a:t>2024/1/25</a:t>
             </a:fld>
             <a:endParaRPr lang="zh-CN" altLang="en-US"/>
           </a:p>
@@ -4300,7 +4301,7 @@
           <a:p>
             <a:fld id="{69A3F84C-AD8D-472D-A952-4E51910830CC}" type="datetimeFigureOut">
               <a:rPr lang="zh-CN" altLang="en-US" smtClean="0"/>
-              <a:t>2024/1/9</a:t>
+              <a:t>2024/1/25</a:t>
             </a:fld>
             <a:endParaRPr lang="zh-CN" altLang="en-US"/>
           </a:p>
@@ -9476,6 +9477,202 @@
       </p:grpSpPr>
       <p:sp>
         <p:nvSpPr>
+          <p:cNvPr id="5" name="椭圆 4">
+            <a:extLst>
+              <a:ext uri="{FF2B5EF4-FFF2-40B4-BE49-F238E27FC236}">
+                <a16:creationId xmlns:a16="http://schemas.microsoft.com/office/drawing/2014/main" id="{DCA58603-FACB-1B9A-32F7-7C5C87A4AC1D}"/>
+              </a:ext>
+            </a:extLst>
+          </p:cNvPr>
+          <p:cNvSpPr/>
+          <p:nvPr/>
+        </p:nvSpPr>
+        <p:spPr>
+          <a:xfrm>
+            <a:off x="3908940" y="1401258"/>
+            <a:ext cx="3378828" cy="3378828"/>
+          </a:xfrm>
+          <a:prstGeom prst="ellipse">
+            <a:avLst/>
+          </a:prstGeom>
+          <a:solidFill>
+            <a:srgbClr val="4D6587"/>
+          </a:solidFill>
+          <a:ln>
+            <a:noFill/>
+          </a:ln>
+        </p:spPr>
+        <p:style>
+          <a:lnRef idx="2">
+            <a:schemeClr val="accent1">
+              <a:shade val="50000"/>
+            </a:schemeClr>
+          </a:lnRef>
+          <a:fillRef idx="1">
+            <a:schemeClr val="accent1"/>
+          </a:fillRef>
+          <a:effectRef idx="0">
+            <a:schemeClr val="accent1"/>
+          </a:effectRef>
+          <a:fontRef idx="minor">
+            <a:schemeClr val="lt1"/>
+          </a:fontRef>
+        </p:style>
+        <p:txBody>
+          <a:bodyPr rtlCol="0" anchor="ctr"/>
+          <a:lstStyle/>
+          <a:p>
+            <a:pPr algn="ctr"/>
+            <a:endParaRPr lang="zh-CN" altLang="en-US"/>
+          </a:p>
+        </p:txBody>
+      </p:sp>
+      <p:sp>
+        <p:nvSpPr>
+          <p:cNvPr id="4" name="文本框 3">
+            <a:extLst>
+              <a:ext uri="{FF2B5EF4-FFF2-40B4-BE49-F238E27FC236}">
+                <a16:creationId xmlns:a16="http://schemas.microsoft.com/office/drawing/2014/main" id="{9A6CA8DF-A95F-73B9-AE75-7C529EC2C812}"/>
+              </a:ext>
+            </a:extLst>
+          </p:cNvPr>
+          <p:cNvSpPr txBox="1"/>
+          <p:nvPr/>
+        </p:nvSpPr>
+        <p:spPr>
+          <a:xfrm>
+            <a:off x="5136689" y="1533906"/>
+            <a:ext cx="923330" cy="3113532"/>
+          </a:xfrm>
+          <a:prstGeom prst="rect">
+            <a:avLst/>
+          </a:prstGeom>
+          <a:noFill/>
+        </p:spPr>
+        <p:txBody>
+          <a:bodyPr vert="eaVert" wrap="square" rtlCol="0">
+            <a:spAutoFit/>
+          </a:bodyPr>
+          <a:lstStyle/>
+          <a:p>
+            <a:r>
+              <a:rPr lang="zh-CN" altLang="en-US" sz="4800">
+                <a:solidFill>
+                  <a:srgbClr val="3E3E3E"/>
+                </a:solidFill>
+                <a:latin typeface="千图笔锋手写体" panose="00000500000000000000" pitchFamily="2" charset="-122"/>
+                <a:ea typeface="千图笔锋手写体" panose="00000500000000000000" pitchFamily="2" charset="-122"/>
+                <a:cs typeface="千图笔锋手写体" panose="00000500000000000000" pitchFamily="2" charset="-122"/>
+              </a:rPr>
+              <a:t>理论  </a:t>
+            </a:r>
+            <a:r>
+              <a:rPr lang="en-US" altLang="zh-CN" sz="4800">
+                <a:solidFill>
+                  <a:srgbClr val="3E3E3E"/>
+                </a:solidFill>
+                <a:latin typeface="千图笔锋手写体" panose="00000500000000000000" pitchFamily="2" charset="-122"/>
+                <a:ea typeface="千图笔锋手写体" panose="00000500000000000000" pitchFamily="2" charset="-122"/>
+                <a:cs typeface="千图笔锋手写体" panose="00000500000000000000" pitchFamily="2" charset="-122"/>
+              </a:rPr>
+              <a:t> </a:t>
+            </a:r>
+            <a:r>
+              <a:rPr lang="zh-CN" altLang="en-US" sz="4800">
+                <a:solidFill>
+                  <a:srgbClr val="3E3E3E"/>
+                </a:solidFill>
+                <a:latin typeface="千图笔锋手写体" panose="00000500000000000000" pitchFamily="2" charset="-122"/>
+                <a:ea typeface="千图笔锋手写体" panose="00000500000000000000" pitchFamily="2" charset="-122"/>
+                <a:cs typeface="千图笔锋手写体" panose="00000500000000000000" pitchFamily="2" charset="-122"/>
+              </a:rPr>
+              <a:t>起学</a:t>
+            </a:r>
+          </a:p>
+        </p:txBody>
+      </p:sp>
+      <p:sp>
+        <p:nvSpPr>
+          <p:cNvPr id="6" name="文本框 5">
+            <a:extLst>
+              <a:ext uri="{FF2B5EF4-FFF2-40B4-BE49-F238E27FC236}">
+                <a16:creationId xmlns:a16="http://schemas.microsoft.com/office/drawing/2014/main" id="{D4C0B9AF-7BBE-6938-85B3-EC37C4332CF5}"/>
+              </a:ext>
+            </a:extLst>
+          </p:cNvPr>
+          <p:cNvSpPr txBox="1"/>
+          <p:nvPr/>
+        </p:nvSpPr>
+        <p:spPr>
+          <a:xfrm>
+            <a:off x="5349728" y="2339292"/>
+            <a:ext cx="497252" cy="1107996"/>
+          </a:xfrm>
+          <a:prstGeom prst="rect">
+            <a:avLst/>
+          </a:prstGeom>
+          <a:noFill/>
+        </p:spPr>
+        <p:txBody>
+          <a:bodyPr wrap="none" rtlCol="0">
+            <a:spAutoFit/>
+          </a:bodyPr>
+          <a:lstStyle/>
+          <a:p>
+            <a:r>
+              <a:rPr lang="en-US" altLang="zh-CN" sz="6600">
+                <a:solidFill>
+                  <a:srgbClr val="E0AD79"/>
+                </a:solidFill>
+                <a:latin typeface="千图笔锋手写体" panose="00000500000000000000" pitchFamily="2" charset="-122"/>
+                <a:ea typeface="千图笔锋手写体" panose="00000500000000000000" pitchFamily="2" charset="-122"/>
+                <a:cs typeface="千图笔锋手写体" panose="00000500000000000000" pitchFamily="2" charset="-122"/>
+              </a:rPr>
+              <a:t>e</a:t>
+            </a:r>
+            <a:endParaRPr lang="zh-CN" altLang="en-US" sz="2800">
+              <a:solidFill>
+                <a:srgbClr val="E0AD79"/>
+              </a:solidFill>
+              <a:latin typeface="千图笔锋手写体" panose="00000500000000000000" pitchFamily="2" charset="-122"/>
+              <a:ea typeface="千图笔锋手写体" panose="00000500000000000000" pitchFamily="2" charset="-122"/>
+              <a:cs typeface="千图笔锋手写体" panose="00000500000000000000" pitchFamily="2" charset="-122"/>
+            </a:endParaRPr>
+          </a:p>
+        </p:txBody>
+      </p:sp>
+    </p:spTree>
+    <p:extLst>
+      <p:ext uri="{BB962C8B-B14F-4D97-AF65-F5344CB8AC3E}">
+        <p14:creationId xmlns:p14="http://schemas.microsoft.com/office/powerpoint/2010/main" val="2882398747"/>
+      </p:ext>
+    </p:extLst>
+  </p:cSld>
+  <p:clrMapOvr>
+    <a:masterClrMapping/>
+  </p:clrMapOvr>
+</p:sld>
+</file>
+
+<file path=ppt/slides/slide11.xml><?xml version="1.0" encoding="utf-8"?>
+<p:sld xmlns:a="http://schemas.openxmlformats.org/drawingml/2006/main" xmlns:r="http://schemas.openxmlformats.org/officeDocument/2006/relationships" xmlns:p="http://schemas.openxmlformats.org/presentationml/2006/main">
+  <p:cSld>
+    <p:spTree>
+      <p:nvGrpSpPr>
+        <p:cNvPr id="1" name=""/>
+        <p:cNvGrpSpPr/>
+        <p:nvPr/>
+      </p:nvGrpSpPr>
+      <p:grpSpPr>
+        <a:xfrm>
+          <a:off x="0" y="0"/>
+          <a:ext cx="0" cy="0"/>
+          <a:chOff x="0" y="0"/>
+          <a:chExt cx="0" cy="0"/>
+        </a:xfrm>
+      </p:grpSpPr>
+      <p:sp>
+        <p:nvSpPr>
           <p:cNvPr id="5" name="矩形 4">
             <a:extLst>
               <a:ext uri="{FF2B5EF4-FFF2-40B4-BE49-F238E27FC236}">
@@ -10166,7 +10363,7 @@
 </p:sld>
 </file>
 
-<file path=ppt/slides/slide11.xml><?xml version="1.0" encoding="utf-8"?>
+<file path=ppt/slides/slide12.xml><?xml version="1.0" encoding="utf-8"?>
 <p:sld xmlns:a="http://schemas.openxmlformats.org/drawingml/2006/main" xmlns:r="http://schemas.openxmlformats.org/officeDocument/2006/relationships" xmlns:p="http://schemas.openxmlformats.org/presentationml/2006/main">
   <p:cSld>
     <p:spTree>
@@ -10540,7 +10737,7 @@
 </p:sld>
 </file>
 
-<file path=ppt/slides/slide12.xml><?xml version="1.0" encoding="utf-8"?>
+<file path=ppt/slides/slide13.xml><?xml version="1.0" encoding="utf-8"?>
 <p:sld xmlns:a="http://schemas.openxmlformats.org/drawingml/2006/main" xmlns:r="http://schemas.openxmlformats.org/officeDocument/2006/relationships" xmlns:p="http://schemas.openxmlformats.org/presentationml/2006/main">
   <p:cSld>
     <p:spTree>
@@ -12548,7 +12745,7 @@
 </p:sld>
 </file>
 
-<file path=ppt/slides/slide13.xml><?xml version="1.0" encoding="utf-8"?>
+<file path=ppt/slides/slide14.xml><?xml version="1.0" encoding="utf-8"?>
 <p:sld xmlns:a="http://schemas.openxmlformats.org/drawingml/2006/main" xmlns:r="http://schemas.openxmlformats.org/officeDocument/2006/relationships" xmlns:p="http://schemas.openxmlformats.org/presentationml/2006/main">
   <p:cSld>
     <p:bg>
@@ -18240,7 +18437,7 @@
 </p:sld>
 </file>
 
-<file path=ppt/slides/slide14.xml><?xml version="1.0" encoding="utf-8"?>
+<file path=ppt/slides/slide15.xml><?xml version="1.0" encoding="utf-8"?>
 <p:sld xmlns:a="http://schemas.openxmlformats.org/drawingml/2006/main" xmlns:r="http://schemas.openxmlformats.org/officeDocument/2006/relationships" xmlns:p="http://schemas.openxmlformats.org/presentationml/2006/main">
   <p:cSld>
     <p:bg>
@@ -21853,7 +22050,7 @@
 </p:sld>
 </file>
 
-<file path=ppt/slides/slide15.xml><?xml version="1.0" encoding="utf-8"?>
+<file path=ppt/slides/slide16.xml><?xml version="1.0" encoding="utf-8"?>
 <p:sld xmlns:a="http://schemas.openxmlformats.org/drawingml/2006/main" xmlns:r="http://schemas.openxmlformats.org/officeDocument/2006/relationships" xmlns:p="http://schemas.openxmlformats.org/presentationml/2006/main">
   <p:cSld>
     <p:spTree>
@@ -22195,7 +22392,7 @@
 </p:sld>
 </file>
 
-<file path=ppt/slides/slide16.xml><?xml version="1.0" encoding="utf-8"?>
+<file path=ppt/slides/slide17.xml><?xml version="1.0" encoding="utf-8"?>
 <p:sld xmlns:a="http://schemas.openxmlformats.org/drawingml/2006/main" xmlns:r="http://schemas.openxmlformats.org/officeDocument/2006/relationships" xmlns:p="http://schemas.openxmlformats.org/presentationml/2006/main">
   <p:cSld>
     <p:spTree>
@@ -23251,7 +23448,7 @@
 </p:sld>
 </file>
 
-<file path=ppt/slides/slide17.xml><?xml version="1.0" encoding="utf-8"?>
+<file path=ppt/slides/slide18.xml><?xml version="1.0" encoding="utf-8"?>
 <p:sld xmlns:a="http://schemas.openxmlformats.org/drawingml/2006/main" xmlns:r="http://schemas.openxmlformats.org/officeDocument/2006/relationships" xmlns:p="http://schemas.openxmlformats.org/presentationml/2006/main">
   <p:cSld>
     <p:spTree>
@@ -23593,7 +23790,7 @@
 </p:sld>
 </file>
 
-<file path=ppt/slides/slide18.xml><?xml version="1.0" encoding="utf-8"?>
+<file path=ppt/slides/slide19.xml><?xml version="1.0" encoding="utf-8"?>
 <p:sld xmlns:a="http://schemas.openxmlformats.org/drawingml/2006/main" xmlns:r="http://schemas.openxmlformats.org/officeDocument/2006/relationships" xmlns:p="http://schemas.openxmlformats.org/presentationml/2006/main">
   <p:cSld>
     <p:spTree>
@@ -23926,556 +24123,6 @@
     <p:extLst>
       <p:ext uri="{BB962C8B-B14F-4D97-AF65-F5344CB8AC3E}">
         <p14:creationId xmlns:p14="http://schemas.microsoft.com/office/powerpoint/2010/main" val="1379536889"/>
-      </p:ext>
-    </p:extLst>
-  </p:cSld>
-  <p:clrMapOvr>
-    <a:masterClrMapping/>
-  </p:clrMapOvr>
-</p:sld>
-</file>
-
-<file path=ppt/slides/slide19.xml><?xml version="1.0" encoding="utf-8"?>
-<p:sld xmlns:a="http://schemas.openxmlformats.org/drawingml/2006/main" xmlns:r="http://schemas.openxmlformats.org/officeDocument/2006/relationships" xmlns:p="http://schemas.openxmlformats.org/presentationml/2006/main">
-  <p:cSld>
-    <p:spTree>
-      <p:nvGrpSpPr>
-        <p:cNvPr id="1" name=""/>
-        <p:cNvGrpSpPr/>
-        <p:nvPr/>
-      </p:nvGrpSpPr>
-      <p:grpSpPr>
-        <a:xfrm>
-          <a:off x="0" y="0"/>
-          <a:ext cx="0" cy="0"/>
-          <a:chOff x="0" y="0"/>
-          <a:chExt cx="0" cy="0"/>
-        </a:xfrm>
-      </p:grpSpPr>
-      <p:sp>
-        <p:nvSpPr>
-          <p:cNvPr id="6" name="矩形: 圆角 5">
-            <a:extLst>
-              <a:ext uri="{FF2B5EF4-FFF2-40B4-BE49-F238E27FC236}">
-                <a16:creationId xmlns:a16="http://schemas.microsoft.com/office/drawing/2014/main" id="{5A5E4F27-3157-A1E3-FE45-C74612E6C03A}"/>
-              </a:ext>
-            </a:extLst>
-          </p:cNvPr>
-          <p:cNvSpPr/>
-          <p:nvPr/>
-        </p:nvSpPr>
-        <p:spPr>
-          <a:xfrm>
-            <a:off x="762000" y="3609975"/>
-            <a:ext cx="809625" cy="1133475"/>
-          </a:xfrm>
-          <a:prstGeom prst="roundRect">
-            <a:avLst/>
-          </a:prstGeom>
-          <a:solidFill>
-            <a:srgbClr val="20364E"/>
-          </a:solidFill>
-          <a:ln>
-            <a:noFill/>
-          </a:ln>
-        </p:spPr>
-        <p:style>
-          <a:lnRef idx="2">
-            <a:schemeClr val="accent1">
-              <a:shade val="50000"/>
-            </a:schemeClr>
-          </a:lnRef>
-          <a:fillRef idx="1">
-            <a:schemeClr val="accent1"/>
-          </a:fillRef>
-          <a:effectRef idx="0">
-            <a:schemeClr val="accent1"/>
-          </a:effectRef>
-          <a:fontRef idx="minor">
-            <a:schemeClr val="lt1"/>
-          </a:fontRef>
-        </p:style>
-        <p:txBody>
-          <a:bodyPr rtlCol="0" anchor="ctr"/>
-          <a:lstStyle/>
-          <a:p>
-            <a:pPr algn="ctr"/>
-            <a:endParaRPr lang="zh-CN" altLang="en-US"/>
-          </a:p>
-        </p:txBody>
-      </p:sp>
-      <p:sp>
-        <p:nvSpPr>
-          <p:cNvPr id="7" name="矩形: 圆角 6">
-            <a:extLst>
-              <a:ext uri="{FF2B5EF4-FFF2-40B4-BE49-F238E27FC236}">
-                <a16:creationId xmlns:a16="http://schemas.microsoft.com/office/drawing/2014/main" id="{9B9BA853-413B-53BE-03D6-3D935A36C63B}"/>
-              </a:ext>
-            </a:extLst>
-          </p:cNvPr>
-          <p:cNvSpPr/>
-          <p:nvPr/>
-        </p:nvSpPr>
-        <p:spPr>
-          <a:xfrm>
-            <a:off x="1876425" y="3609974"/>
-            <a:ext cx="809625" cy="1133475"/>
-          </a:xfrm>
-          <a:prstGeom prst="roundRect">
-            <a:avLst/>
-          </a:prstGeom>
-          <a:solidFill>
-            <a:srgbClr val="30656B"/>
-          </a:solidFill>
-          <a:ln>
-            <a:noFill/>
-          </a:ln>
-        </p:spPr>
-        <p:style>
-          <a:lnRef idx="2">
-            <a:schemeClr val="accent1">
-              <a:shade val="50000"/>
-            </a:schemeClr>
-          </a:lnRef>
-          <a:fillRef idx="1">
-            <a:schemeClr val="accent1"/>
-          </a:fillRef>
-          <a:effectRef idx="0">
-            <a:schemeClr val="accent1"/>
-          </a:effectRef>
-          <a:fontRef idx="minor">
-            <a:schemeClr val="lt1"/>
-          </a:fontRef>
-        </p:style>
-        <p:txBody>
-          <a:bodyPr rtlCol="0" anchor="ctr"/>
-          <a:lstStyle/>
-          <a:p>
-            <a:pPr algn="ctr"/>
-            <a:endParaRPr lang="zh-CN" altLang="en-US"/>
-          </a:p>
-        </p:txBody>
-      </p:sp>
-      <p:sp>
-        <p:nvSpPr>
-          <p:cNvPr id="8" name="矩形: 圆角 7">
-            <a:extLst>
-              <a:ext uri="{FF2B5EF4-FFF2-40B4-BE49-F238E27FC236}">
-                <a16:creationId xmlns:a16="http://schemas.microsoft.com/office/drawing/2014/main" id="{BDDB5A8A-701A-6CFB-A757-73E7BBACF5AD}"/>
-              </a:ext>
-            </a:extLst>
-          </p:cNvPr>
-          <p:cNvSpPr/>
-          <p:nvPr/>
-        </p:nvSpPr>
-        <p:spPr>
-          <a:xfrm>
-            <a:off x="2990850" y="3609973"/>
-            <a:ext cx="809625" cy="1133475"/>
-          </a:xfrm>
-          <a:prstGeom prst="roundRect">
-            <a:avLst/>
-          </a:prstGeom>
-          <a:solidFill>
-            <a:srgbClr val="4E9381"/>
-          </a:solidFill>
-          <a:ln>
-            <a:noFill/>
-          </a:ln>
-        </p:spPr>
-        <p:style>
-          <a:lnRef idx="2">
-            <a:schemeClr val="accent1">
-              <a:shade val="50000"/>
-            </a:schemeClr>
-          </a:lnRef>
-          <a:fillRef idx="1">
-            <a:schemeClr val="accent1"/>
-          </a:fillRef>
-          <a:effectRef idx="0">
-            <a:schemeClr val="accent1"/>
-          </a:effectRef>
-          <a:fontRef idx="minor">
-            <a:schemeClr val="lt1"/>
-          </a:fontRef>
-        </p:style>
-        <p:txBody>
-          <a:bodyPr rtlCol="0" anchor="ctr"/>
-          <a:lstStyle/>
-          <a:p>
-            <a:pPr algn="ctr"/>
-            <a:endParaRPr lang="zh-CN" altLang="en-US"/>
-          </a:p>
-        </p:txBody>
-      </p:sp>
-      <p:sp>
-        <p:nvSpPr>
-          <p:cNvPr id="9" name="矩形: 圆角 8">
-            <a:extLst>
-              <a:ext uri="{FF2B5EF4-FFF2-40B4-BE49-F238E27FC236}">
-                <a16:creationId xmlns:a16="http://schemas.microsoft.com/office/drawing/2014/main" id="{F1B47123-7D4A-E180-145C-62B7A0BB5997}"/>
-              </a:ext>
-            </a:extLst>
-          </p:cNvPr>
-          <p:cNvSpPr/>
-          <p:nvPr/>
-        </p:nvSpPr>
-        <p:spPr>
-          <a:xfrm>
-            <a:off x="4105275" y="3609972"/>
-            <a:ext cx="809625" cy="1133475"/>
-          </a:xfrm>
-          <a:prstGeom prst="roundRect">
-            <a:avLst/>
-          </a:prstGeom>
-          <a:solidFill>
-            <a:srgbClr val="96B99B"/>
-          </a:solidFill>
-          <a:ln>
-            <a:noFill/>
-          </a:ln>
-        </p:spPr>
-        <p:style>
-          <a:lnRef idx="2">
-            <a:schemeClr val="accent1">
-              <a:shade val="50000"/>
-            </a:schemeClr>
-          </a:lnRef>
-          <a:fillRef idx="1">
-            <a:schemeClr val="accent1"/>
-          </a:fillRef>
-          <a:effectRef idx="0">
-            <a:schemeClr val="accent1"/>
-          </a:effectRef>
-          <a:fontRef idx="minor">
-            <a:schemeClr val="lt1"/>
-          </a:fontRef>
-        </p:style>
-        <p:txBody>
-          <a:bodyPr rtlCol="0" anchor="ctr"/>
-          <a:lstStyle/>
-          <a:p>
-            <a:pPr algn="ctr"/>
-            <a:endParaRPr lang="zh-CN" altLang="en-US"/>
-          </a:p>
-        </p:txBody>
-      </p:sp>
-      <p:sp>
-        <p:nvSpPr>
-          <p:cNvPr id="10" name="矩形: 圆角 9">
-            <a:extLst>
-              <a:ext uri="{FF2B5EF4-FFF2-40B4-BE49-F238E27FC236}">
-                <a16:creationId xmlns:a16="http://schemas.microsoft.com/office/drawing/2014/main" id="{FF7981CA-64CF-CC7B-0906-F78A47172A8D}"/>
-              </a:ext>
-            </a:extLst>
-          </p:cNvPr>
-          <p:cNvSpPr/>
-          <p:nvPr/>
-        </p:nvSpPr>
-        <p:spPr>
-          <a:xfrm>
-            <a:off x="5219700" y="3609971"/>
-            <a:ext cx="809625" cy="1133475"/>
-          </a:xfrm>
-          <a:prstGeom prst="roundRect">
-            <a:avLst/>
-          </a:prstGeom>
-          <a:solidFill>
-            <a:srgbClr val="DDDFD1"/>
-          </a:solidFill>
-          <a:ln>
-            <a:noFill/>
-          </a:ln>
-        </p:spPr>
-        <p:style>
-          <a:lnRef idx="2">
-            <a:schemeClr val="accent1">
-              <a:shade val="50000"/>
-            </a:schemeClr>
-          </a:lnRef>
-          <a:fillRef idx="1">
-            <a:schemeClr val="accent1"/>
-          </a:fillRef>
-          <a:effectRef idx="0">
-            <a:schemeClr val="accent1"/>
-          </a:effectRef>
-          <a:fontRef idx="minor">
-            <a:schemeClr val="lt1"/>
-          </a:fontRef>
-        </p:style>
-        <p:txBody>
-          <a:bodyPr rtlCol="0" anchor="ctr"/>
-          <a:lstStyle/>
-          <a:p>
-            <a:pPr algn="ctr"/>
-            <a:endParaRPr lang="zh-CN" altLang="en-US"/>
-          </a:p>
-        </p:txBody>
-      </p:sp>
-      <p:sp>
-        <p:nvSpPr>
-          <p:cNvPr id="11" name="矩形: 圆角 10">
-            <a:extLst>
-              <a:ext uri="{FF2B5EF4-FFF2-40B4-BE49-F238E27FC236}">
-                <a16:creationId xmlns:a16="http://schemas.microsoft.com/office/drawing/2014/main" id="{B1DB2738-C805-B4C8-0743-D6E0B6E0EFC1}"/>
-              </a:ext>
-            </a:extLst>
-          </p:cNvPr>
-          <p:cNvSpPr/>
-          <p:nvPr/>
-        </p:nvSpPr>
-        <p:spPr>
-          <a:xfrm>
-            <a:off x="6334125" y="3609970"/>
-            <a:ext cx="809625" cy="1133475"/>
-          </a:xfrm>
-          <a:prstGeom prst="roundRect">
-            <a:avLst/>
-          </a:prstGeom>
-          <a:solidFill>
-            <a:srgbClr val="ECDBD1"/>
-          </a:solidFill>
-          <a:ln>
-            <a:noFill/>
-          </a:ln>
-        </p:spPr>
-        <p:style>
-          <a:lnRef idx="2">
-            <a:schemeClr val="accent1">
-              <a:shade val="50000"/>
-            </a:schemeClr>
-          </a:lnRef>
-          <a:fillRef idx="1">
-            <a:schemeClr val="accent1"/>
-          </a:fillRef>
-          <a:effectRef idx="0">
-            <a:schemeClr val="accent1"/>
-          </a:effectRef>
-          <a:fontRef idx="minor">
-            <a:schemeClr val="lt1"/>
-          </a:fontRef>
-        </p:style>
-        <p:txBody>
-          <a:bodyPr rtlCol="0" anchor="ctr"/>
-          <a:lstStyle/>
-          <a:p>
-            <a:pPr algn="ctr"/>
-            <a:endParaRPr lang="zh-CN" altLang="en-US"/>
-          </a:p>
-        </p:txBody>
-      </p:sp>
-      <p:sp>
-        <p:nvSpPr>
-          <p:cNvPr id="12" name="矩形: 圆角 11">
-            <a:extLst>
-              <a:ext uri="{FF2B5EF4-FFF2-40B4-BE49-F238E27FC236}">
-                <a16:creationId xmlns:a16="http://schemas.microsoft.com/office/drawing/2014/main" id="{A16EA328-3501-9C4E-FEF9-1F0B5AA64F73}"/>
-              </a:ext>
-            </a:extLst>
-          </p:cNvPr>
-          <p:cNvSpPr/>
-          <p:nvPr/>
-        </p:nvSpPr>
-        <p:spPr>
-          <a:xfrm>
-            <a:off x="7448550" y="3609969"/>
-            <a:ext cx="809625" cy="1133475"/>
-          </a:xfrm>
-          <a:prstGeom prst="roundRect">
-            <a:avLst/>
-          </a:prstGeom>
-          <a:solidFill>
-            <a:srgbClr val="D49B88"/>
-          </a:solidFill>
-          <a:ln>
-            <a:noFill/>
-          </a:ln>
-        </p:spPr>
-        <p:style>
-          <a:lnRef idx="2">
-            <a:schemeClr val="accent1">
-              <a:shade val="50000"/>
-            </a:schemeClr>
-          </a:lnRef>
-          <a:fillRef idx="1">
-            <a:schemeClr val="accent1"/>
-          </a:fillRef>
-          <a:effectRef idx="0">
-            <a:schemeClr val="accent1"/>
-          </a:effectRef>
-          <a:fontRef idx="minor">
-            <a:schemeClr val="lt1"/>
-          </a:fontRef>
-        </p:style>
-        <p:txBody>
-          <a:bodyPr rtlCol="0" anchor="ctr"/>
-          <a:lstStyle/>
-          <a:p>
-            <a:pPr algn="ctr"/>
-            <a:endParaRPr lang="zh-CN" altLang="en-US"/>
-          </a:p>
-        </p:txBody>
-      </p:sp>
-      <p:sp>
-        <p:nvSpPr>
-          <p:cNvPr id="13" name="矩形: 圆角 12">
-            <a:extLst>
-              <a:ext uri="{FF2B5EF4-FFF2-40B4-BE49-F238E27FC236}">
-                <a16:creationId xmlns:a16="http://schemas.microsoft.com/office/drawing/2014/main" id="{6BCE8D07-36DF-9026-2940-E544ADD7048B}"/>
-              </a:ext>
-            </a:extLst>
-          </p:cNvPr>
-          <p:cNvSpPr/>
-          <p:nvPr/>
-        </p:nvSpPr>
-        <p:spPr>
-          <a:xfrm>
-            <a:off x="8562975" y="3609968"/>
-            <a:ext cx="809625" cy="1133475"/>
-          </a:xfrm>
-          <a:prstGeom prst="roundRect">
-            <a:avLst/>
-          </a:prstGeom>
-          <a:solidFill>
-            <a:srgbClr val="B86366"/>
-          </a:solidFill>
-          <a:ln>
-            <a:noFill/>
-          </a:ln>
-        </p:spPr>
-        <p:style>
-          <a:lnRef idx="2">
-            <a:schemeClr val="accent1">
-              <a:shade val="50000"/>
-            </a:schemeClr>
-          </a:lnRef>
-          <a:fillRef idx="1">
-            <a:schemeClr val="accent1"/>
-          </a:fillRef>
-          <a:effectRef idx="0">
-            <a:schemeClr val="accent1"/>
-          </a:effectRef>
-          <a:fontRef idx="minor">
-            <a:schemeClr val="lt1"/>
-          </a:fontRef>
-        </p:style>
-        <p:txBody>
-          <a:bodyPr rtlCol="0" anchor="ctr"/>
-          <a:lstStyle/>
-          <a:p>
-            <a:pPr algn="ctr"/>
-            <a:endParaRPr lang="zh-CN" altLang="en-US"/>
-          </a:p>
-        </p:txBody>
-      </p:sp>
-      <p:sp>
-        <p:nvSpPr>
-          <p:cNvPr id="14" name="矩形: 圆角 13">
-            <a:extLst>
-              <a:ext uri="{FF2B5EF4-FFF2-40B4-BE49-F238E27FC236}">
-                <a16:creationId xmlns:a16="http://schemas.microsoft.com/office/drawing/2014/main" id="{C58A07B0-67F9-C681-61A5-1A8ED53ECD4C}"/>
-              </a:ext>
-            </a:extLst>
-          </p:cNvPr>
-          <p:cNvSpPr/>
-          <p:nvPr/>
-        </p:nvSpPr>
-        <p:spPr>
-          <a:xfrm>
-            <a:off x="9677400" y="3609967"/>
-            <a:ext cx="809625" cy="1133475"/>
-          </a:xfrm>
-          <a:prstGeom prst="roundRect">
-            <a:avLst/>
-          </a:prstGeom>
-          <a:solidFill>
-            <a:srgbClr val="8B345F"/>
-          </a:solidFill>
-          <a:ln>
-            <a:noFill/>
-          </a:ln>
-        </p:spPr>
-        <p:style>
-          <a:lnRef idx="2">
-            <a:schemeClr val="accent1">
-              <a:shade val="50000"/>
-            </a:schemeClr>
-          </a:lnRef>
-          <a:fillRef idx="1">
-            <a:schemeClr val="accent1"/>
-          </a:fillRef>
-          <a:effectRef idx="0">
-            <a:schemeClr val="accent1"/>
-          </a:effectRef>
-          <a:fontRef idx="minor">
-            <a:schemeClr val="lt1"/>
-          </a:fontRef>
-        </p:style>
-        <p:txBody>
-          <a:bodyPr rtlCol="0" anchor="ctr"/>
-          <a:lstStyle/>
-          <a:p>
-            <a:pPr algn="ctr"/>
-            <a:endParaRPr lang="zh-CN" altLang="en-US"/>
-          </a:p>
-        </p:txBody>
-      </p:sp>
-      <p:sp>
-        <p:nvSpPr>
-          <p:cNvPr id="15" name="矩形: 圆角 14">
-            <a:extLst>
-              <a:ext uri="{FF2B5EF4-FFF2-40B4-BE49-F238E27FC236}">
-                <a16:creationId xmlns:a16="http://schemas.microsoft.com/office/drawing/2014/main" id="{0EBD36FE-0048-1F76-D9B7-782E3F633197}"/>
-              </a:ext>
-            </a:extLst>
-          </p:cNvPr>
-          <p:cNvSpPr/>
-          <p:nvPr/>
-        </p:nvSpPr>
-        <p:spPr>
-          <a:xfrm>
-            <a:off x="10791825" y="3609966"/>
-            <a:ext cx="809625" cy="1133475"/>
-          </a:xfrm>
-          <a:prstGeom prst="roundRect">
-            <a:avLst/>
-          </a:prstGeom>
-          <a:solidFill>
-            <a:srgbClr val="51184F"/>
-          </a:solidFill>
-          <a:ln>
-            <a:noFill/>
-          </a:ln>
-        </p:spPr>
-        <p:style>
-          <a:lnRef idx="2">
-            <a:schemeClr val="accent1">
-              <a:shade val="50000"/>
-            </a:schemeClr>
-          </a:lnRef>
-          <a:fillRef idx="1">
-            <a:schemeClr val="accent1"/>
-          </a:fillRef>
-          <a:effectRef idx="0">
-            <a:schemeClr val="accent1"/>
-          </a:effectRef>
-          <a:fontRef idx="minor">
-            <a:schemeClr val="lt1"/>
-          </a:fontRef>
-        </p:style>
-        <p:txBody>
-          <a:bodyPr rtlCol="0" anchor="ctr"/>
-          <a:lstStyle/>
-          <a:p>
-            <a:pPr algn="ctr"/>
-            <a:endParaRPr lang="zh-CN" altLang="en-US"/>
-          </a:p>
-        </p:txBody>
-      </p:sp>
-    </p:spTree>
-    <p:extLst>
-      <p:ext uri="{BB962C8B-B14F-4D97-AF65-F5344CB8AC3E}">
-        <p14:creationId xmlns:p14="http://schemas.microsoft.com/office/powerpoint/2010/main" val="1659420923"/>
       </p:ext>
     </p:extLst>
   </p:cSld>
@@ -25127,6 +24774,556 @@
           <a:chExt cx="0" cy="0"/>
         </a:xfrm>
       </p:grpSpPr>
+      <p:sp>
+        <p:nvSpPr>
+          <p:cNvPr id="6" name="矩形: 圆角 5">
+            <a:extLst>
+              <a:ext uri="{FF2B5EF4-FFF2-40B4-BE49-F238E27FC236}">
+                <a16:creationId xmlns:a16="http://schemas.microsoft.com/office/drawing/2014/main" id="{5A5E4F27-3157-A1E3-FE45-C74612E6C03A}"/>
+              </a:ext>
+            </a:extLst>
+          </p:cNvPr>
+          <p:cNvSpPr/>
+          <p:nvPr/>
+        </p:nvSpPr>
+        <p:spPr>
+          <a:xfrm>
+            <a:off x="762000" y="3609975"/>
+            <a:ext cx="809625" cy="1133475"/>
+          </a:xfrm>
+          <a:prstGeom prst="roundRect">
+            <a:avLst/>
+          </a:prstGeom>
+          <a:solidFill>
+            <a:srgbClr val="20364E"/>
+          </a:solidFill>
+          <a:ln>
+            <a:noFill/>
+          </a:ln>
+        </p:spPr>
+        <p:style>
+          <a:lnRef idx="2">
+            <a:schemeClr val="accent1">
+              <a:shade val="50000"/>
+            </a:schemeClr>
+          </a:lnRef>
+          <a:fillRef idx="1">
+            <a:schemeClr val="accent1"/>
+          </a:fillRef>
+          <a:effectRef idx="0">
+            <a:schemeClr val="accent1"/>
+          </a:effectRef>
+          <a:fontRef idx="minor">
+            <a:schemeClr val="lt1"/>
+          </a:fontRef>
+        </p:style>
+        <p:txBody>
+          <a:bodyPr rtlCol="0" anchor="ctr"/>
+          <a:lstStyle/>
+          <a:p>
+            <a:pPr algn="ctr"/>
+            <a:endParaRPr lang="zh-CN" altLang="en-US"/>
+          </a:p>
+        </p:txBody>
+      </p:sp>
+      <p:sp>
+        <p:nvSpPr>
+          <p:cNvPr id="7" name="矩形: 圆角 6">
+            <a:extLst>
+              <a:ext uri="{FF2B5EF4-FFF2-40B4-BE49-F238E27FC236}">
+                <a16:creationId xmlns:a16="http://schemas.microsoft.com/office/drawing/2014/main" id="{9B9BA853-413B-53BE-03D6-3D935A36C63B}"/>
+              </a:ext>
+            </a:extLst>
+          </p:cNvPr>
+          <p:cNvSpPr/>
+          <p:nvPr/>
+        </p:nvSpPr>
+        <p:spPr>
+          <a:xfrm>
+            <a:off x="1876425" y="3609974"/>
+            <a:ext cx="809625" cy="1133475"/>
+          </a:xfrm>
+          <a:prstGeom prst="roundRect">
+            <a:avLst/>
+          </a:prstGeom>
+          <a:solidFill>
+            <a:srgbClr val="30656B"/>
+          </a:solidFill>
+          <a:ln>
+            <a:noFill/>
+          </a:ln>
+        </p:spPr>
+        <p:style>
+          <a:lnRef idx="2">
+            <a:schemeClr val="accent1">
+              <a:shade val="50000"/>
+            </a:schemeClr>
+          </a:lnRef>
+          <a:fillRef idx="1">
+            <a:schemeClr val="accent1"/>
+          </a:fillRef>
+          <a:effectRef idx="0">
+            <a:schemeClr val="accent1"/>
+          </a:effectRef>
+          <a:fontRef idx="minor">
+            <a:schemeClr val="lt1"/>
+          </a:fontRef>
+        </p:style>
+        <p:txBody>
+          <a:bodyPr rtlCol="0" anchor="ctr"/>
+          <a:lstStyle/>
+          <a:p>
+            <a:pPr algn="ctr"/>
+            <a:endParaRPr lang="zh-CN" altLang="en-US"/>
+          </a:p>
+        </p:txBody>
+      </p:sp>
+      <p:sp>
+        <p:nvSpPr>
+          <p:cNvPr id="8" name="矩形: 圆角 7">
+            <a:extLst>
+              <a:ext uri="{FF2B5EF4-FFF2-40B4-BE49-F238E27FC236}">
+                <a16:creationId xmlns:a16="http://schemas.microsoft.com/office/drawing/2014/main" id="{BDDB5A8A-701A-6CFB-A757-73E7BBACF5AD}"/>
+              </a:ext>
+            </a:extLst>
+          </p:cNvPr>
+          <p:cNvSpPr/>
+          <p:nvPr/>
+        </p:nvSpPr>
+        <p:spPr>
+          <a:xfrm>
+            <a:off x="2990850" y="3609973"/>
+            <a:ext cx="809625" cy="1133475"/>
+          </a:xfrm>
+          <a:prstGeom prst="roundRect">
+            <a:avLst/>
+          </a:prstGeom>
+          <a:solidFill>
+            <a:srgbClr val="4E9381"/>
+          </a:solidFill>
+          <a:ln>
+            <a:noFill/>
+          </a:ln>
+        </p:spPr>
+        <p:style>
+          <a:lnRef idx="2">
+            <a:schemeClr val="accent1">
+              <a:shade val="50000"/>
+            </a:schemeClr>
+          </a:lnRef>
+          <a:fillRef idx="1">
+            <a:schemeClr val="accent1"/>
+          </a:fillRef>
+          <a:effectRef idx="0">
+            <a:schemeClr val="accent1"/>
+          </a:effectRef>
+          <a:fontRef idx="minor">
+            <a:schemeClr val="lt1"/>
+          </a:fontRef>
+        </p:style>
+        <p:txBody>
+          <a:bodyPr rtlCol="0" anchor="ctr"/>
+          <a:lstStyle/>
+          <a:p>
+            <a:pPr algn="ctr"/>
+            <a:endParaRPr lang="zh-CN" altLang="en-US"/>
+          </a:p>
+        </p:txBody>
+      </p:sp>
+      <p:sp>
+        <p:nvSpPr>
+          <p:cNvPr id="9" name="矩形: 圆角 8">
+            <a:extLst>
+              <a:ext uri="{FF2B5EF4-FFF2-40B4-BE49-F238E27FC236}">
+                <a16:creationId xmlns:a16="http://schemas.microsoft.com/office/drawing/2014/main" id="{F1B47123-7D4A-E180-145C-62B7A0BB5997}"/>
+              </a:ext>
+            </a:extLst>
+          </p:cNvPr>
+          <p:cNvSpPr/>
+          <p:nvPr/>
+        </p:nvSpPr>
+        <p:spPr>
+          <a:xfrm>
+            <a:off x="4105275" y="3609972"/>
+            <a:ext cx="809625" cy="1133475"/>
+          </a:xfrm>
+          <a:prstGeom prst="roundRect">
+            <a:avLst/>
+          </a:prstGeom>
+          <a:solidFill>
+            <a:srgbClr val="96B99B"/>
+          </a:solidFill>
+          <a:ln>
+            <a:noFill/>
+          </a:ln>
+        </p:spPr>
+        <p:style>
+          <a:lnRef idx="2">
+            <a:schemeClr val="accent1">
+              <a:shade val="50000"/>
+            </a:schemeClr>
+          </a:lnRef>
+          <a:fillRef idx="1">
+            <a:schemeClr val="accent1"/>
+          </a:fillRef>
+          <a:effectRef idx="0">
+            <a:schemeClr val="accent1"/>
+          </a:effectRef>
+          <a:fontRef idx="minor">
+            <a:schemeClr val="lt1"/>
+          </a:fontRef>
+        </p:style>
+        <p:txBody>
+          <a:bodyPr rtlCol="0" anchor="ctr"/>
+          <a:lstStyle/>
+          <a:p>
+            <a:pPr algn="ctr"/>
+            <a:endParaRPr lang="zh-CN" altLang="en-US"/>
+          </a:p>
+        </p:txBody>
+      </p:sp>
+      <p:sp>
+        <p:nvSpPr>
+          <p:cNvPr id="10" name="矩形: 圆角 9">
+            <a:extLst>
+              <a:ext uri="{FF2B5EF4-FFF2-40B4-BE49-F238E27FC236}">
+                <a16:creationId xmlns:a16="http://schemas.microsoft.com/office/drawing/2014/main" id="{FF7981CA-64CF-CC7B-0906-F78A47172A8D}"/>
+              </a:ext>
+            </a:extLst>
+          </p:cNvPr>
+          <p:cNvSpPr/>
+          <p:nvPr/>
+        </p:nvSpPr>
+        <p:spPr>
+          <a:xfrm>
+            <a:off x="5219700" y="3609971"/>
+            <a:ext cx="809625" cy="1133475"/>
+          </a:xfrm>
+          <a:prstGeom prst="roundRect">
+            <a:avLst/>
+          </a:prstGeom>
+          <a:solidFill>
+            <a:srgbClr val="DDDFD1"/>
+          </a:solidFill>
+          <a:ln>
+            <a:noFill/>
+          </a:ln>
+        </p:spPr>
+        <p:style>
+          <a:lnRef idx="2">
+            <a:schemeClr val="accent1">
+              <a:shade val="50000"/>
+            </a:schemeClr>
+          </a:lnRef>
+          <a:fillRef idx="1">
+            <a:schemeClr val="accent1"/>
+          </a:fillRef>
+          <a:effectRef idx="0">
+            <a:schemeClr val="accent1"/>
+          </a:effectRef>
+          <a:fontRef idx="minor">
+            <a:schemeClr val="lt1"/>
+          </a:fontRef>
+        </p:style>
+        <p:txBody>
+          <a:bodyPr rtlCol="0" anchor="ctr"/>
+          <a:lstStyle/>
+          <a:p>
+            <a:pPr algn="ctr"/>
+            <a:endParaRPr lang="zh-CN" altLang="en-US"/>
+          </a:p>
+        </p:txBody>
+      </p:sp>
+      <p:sp>
+        <p:nvSpPr>
+          <p:cNvPr id="11" name="矩形: 圆角 10">
+            <a:extLst>
+              <a:ext uri="{FF2B5EF4-FFF2-40B4-BE49-F238E27FC236}">
+                <a16:creationId xmlns:a16="http://schemas.microsoft.com/office/drawing/2014/main" id="{B1DB2738-C805-B4C8-0743-D6E0B6E0EFC1}"/>
+              </a:ext>
+            </a:extLst>
+          </p:cNvPr>
+          <p:cNvSpPr/>
+          <p:nvPr/>
+        </p:nvSpPr>
+        <p:spPr>
+          <a:xfrm>
+            <a:off x="6334125" y="3609970"/>
+            <a:ext cx="809625" cy="1133475"/>
+          </a:xfrm>
+          <a:prstGeom prst="roundRect">
+            <a:avLst/>
+          </a:prstGeom>
+          <a:solidFill>
+            <a:srgbClr val="ECDBD1"/>
+          </a:solidFill>
+          <a:ln>
+            <a:noFill/>
+          </a:ln>
+        </p:spPr>
+        <p:style>
+          <a:lnRef idx="2">
+            <a:schemeClr val="accent1">
+              <a:shade val="50000"/>
+            </a:schemeClr>
+          </a:lnRef>
+          <a:fillRef idx="1">
+            <a:schemeClr val="accent1"/>
+          </a:fillRef>
+          <a:effectRef idx="0">
+            <a:schemeClr val="accent1"/>
+          </a:effectRef>
+          <a:fontRef idx="minor">
+            <a:schemeClr val="lt1"/>
+          </a:fontRef>
+        </p:style>
+        <p:txBody>
+          <a:bodyPr rtlCol="0" anchor="ctr"/>
+          <a:lstStyle/>
+          <a:p>
+            <a:pPr algn="ctr"/>
+            <a:endParaRPr lang="zh-CN" altLang="en-US"/>
+          </a:p>
+        </p:txBody>
+      </p:sp>
+      <p:sp>
+        <p:nvSpPr>
+          <p:cNvPr id="12" name="矩形: 圆角 11">
+            <a:extLst>
+              <a:ext uri="{FF2B5EF4-FFF2-40B4-BE49-F238E27FC236}">
+                <a16:creationId xmlns:a16="http://schemas.microsoft.com/office/drawing/2014/main" id="{A16EA328-3501-9C4E-FEF9-1F0B5AA64F73}"/>
+              </a:ext>
+            </a:extLst>
+          </p:cNvPr>
+          <p:cNvSpPr/>
+          <p:nvPr/>
+        </p:nvSpPr>
+        <p:spPr>
+          <a:xfrm>
+            <a:off x="7448550" y="3609969"/>
+            <a:ext cx="809625" cy="1133475"/>
+          </a:xfrm>
+          <a:prstGeom prst="roundRect">
+            <a:avLst/>
+          </a:prstGeom>
+          <a:solidFill>
+            <a:srgbClr val="D49B88"/>
+          </a:solidFill>
+          <a:ln>
+            <a:noFill/>
+          </a:ln>
+        </p:spPr>
+        <p:style>
+          <a:lnRef idx="2">
+            <a:schemeClr val="accent1">
+              <a:shade val="50000"/>
+            </a:schemeClr>
+          </a:lnRef>
+          <a:fillRef idx="1">
+            <a:schemeClr val="accent1"/>
+          </a:fillRef>
+          <a:effectRef idx="0">
+            <a:schemeClr val="accent1"/>
+          </a:effectRef>
+          <a:fontRef idx="minor">
+            <a:schemeClr val="lt1"/>
+          </a:fontRef>
+        </p:style>
+        <p:txBody>
+          <a:bodyPr rtlCol="0" anchor="ctr"/>
+          <a:lstStyle/>
+          <a:p>
+            <a:pPr algn="ctr"/>
+            <a:endParaRPr lang="zh-CN" altLang="en-US"/>
+          </a:p>
+        </p:txBody>
+      </p:sp>
+      <p:sp>
+        <p:nvSpPr>
+          <p:cNvPr id="13" name="矩形: 圆角 12">
+            <a:extLst>
+              <a:ext uri="{FF2B5EF4-FFF2-40B4-BE49-F238E27FC236}">
+                <a16:creationId xmlns:a16="http://schemas.microsoft.com/office/drawing/2014/main" id="{6BCE8D07-36DF-9026-2940-E544ADD7048B}"/>
+              </a:ext>
+            </a:extLst>
+          </p:cNvPr>
+          <p:cNvSpPr/>
+          <p:nvPr/>
+        </p:nvSpPr>
+        <p:spPr>
+          <a:xfrm>
+            <a:off x="8562975" y="3609968"/>
+            <a:ext cx="809625" cy="1133475"/>
+          </a:xfrm>
+          <a:prstGeom prst="roundRect">
+            <a:avLst/>
+          </a:prstGeom>
+          <a:solidFill>
+            <a:srgbClr val="B86366"/>
+          </a:solidFill>
+          <a:ln>
+            <a:noFill/>
+          </a:ln>
+        </p:spPr>
+        <p:style>
+          <a:lnRef idx="2">
+            <a:schemeClr val="accent1">
+              <a:shade val="50000"/>
+            </a:schemeClr>
+          </a:lnRef>
+          <a:fillRef idx="1">
+            <a:schemeClr val="accent1"/>
+          </a:fillRef>
+          <a:effectRef idx="0">
+            <a:schemeClr val="accent1"/>
+          </a:effectRef>
+          <a:fontRef idx="minor">
+            <a:schemeClr val="lt1"/>
+          </a:fontRef>
+        </p:style>
+        <p:txBody>
+          <a:bodyPr rtlCol="0" anchor="ctr"/>
+          <a:lstStyle/>
+          <a:p>
+            <a:pPr algn="ctr"/>
+            <a:endParaRPr lang="zh-CN" altLang="en-US"/>
+          </a:p>
+        </p:txBody>
+      </p:sp>
+      <p:sp>
+        <p:nvSpPr>
+          <p:cNvPr id="14" name="矩形: 圆角 13">
+            <a:extLst>
+              <a:ext uri="{FF2B5EF4-FFF2-40B4-BE49-F238E27FC236}">
+                <a16:creationId xmlns:a16="http://schemas.microsoft.com/office/drawing/2014/main" id="{C58A07B0-67F9-C681-61A5-1A8ED53ECD4C}"/>
+              </a:ext>
+            </a:extLst>
+          </p:cNvPr>
+          <p:cNvSpPr/>
+          <p:nvPr/>
+        </p:nvSpPr>
+        <p:spPr>
+          <a:xfrm>
+            <a:off x="9677400" y="3609967"/>
+            <a:ext cx="809625" cy="1133475"/>
+          </a:xfrm>
+          <a:prstGeom prst="roundRect">
+            <a:avLst/>
+          </a:prstGeom>
+          <a:solidFill>
+            <a:srgbClr val="8B345F"/>
+          </a:solidFill>
+          <a:ln>
+            <a:noFill/>
+          </a:ln>
+        </p:spPr>
+        <p:style>
+          <a:lnRef idx="2">
+            <a:schemeClr val="accent1">
+              <a:shade val="50000"/>
+            </a:schemeClr>
+          </a:lnRef>
+          <a:fillRef idx="1">
+            <a:schemeClr val="accent1"/>
+          </a:fillRef>
+          <a:effectRef idx="0">
+            <a:schemeClr val="accent1"/>
+          </a:effectRef>
+          <a:fontRef idx="minor">
+            <a:schemeClr val="lt1"/>
+          </a:fontRef>
+        </p:style>
+        <p:txBody>
+          <a:bodyPr rtlCol="0" anchor="ctr"/>
+          <a:lstStyle/>
+          <a:p>
+            <a:pPr algn="ctr"/>
+            <a:endParaRPr lang="zh-CN" altLang="en-US"/>
+          </a:p>
+        </p:txBody>
+      </p:sp>
+      <p:sp>
+        <p:nvSpPr>
+          <p:cNvPr id="15" name="矩形: 圆角 14">
+            <a:extLst>
+              <a:ext uri="{FF2B5EF4-FFF2-40B4-BE49-F238E27FC236}">
+                <a16:creationId xmlns:a16="http://schemas.microsoft.com/office/drawing/2014/main" id="{0EBD36FE-0048-1F76-D9B7-782E3F633197}"/>
+              </a:ext>
+            </a:extLst>
+          </p:cNvPr>
+          <p:cNvSpPr/>
+          <p:nvPr/>
+        </p:nvSpPr>
+        <p:spPr>
+          <a:xfrm>
+            <a:off x="10791825" y="3609966"/>
+            <a:ext cx="809625" cy="1133475"/>
+          </a:xfrm>
+          <a:prstGeom prst="roundRect">
+            <a:avLst/>
+          </a:prstGeom>
+          <a:solidFill>
+            <a:srgbClr val="51184F"/>
+          </a:solidFill>
+          <a:ln>
+            <a:noFill/>
+          </a:ln>
+        </p:spPr>
+        <p:style>
+          <a:lnRef idx="2">
+            <a:schemeClr val="accent1">
+              <a:shade val="50000"/>
+            </a:schemeClr>
+          </a:lnRef>
+          <a:fillRef idx="1">
+            <a:schemeClr val="accent1"/>
+          </a:fillRef>
+          <a:effectRef idx="0">
+            <a:schemeClr val="accent1"/>
+          </a:effectRef>
+          <a:fontRef idx="minor">
+            <a:schemeClr val="lt1"/>
+          </a:fontRef>
+        </p:style>
+        <p:txBody>
+          <a:bodyPr rtlCol="0" anchor="ctr"/>
+          <a:lstStyle/>
+          <a:p>
+            <a:pPr algn="ctr"/>
+            <a:endParaRPr lang="zh-CN" altLang="en-US"/>
+          </a:p>
+        </p:txBody>
+      </p:sp>
+    </p:spTree>
+    <p:extLst>
+      <p:ext uri="{BB962C8B-B14F-4D97-AF65-F5344CB8AC3E}">
+        <p14:creationId xmlns:p14="http://schemas.microsoft.com/office/powerpoint/2010/main" val="1659420923"/>
+      </p:ext>
+    </p:extLst>
+  </p:cSld>
+  <p:clrMapOvr>
+    <a:masterClrMapping/>
+  </p:clrMapOvr>
+</p:sld>
+</file>
+
+<file path=ppt/slides/slide21.xml><?xml version="1.0" encoding="utf-8"?>
+<p:sld xmlns:a="http://schemas.openxmlformats.org/drawingml/2006/main" xmlns:r="http://schemas.openxmlformats.org/officeDocument/2006/relationships" xmlns:p="http://schemas.openxmlformats.org/presentationml/2006/main">
+  <p:cSld>
+    <p:spTree>
+      <p:nvGrpSpPr>
+        <p:cNvPr id="1" name=""/>
+        <p:cNvGrpSpPr/>
+        <p:nvPr/>
+      </p:nvGrpSpPr>
+      <p:grpSpPr>
+        <a:xfrm>
+          <a:off x="0" y="0"/>
+          <a:ext cx="0" cy="0"/>
+          <a:chOff x="0" y="0"/>
+          <a:chExt cx="0" cy="0"/>
+        </a:xfrm>
+      </p:grpSpPr>
       <p:grpSp>
         <p:nvGrpSpPr>
           <p:cNvPr id="11" name="组合 10">
@@ -25285,7 +25482,7 @@
 </p:sld>
 </file>
 
-<file path=ppt/slides/slide21.xml><?xml version="1.0" encoding="utf-8"?>
+<file path=ppt/slides/slide22.xml><?xml version="1.0" encoding="utf-8"?>
 <p:sld xmlns:a="http://schemas.openxmlformats.org/drawingml/2006/main" xmlns:r="http://schemas.openxmlformats.org/officeDocument/2006/relationships" xmlns:p="http://schemas.openxmlformats.org/presentationml/2006/main">
   <p:cSld>
     <p:spTree>
@@ -25887,7 +26084,7 @@
 </p:sld>
 </file>
 
-<file path=ppt/slides/slide22.xml><?xml version="1.0" encoding="utf-8"?>
+<file path=ppt/slides/slide23.xml><?xml version="1.0" encoding="utf-8"?>
 <p:sld xmlns:a="http://schemas.openxmlformats.org/drawingml/2006/main" xmlns:r="http://schemas.openxmlformats.org/officeDocument/2006/relationships" xmlns:p="http://schemas.openxmlformats.org/presentationml/2006/main">
   <p:cSld>
     <p:spTree>
@@ -26263,7 +26460,7 @@
 </p:sld>
 </file>
 
-<file path=ppt/slides/slide23.xml><?xml version="1.0" encoding="utf-8"?>
+<file path=ppt/slides/slide24.xml><?xml version="1.0" encoding="utf-8"?>
 <p:sld xmlns:a="http://schemas.openxmlformats.org/drawingml/2006/main" xmlns:r="http://schemas.openxmlformats.org/officeDocument/2006/relationships" xmlns:p="http://schemas.openxmlformats.org/presentationml/2006/main">
   <p:cSld>
     <p:spTree>
@@ -26334,7 +26531,7 @@
 </p:sld>
 </file>
 
-<file path=ppt/slides/slide24.xml><?xml version="1.0" encoding="utf-8"?>
+<file path=ppt/slides/slide25.xml><?xml version="1.0" encoding="utf-8"?>
 <p:sld xmlns:a="http://schemas.openxmlformats.org/drawingml/2006/main" xmlns:r="http://schemas.openxmlformats.org/officeDocument/2006/relationships" xmlns:p="http://schemas.openxmlformats.org/presentationml/2006/main">
   <p:cSld>
     <p:spTree>
@@ -29984,7 +30181,7 @@
 </p:sld>
 </file>
 
-<file path=ppt/slides/slide25.xml><?xml version="1.0" encoding="utf-8"?>
+<file path=ppt/slides/slide26.xml><?xml version="1.0" encoding="utf-8"?>
 <p:sld xmlns:a="http://schemas.openxmlformats.org/drawingml/2006/main" xmlns:r="http://schemas.openxmlformats.org/officeDocument/2006/relationships" xmlns:p="http://schemas.openxmlformats.org/presentationml/2006/main">
   <p:cSld>
     <p:spTree>
@@ -30941,7 +31138,7 @@
 </p:sld>
 </file>
 
-<file path=ppt/slides/slide26.xml><?xml version="1.0" encoding="utf-8"?>
+<file path=ppt/slides/slide27.xml><?xml version="1.0" encoding="utf-8"?>
 <p:sld xmlns:a="http://schemas.openxmlformats.org/drawingml/2006/main" xmlns:r="http://schemas.openxmlformats.org/officeDocument/2006/relationships" xmlns:p="http://schemas.openxmlformats.org/presentationml/2006/main">
   <p:cSld>
     <p:spTree>
@@ -36915,7 +37112,7 @@
                   <a:latin typeface="霞鹜文楷等宽" panose="02020509000000000000" pitchFamily="49" charset="-122"/>
                   <a:ea typeface="霞鹜文楷等宽" panose="02020509000000000000" pitchFamily="49" charset="-122"/>
                 </a:rPr>
-                <a:t>综合分数</a:t>
+                <a:t>异常度量</a:t>
               </a:r>
             </a:p>
           </p:txBody>
@@ -38944,6 +39141,180 @@
           <a:chExt cx="0" cy="0"/>
         </a:xfrm>
       </p:grpSpPr>
+      <p:pic>
+        <p:nvPicPr>
+          <p:cNvPr id="5" name="图片 4" descr="图表, 折线图&#10;&#10;描述已自动生成">
+            <a:extLst>
+              <a:ext uri="{FF2B5EF4-FFF2-40B4-BE49-F238E27FC236}">
+                <a16:creationId xmlns:a16="http://schemas.microsoft.com/office/drawing/2014/main" id="{95F97264-DF16-4E85-62B5-54C375CE2390}"/>
+              </a:ext>
+            </a:extLst>
+          </p:cNvPr>
+          <p:cNvPicPr>
+            <a:picLocks noChangeAspect="1"/>
+          </p:cNvPicPr>
+          <p:nvPr/>
+        </p:nvPicPr>
+        <p:blipFill>
+          <a:blip r:embed="rId2">
+            <a:extLst>
+              <a:ext uri="{28A0092B-C50C-407E-A947-70E740481C1C}">
+                <a14:useLocalDpi xmlns:a14="http://schemas.microsoft.com/office/drawing/2010/main" val="0"/>
+              </a:ext>
+            </a:extLst>
+          </a:blip>
+          <a:stretch>
+            <a:fillRect/>
+          </a:stretch>
+        </p:blipFill>
+        <p:spPr>
+          <a:xfrm>
+            <a:off x="2524125" y="0"/>
+            <a:ext cx="7143750" cy="6858000"/>
+          </a:xfrm>
+          <a:prstGeom prst="rect">
+            <a:avLst/>
+          </a:prstGeom>
+        </p:spPr>
+      </p:pic>
+      <p:sp>
+        <p:nvSpPr>
+          <p:cNvPr id="6" name="椭圆 5">
+            <a:extLst>
+              <a:ext uri="{FF2B5EF4-FFF2-40B4-BE49-F238E27FC236}">
+                <a16:creationId xmlns:a16="http://schemas.microsoft.com/office/drawing/2014/main" id="{0A035886-1BA6-C1F4-5984-EFFC4E4C5A0F}"/>
+              </a:ext>
+            </a:extLst>
+          </p:cNvPr>
+          <p:cNvSpPr/>
+          <p:nvPr/>
+        </p:nvSpPr>
+        <p:spPr>
+          <a:xfrm>
+            <a:off x="5181600" y="2000251"/>
+            <a:ext cx="95250" cy="103188"/>
+          </a:xfrm>
+          <a:prstGeom prst="ellipse">
+            <a:avLst/>
+          </a:prstGeom>
+          <a:solidFill>
+            <a:schemeClr val="accent5">
+              <a:lumMod val="50000"/>
+            </a:schemeClr>
+          </a:solidFill>
+          <a:ln>
+            <a:noFill/>
+          </a:ln>
+        </p:spPr>
+        <p:style>
+          <a:lnRef idx="2">
+            <a:schemeClr val="accent1">
+              <a:shade val="15000"/>
+            </a:schemeClr>
+          </a:lnRef>
+          <a:fillRef idx="1">
+            <a:schemeClr val="accent1"/>
+          </a:fillRef>
+          <a:effectRef idx="0">
+            <a:schemeClr val="accent1"/>
+          </a:effectRef>
+          <a:fontRef idx="minor">
+            <a:schemeClr val="lt1"/>
+          </a:fontRef>
+        </p:style>
+        <p:txBody>
+          <a:bodyPr rtlCol="0" anchor="ctr"/>
+          <a:lstStyle/>
+          <a:p>
+            <a:pPr algn="ctr"/>
+            <a:endParaRPr lang="zh-CN" altLang="en-US"/>
+          </a:p>
+        </p:txBody>
+      </p:sp>
+      <p:sp>
+        <p:nvSpPr>
+          <p:cNvPr id="7" name="椭圆 6">
+            <a:extLst>
+              <a:ext uri="{FF2B5EF4-FFF2-40B4-BE49-F238E27FC236}">
+                <a16:creationId xmlns:a16="http://schemas.microsoft.com/office/drawing/2014/main" id="{173AA09D-A374-2AF9-BCF7-5EA7BE131F4C}"/>
+              </a:ext>
+            </a:extLst>
+          </p:cNvPr>
+          <p:cNvSpPr/>
+          <p:nvPr/>
+        </p:nvSpPr>
+        <p:spPr>
+          <a:xfrm>
+            <a:off x="8362950" y="3248026"/>
+            <a:ext cx="95250" cy="103188"/>
+          </a:xfrm>
+          <a:prstGeom prst="ellipse">
+            <a:avLst/>
+          </a:prstGeom>
+          <a:solidFill>
+            <a:schemeClr val="accent5">
+              <a:lumMod val="50000"/>
+            </a:schemeClr>
+          </a:solidFill>
+          <a:ln>
+            <a:noFill/>
+          </a:ln>
+        </p:spPr>
+        <p:style>
+          <a:lnRef idx="2">
+            <a:schemeClr val="accent1">
+              <a:shade val="15000"/>
+            </a:schemeClr>
+          </a:lnRef>
+          <a:fillRef idx="1">
+            <a:schemeClr val="accent1"/>
+          </a:fillRef>
+          <a:effectRef idx="0">
+            <a:schemeClr val="accent1"/>
+          </a:effectRef>
+          <a:fontRef idx="minor">
+            <a:schemeClr val="lt1"/>
+          </a:fontRef>
+        </p:style>
+        <p:txBody>
+          <a:bodyPr rtlCol="0" anchor="ctr"/>
+          <a:lstStyle/>
+          <a:p>
+            <a:pPr algn="ctr"/>
+            <a:endParaRPr lang="zh-CN" altLang="en-US"/>
+          </a:p>
+        </p:txBody>
+      </p:sp>
+    </p:spTree>
+    <p:extLst>
+      <p:ext uri="{BB962C8B-B14F-4D97-AF65-F5344CB8AC3E}">
+        <p14:creationId xmlns:p14="http://schemas.microsoft.com/office/powerpoint/2010/main" val="692679170"/>
+      </p:ext>
+    </p:extLst>
+  </p:cSld>
+  <p:clrMapOvr>
+    <a:masterClrMapping/>
+  </p:clrMapOvr>
+</p:sld>
+</file>
+
+<file path=ppt/slides/slide7.xml><?xml version="1.0" encoding="utf-8"?>
+<p:sld xmlns:a="http://schemas.openxmlformats.org/drawingml/2006/main" xmlns:r="http://schemas.openxmlformats.org/officeDocument/2006/relationships" xmlns:p="http://schemas.openxmlformats.org/presentationml/2006/main">
+  <p:cSld>
+    <p:spTree>
+      <p:nvGrpSpPr>
+        <p:cNvPr id="1" name=""/>
+        <p:cNvGrpSpPr/>
+        <p:nvPr/>
+      </p:nvGrpSpPr>
+      <p:grpSpPr>
+        <a:xfrm>
+          <a:off x="0" y="0"/>
+          <a:ext cx="0" cy="0"/>
+          <a:chOff x="0" y="0"/>
+          <a:chExt cx="0" cy="0"/>
+        </a:xfrm>
+      </p:grpSpPr>
       <p:grpSp>
         <p:nvGrpSpPr>
           <p:cNvPr id="14" name="组合 13">
@@ -39501,7 +39872,7 @@
 </p:sld>
 </file>
 
-<file path=ppt/slides/slide7.xml><?xml version="1.0" encoding="utf-8"?>
+<file path=ppt/slides/slide8.xml><?xml version="1.0" encoding="utf-8"?>
 <p:sld xmlns:a="http://schemas.openxmlformats.org/drawingml/2006/main" xmlns:r="http://schemas.openxmlformats.org/officeDocument/2006/relationships" xmlns:p="http://schemas.openxmlformats.org/presentationml/2006/main">
   <p:cSld>
     <p:spTree>
@@ -40258,7 +40629,7 @@
 </p:sld>
 </file>
 
-<file path=ppt/slides/slide8.xml><?xml version="1.0" encoding="utf-8"?>
+<file path=ppt/slides/slide9.xml><?xml version="1.0" encoding="utf-8"?>
 <p:sld xmlns:a="http://schemas.openxmlformats.org/drawingml/2006/main" xmlns:r="http://schemas.openxmlformats.org/officeDocument/2006/relationships" xmlns:p="http://schemas.openxmlformats.org/presentationml/2006/main">
   <p:cSld>
     <p:spTree>
@@ -40933,202 +41304,6 @@
 </p:sld>
 </file>
 
-<file path=ppt/slides/slide9.xml><?xml version="1.0" encoding="utf-8"?>
-<p:sld xmlns:a="http://schemas.openxmlformats.org/drawingml/2006/main" xmlns:r="http://schemas.openxmlformats.org/officeDocument/2006/relationships" xmlns:p="http://schemas.openxmlformats.org/presentationml/2006/main">
-  <p:cSld>
-    <p:spTree>
-      <p:nvGrpSpPr>
-        <p:cNvPr id="1" name=""/>
-        <p:cNvGrpSpPr/>
-        <p:nvPr/>
-      </p:nvGrpSpPr>
-      <p:grpSpPr>
-        <a:xfrm>
-          <a:off x="0" y="0"/>
-          <a:ext cx="0" cy="0"/>
-          <a:chOff x="0" y="0"/>
-          <a:chExt cx="0" cy="0"/>
-        </a:xfrm>
-      </p:grpSpPr>
-      <p:sp>
-        <p:nvSpPr>
-          <p:cNvPr id="5" name="椭圆 4">
-            <a:extLst>
-              <a:ext uri="{FF2B5EF4-FFF2-40B4-BE49-F238E27FC236}">
-                <a16:creationId xmlns:a16="http://schemas.microsoft.com/office/drawing/2014/main" id="{DCA58603-FACB-1B9A-32F7-7C5C87A4AC1D}"/>
-              </a:ext>
-            </a:extLst>
-          </p:cNvPr>
-          <p:cNvSpPr/>
-          <p:nvPr/>
-        </p:nvSpPr>
-        <p:spPr>
-          <a:xfrm>
-            <a:off x="3908940" y="1401258"/>
-            <a:ext cx="3378828" cy="3378828"/>
-          </a:xfrm>
-          <a:prstGeom prst="ellipse">
-            <a:avLst/>
-          </a:prstGeom>
-          <a:solidFill>
-            <a:srgbClr val="4D6587"/>
-          </a:solidFill>
-          <a:ln>
-            <a:noFill/>
-          </a:ln>
-        </p:spPr>
-        <p:style>
-          <a:lnRef idx="2">
-            <a:schemeClr val="accent1">
-              <a:shade val="50000"/>
-            </a:schemeClr>
-          </a:lnRef>
-          <a:fillRef idx="1">
-            <a:schemeClr val="accent1"/>
-          </a:fillRef>
-          <a:effectRef idx="0">
-            <a:schemeClr val="accent1"/>
-          </a:effectRef>
-          <a:fontRef idx="minor">
-            <a:schemeClr val="lt1"/>
-          </a:fontRef>
-        </p:style>
-        <p:txBody>
-          <a:bodyPr rtlCol="0" anchor="ctr"/>
-          <a:lstStyle/>
-          <a:p>
-            <a:pPr algn="ctr"/>
-            <a:endParaRPr lang="zh-CN" altLang="en-US"/>
-          </a:p>
-        </p:txBody>
-      </p:sp>
-      <p:sp>
-        <p:nvSpPr>
-          <p:cNvPr id="4" name="文本框 3">
-            <a:extLst>
-              <a:ext uri="{FF2B5EF4-FFF2-40B4-BE49-F238E27FC236}">
-                <a16:creationId xmlns:a16="http://schemas.microsoft.com/office/drawing/2014/main" id="{9A6CA8DF-A95F-73B9-AE75-7C529EC2C812}"/>
-              </a:ext>
-            </a:extLst>
-          </p:cNvPr>
-          <p:cNvSpPr txBox="1"/>
-          <p:nvPr/>
-        </p:nvSpPr>
-        <p:spPr>
-          <a:xfrm>
-            <a:off x="5136689" y="1533906"/>
-            <a:ext cx="923330" cy="3113532"/>
-          </a:xfrm>
-          <a:prstGeom prst="rect">
-            <a:avLst/>
-          </a:prstGeom>
-          <a:noFill/>
-        </p:spPr>
-        <p:txBody>
-          <a:bodyPr vert="eaVert" wrap="square" rtlCol="0">
-            <a:spAutoFit/>
-          </a:bodyPr>
-          <a:lstStyle/>
-          <a:p>
-            <a:r>
-              <a:rPr lang="zh-CN" altLang="en-US" sz="4800">
-                <a:solidFill>
-                  <a:srgbClr val="3E3E3E"/>
-                </a:solidFill>
-                <a:latin typeface="千图笔锋手写体" panose="00000500000000000000" pitchFamily="2" charset="-122"/>
-                <a:ea typeface="千图笔锋手写体" panose="00000500000000000000" pitchFamily="2" charset="-122"/>
-                <a:cs typeface="千图笔锋手写体" panose="00000500000000000000" pitchFamily="2" charset="-122"/>
-              </a:rPr>
-              <a:t>理论  </a:t>
-            </a:r>
-            <a:r>
-              <a:rPr lang="en-US" altLang="zh-CN" sz="4800">
-                <a:solidFill>
-                  <a:srgbClr val="3E3E3E"/>
-                </a:solidFill>
-                <a:latin typeface="千图笔锋手写体" panose="00000500000000000000" pitchFamily="2" charset="-122"/>
-                <a:ea typeface="千图笔锋手写体" panose="00000500000000000000" pitchFamily="2" charset="-122"/>
-                <a:cs typeface="千图笔锋手写体" panose="00000500000000000000" pitchFamily="2" charset="-122"/>
-              </a:rPr>
-              <a:t> </a:t>
-            </a:r>
-            <a:r>
-              <a:rPr lang="zh-CN" altLang="en-US" sz="4800">
-                <a:solidFill>
-                  <a:srgbClr val="3E3E3E"/>
-                </a:solidFill>
-                <a:latin typeface="千图笔锋手写体" panose="00000500000000000000" pitchFamily="2" charset="-122"/>
-                <a:ea typeface="千图笔锋手写体" panose="00000500000000000000" pitchFamily="2" charset="-122"/>
-                <a:cs typeface="千图笔锋手写体" panose="00000500000000000000" pitchFamily="2" charset="-122"/>
-              </a:rPr>
-              <a:t>起学</a:t>
-            </a:r>
-          </a:p>
-        </p:txBody>
-      </p:sp>
-      <p:sp>
-        <p:nvSpPr>
-          <p:cNvPr id="6" name="文本框 5">
-            <a:extLst>
-              <a:ext uri="{FF2B5EF4-FFF2-40B4-BE49-F238E27FC236}">
-                <a16:creationId xmlns:a16="http://schemas.microsoft.com/office/drawing/2014/main" id="{D4C0B9AF-7BBE-6938-85B3-EC37C4332CF5}"/>
-              </a:ext>
-            </a:extLst>
-          </p:cNvPr>
-          <p:cNvSpPr txBox="1"/>
-          <p:nvPr/>
-        </p:nvSpPr>
-        <p:spPr>
-          <a:xfrm>
-            <a:off x="5349728" y="2339292"/>
-            <a:ext cx="497252" cy="1107996"/>
-          </a:xfrm>
-          <a:prstGeom prst="rect">
-            <a:avLst/>
-          </a:prstGeom>
-          <a:noFill/>
-        </p:spPr>
-        <p:txBody>
-          <a:bodyPr wrap="none" rtlCol="0">
-            <a:spAutoFit/>
-          </a:bodyPr>
-          <a:lstStyle/>
-          <a:p>
-            <a:r>
-              <a:rPr lang="en-US" altLang="zh-CN" sz="6600">
-                <a:solidFill>
-                  <a:srgbClr val="E0AD79"/>
-                </a:solidFill>
-                <a:latin typeface="千图笔锋手写体" panose="00000500000000000000" pitchFamily="2" charset="-122"/>
-                <a:ea typeface="千图笔锋手写体" panose="00000500000000000000" pitchFamily="2" charset="-122"/>
-                <a:cs typeface="千图笔锋手写体" panose="00000500000000000000" pitchFamily="2" charset="-122"/>
-              </a:rPr>
-              <a:t>e</a:t>
-            </a:r>
-            <a:endParaRPr lang="zh-CN" altLang="en-US" sz="2800">
-              <a:solidFill>
-                <a:srgbClr val="E0AD79"/>
-              </a:solidFill>
-              <a:latin typeface="千图笔锋手写体" panose="00000500000000000000" pitchFamily="2" charset="-122"/>
-              <a:ea typeface="千图笔锋手写体" panose="00000500000000000000" pitchFamily="2" charset="-122"/>
-              <a:cs typeface="千图笔锋手写体" panose="00000500000000000000" pitchFamily="2" charset="-122"/>
-            </a:endParaRPr>
-          </a:p>
-        </p:txBody>
-      </p:sp>
-    </p:spTree>
-    <p:extLst>
-      <p:ext uri="{BB962C8B-B14F-4D97-AF65-F5344CB8AC3E}">
-        <p14:creationId xmlns:p14="http://schemas.microsoft.com/office/powerpoint/2010/main" val="2882398747"/>
-      </p:ext>
-    </p:extLst>
-  </p:cSld>
-  <p:clrMapOvr>
-    <a:masterClrMapping/>
-  </p:clrMapOvr>
-</p:sld>
-</file>
-
 <file path=ppt/theme/theme1.xml><?xml version="1.0" encoding="utf-8"?>
 <a:theme xmlns:a="http://schemas.openxmlformats.org/drawingml/2006/main" name="Office 主题​​">
   <a:themeElements>
